--- a/PresentationW1.pptx
+++ b/PresentationW1.pptx
@@ -6,12 +6,16 @@
   </p:sldMasterIdLst>
   <p:sldIdLst>
     <p:sldId id="256" r:id="rId2"/>
-    <p:sldId id="257" r:id="rId3"/>
-    <p:sldId id="258" r:id="rId4"/>
-    <p:sldId id="259" r:id="rId5"/>
-    <p:sldId id="260" r:id="rId6"/>
-    <p:sldId id="263" r:id="rId7"/>
-    <p:sldId id="261" r:id="rId8"/>
+    <p:sldId id="264" r:id="rId3"/>
+    <p:sldId id="265" r:id="rId4"/>
+    <p:sldId id="257" r:id="rId5"/>
+    <p:sldId id="266" r:id="rId6"/>
+    <p:sldId id="267" r:id="rId7"/>
+    <p:sldId id="258" r:id="rId8"/>
+    <p:sldId id="259" r:id="rId9"/>
+    <p:sldId id="268" r:id="rId10"/>
+    <p:sldId id="263" r:id="rId11"/>
+    <p:sldId id="261" r:id="rId12"/>
   </p:sldIdLst>
   <p:sldSz cx="12192000" cy="6858000"/>
   <p:notesSz cx="6858000" cy="9144000"/>
@@ -386,7 +390,7 @@
           <a:p>
             <a:fld id="{F30FCBFB-118C-4C9F-B250-79DE819C5D00}" type="slidenum">
               <a:rPr lang="en-GB" smtClean="0"/>
-              <a:t>‹#›</a:t>
+              <a:t>‹N›</a:t>
             </a:fld>
             <a:endParaRPr lang="en-GB"/>
           </a:p>
@@ -594,7 +598,7 @@
           <a:p>
             <a:fld id="{F30FCBFB-118C-4C9F-B250-79DE819C5D00}" type="slidenum">
               <a:rPr lang="en-GB" smtClean="0"/>
-              <a:t>‹#›</a:t>
+              <a:t>‹N›</a:t>
             </a:fld>
             <a:endParaRPr lang="en-GB"/>
           </a:p>
@@ -850,7 +854,7 @@
           <a:p>
             <a:fld id="{F30FCBFB-118C-4C9F-B250-79DE819C5D00}" type="slidenum">
               <a:rPr lang="en-GB" smtClean="0"/>
-              <a:t>‹#›</a:t>
+              <a:t>‹N›</a:t>
             </a:fld>
             <a:endParaRPr lang="en-GB"/>
           </a:p>
@@ -1024,7 +1028,7 @@
           <a:p>
             <a:fld id="{F30FCBFB-118C-4C9F-B250-79DE819C5D00}" type="slidenum">
               <a:rPr lang="en-GB" smtClean="0"/>
-              <a:t>‹#›</a:t>
+              <a:t>‹N›</a:t>
             </a:fld>
             <a:endParaRPr lang="en-GB"/>
           </a:p>
@@ -1367,7 +1371,7 @@
           <a:p>
             <a:fld id="{F30FCBFB-118C-4C9F-B250-79DE819C5D00}" type="slidenum">
               <a:rPr lang="en-GB" smtClean="0"/>
-              <a:t>‹#›</a:t>
+              <a:t>‹N›</a:t>
             </a:fld>
             <a:endParaRPr lang="en-GB"/>
           </a:p>
@@ -1642,7 +1646,7 @@
           <a:p>
             <a:fld id="{F30FCBFB-118C-4C9F-B250-79DE819C5D00}" type="slidenum">
               <a:rPr lang="en-GB" smtClean="0"/>
-              <a:t>‹#›</a:t>
+              <a:t>‹N›</a:t>
             </a:fld>
             <a:endParaRPr lang="en-GB"/>
           </a:p>
@@ -2021,7 +2025,7 @@
           <a:p>
             <a:fld id="{F30FCBFB-118C-4C9F-B250-79DE819C5D00}" type="slidenum">
               <a:rPr lang="en-GB" smtClean="0"/>
-              <a:t>‹#›</a:t>
+              <a:t>‹N›</a:t>
             </a:fld>
             <a:endParaRPr lang="en-GB"/>
           </a:p>
@@ -2139,7 +2143,7 @@
           <a:p>
             <a:fld id="{F30FCBFB-118C-4C9F-B250-79DE819C5D00}" type="slidenum">
               <a:rPr lang="en-GB" smtClean="0"/>
-              <a:t>‹#›</a:t>
+              <a:t>‹N›</a:t>
             </a:fld>
             <a:endParaRPr lang="en-GB"/>
           </a:p>
@@ -2318,7 +2322,7 @@
           <a:p>
             <a:fld id="{F30FCBFB-118C-4C9F-B250-79DE819C5D00}" type="slidenum">
               <a:rPr lang="en-GB" smtClean="0"/>
-              <a:t>‹#›</a:t>
+              <a:t>‹N›</a:t>
             </a:fld>
             <a:endParaRPr lang="en-GB"/>
           </a:p>
@@ -2685,7 +2689,7 @@
           <a:p>
             <a:fld id="{F30FCBFB-118C-4C9F-B250-79DE819C5D00}" type="slidenum">
               <a:rPr lang="en-GB" smtClean="0"/>
-              <a:t>‹#›</a:t>
+              <a:t>‹N›</a:t>
             </a:fld>
             <a:endParaRPr lang="en-GB"/>
           </a:p>
@@ -3046,7 +3050,7 @@
           <a:p>
             <a:fld id="{F30FCBFB-118C-4C9F-B250-79DE819C5D00}" type="slidenum">
               <a:rPr lang="en-GB" smtClean="0"/>
-              <a:t>‹#›</a:t>
+              <a:t>‹N›</a:t>
             </a:fld>
             <a:endParaRPr lang="en-GB"/>
           </a:p>
@@ -3365,7 +3369,7 @@
           <a:p>
             <a:fld id="{F30FCBFB-118C-4C9F-B250-79DE819C5D00}" type="slidenum">
               <a:rPr lang="en-GB" smtClean="0"/>
-              <a:t>‹#›</a:t>
+              <a:t>‹N›</a:t>
             </a:fld>
             <a:endParaRPr lang="en-GB"/>
           </a:p>
@@ -4033,6 +4037,505 @@
 </p:sld>
 </file>
 
+<file path=ppt/slides/slide10.xml><?xml version="1.0" encoding="utf-8"?>
+<p:sld xmlns:a="http://schemas.openxmlformats.org/drawingml/2006/main" xmlns:r="http://schemas.openxmlformats.org/officeDocument/2006/relationships" xmlns:p="http://schemas.openxmlformats.org/presentationml/2006/main">
+  <p:cSld>
+    <p:spTree>
+      <p:nvGrpSpPr>
+        <p:cNvPr id="1" name=""/>
+        <p:cNvGrpSpPr/>
+        <p:nvPr/>
+      </p:nvGrpSpPr>
+      <p:grpSpPr>
+        <a:xfrm>
+          <a:off x="0" y="0"/>
+          <a:ext cx="0" cy="0"/>
+          <a:chOff x="0" y="0"/>
+          <a:chExt cx="0" cy="0"/>
+        </a:xfrm>
+      </p:grpSpPr>
+      <p:sp>
+        <p:nvSpPr>
+          <p:cNvPr id="2" name="Titre 1">
+            <a:extLst>
+              <a:ext uri="{FF2B5EF4-FFF2-40B4-BE49-F238E27FC236}">
+                <a16:creationId xmlns:a16="http://schemas.microsoft.com/office/drawing/2014/main" id="{7BBA3497-EFC3-4064-9E14-1C8FB32354C4}"/>
+              </a:ext>
+            </a:extLst>
+          </p:cNvPr>
+          <p:cNvSpPr>
+            <a:spLocks noGrp="1"/>
+          </p:cNvSpPr>
+          <p:nvPr>
+            <p:ph type="title"/>
+          </p:nvPr>
+        </p:nvSpPr>
+        <p:spPr/>
+        <p:txBody>
+          <a:bodyPr/>
+          <a:lstStyle/>
+          <a:p>
+            <a:r>
+              <a:rPr lang="en-GB" b="1" dirty="0">
+                <a:solidFill>
+                  <a:srgbClr val="BD582C"/>
+                </a:solidFill>
+              </a:rPr>
+              <a:t>Client waiting board</a:t>
+            </a:r>
+            <a:endParaRPr lang="en-GB" dirty="0"/>
+          </a:p>
+        </p:txBody>
+      </p:sp>
+      <p:sp>
+        <p:nvSpPr>
+          <p:cNvPr id="7" name="Rectangle: Rounded Corners 6">
+            <a:extLst>
+              <a:ext uri="{FF2B5EF4-FFF2-40B4-BE49-F238E27FC236}">
+                <a16:creationId xmlns:a16="http://schemas.microsoft.com/office/drawing/2014/main" id="{20852C87-A218-4973-BA7B-8CEEE9A7C742}"/>
+              </a:ext>
+            </a:extLst>
+          </p:cNvPr>
+          <p:cNvSpPr/>
+          <p:nvPr/>
+        </p:nvSpPr>
+        <p:spPr>
+          <a:xfrm>
+            <a:off x="5111804" y="1923926"/>
+            <a:ext cx="1741757" cy="801384"/>
+          </a:xfrm>
+          <a:prstGeom prst="roundRect">
+            <a:avLst/>
+          </a:prstGeom>
+          <a:solidFill>
+            <a:srgbClr val="FFFFFF"/>
+          </a:solidFill>
+          <a:ln>
+            <a:solidFill>
+              <a:schemeClr val="accent1"/>
+            </a:solidFill>
+          </a:ln>
+        </p:spPr>
+        <p:style>
+          <a:lnRef idx="2">
+            <a:schemeClr val="accent1">
+              <a:shade val="50000"/>
+            </a:schemeClr>
+          </a:lnRef>
+          <a:fillRef idx="1">
+            <a:schemeClr val="accent1"/>
+          </a:fillRef>
+          <a:effectRef idx="0">
+            <a:schemeClr val="accent1"/>
+          </a:effectRef>
+          <a:fontRef idx="minor">
+            <a:schemeClr val="lt1"/>
+          </a:fontRef>
+        </p:style>
+        <p:txBody>
+          <a:bodyPr rtlCol="0" anchor="ctr"/>
+          <a:lstStyle/>
+          <a:p>
+            <a:pPr algn="ctr"/>
+            <a:r>
+              <a:rPr lang="en-GB" dirty="0">
+                <a:solidFill>
+                  <a:sysClr val="windowText" lastClr="000000"/>
+                </a:solidFill>
+              </a:rPr>
+              <a:t>The service he is waiting for</a:t>
+            </a:r>
+          </a:p>
+        </p:txBody>
+      </p:sp>
+      <p:pic>
+        <p:nvPicPr>
+          <p:cNvPr id="8" name="Segnaposto contenuto 4">
+            <a:extLst>
+              <a:ext uri="{FF2B5EF4-FFF2-40B4-BE49-F238E27FC236}">
+                <a16:creationId xmlns:a16="http://schemas.microsoft.com/office/drawing/2014/main" id="{282A6990-B902-4B2F-8A17-3FEFBA769457}"/>
+              </a:ext>
+            </a:extLst>
+          </p:cNvPr>
+          <p:cNvPicPr>
+            <a:picLocks noGrp="1" noChangeAspect="1"/>
+          </p:cNvPicPr>
+          <p:nvPr>
+            <p:ph idx="1"/>
+          </p:nvPr>
+        </p:nvPicPr>
+        <p:blipFill>
+          <a:blip r:embed="rId2"/>
+          <a:stretch>
+            <a:fillRect/>
+          </a:stretch>
+        </p:blipFill>
+        <p:spPr>
+          <a:xfrm>
+            <a:off x="2964999" y="3045041"/>
+            <a:ext cx="7500225" cy="2280270"/>
+          </a:xfrm>
+        </p:spPr>
+      </p:pic>
+      <p:cxnSp>
+        <p:nvCxnSpPr>
+          <p:cNvPr id="10" name="Connettore 2 9">
+            <a:extLst>
+              <a:ext uri="{FF2B5EF4-FFF2-40B4-BE49-F238E27FC236}">
+                <a16:creationId xmlns:a16="http://schemas.microsoft.com/office/drawing/2014/main" id="{62AB498A-4E90-4C88-9571-8C938A63D5E1}"/>
+              </a:ext>
+            </a:extLst>
+          </p:cNvPr>
+          <p:cNvCxnSpPr>
+            <a:cxnSpLocks/>
+          </p:cNvCxnSpPr>
+          <p:nvPr/>
+        </p:nvCxnSpPr>
+        <p:spPr>
+          <a:xfrm>
+            <a:off x="6853561" y="2376822"/>
+            <a:ext cx="0" cy="801384"/>
+          </a:xfrm>
+          <a:prstGeom prst="straightConnector1">
+            <a:avLst/>
+          </a:prstGeom>
+          <a:ln>
+            <a:tailEnd type="triangle"/>
+          </a:ln>
+        </p:spPr>
+        <p:style>
+          <a:lnRef idx="1">
+            <a:schemeClr val="accent1"/>
+          </a:lnRef>
+          <a:fillRef idx="0">
+            <a:schemeClr val="accent1"/>
+          </a:fillRef>
+          <a:effectRef idx="0">
+            <a:schemeClr val="accent1"/>
+          </a:effectRef>
+          <a:fontRef idx="minor">
+            <a:schemeClr val="tx1"/>
+          </a:fontRef>
+        </p:style>
+      </p:cxnSp>
+    </p:spTree>
+    <p:extLst>
+      <p:ext uri="{BB962C8B-B14F-4D97-AF65-F5344CB8AC3E}">
+        <p14:creationId xmlns:p14="http://schemas.microsoft.com/office/powerpoint/2010/main" val="507141132"/>
+      </p:ext>
+    </p:extLst>
+  </p:cSld>
+  <p:clrMapOvr>
+    <a:masterClrMapping/>
+  </p:clrMapOvr>
+</p:sld>
+</file>
+
+<file path=ppt/slides/slide11.xml><?xml version="1.0" encoding="utf-8"?>
+<p:sld xmlns:a="http://schemas.openxmlformats.org/drawingml/2006/main" xmlns:r="http://schemas.openxmlformats.org/officeDocument/2006/relationships" xmlns:p="http://schemas.openxmlformats.org/presentationml/2006/main">
+  <p:cSld>
+    <p:spTree>
+      <p:nvGrpSpPr>
+        <p:cNvPr id="1" name=""/>
+        <p:cNvGrpSpPr/>
+        <p:nvPr/>
+      </p:nvGrpSpPr>
+      <p:grpSpPr>
+        <a:xfrm>
+          <a:off x="0" y="0"/>
+          <a:ext cx="0" cy="0"/>
+          <a:chOff x="0" y="0"/>
+          <a:chExt cx="0" cy="0"/>
+        </a:xfrm>
+      </p:grpSpPr>
+      <p:sp>
+        <p:nvSpPr>
+          <p:cNvPr id="2" name="Titre 1">
+            <a:extLst>
+              <a:ext uri="{FF2B5EF4-FFF2-40B4-BE49-F238E27FC236}">
+                <a16:creationId xmlns:a16="http://schemas.microsoft.com/office/drawing/2014/main" id="{7BBA3497-EFC3-4064-9E14-1C8FB32354C4}"/>
+              </a:ext>
+            </a:extLst>
+          </p:cNvPr>
+          <p:cNvSpPr>
+            <a:spLocks noGrp="1"/>
+          </p:cNvSpPr>
+          <p:nvPr>
+            <p:ph type="title"/>
+          </p:nvPr>
+        </p:nvSpPr>
+        <p:spPr/>
+        <p:txBody>
+          <a:bodyPr/>
+          <a:lstStyle/>
+          <a:p>
+            <a:r>
+              <a:rPr lang="en-GB" b="1" dirty="0">
+                <a:solidFill>
+                  <a:srgbClr val="BD582C"/>
+                </a:solidFill>
+              </a:rPr>
+              <a:t>Officers page</a:t>
+            </a:r>
+            <a:endParaRPr lang="en-GB" dirty="0"/>
+          </a:p>
+        </p:txBody>
+      </p:sp>
+      <p:cxnSp>
+        <p:nvCxnSpPr>
+          <p:cNvPr id="6" name="Straight Arrow Connector 5">
+            <a:extLst>
+              <a:ext uri="{FF2B5EF4-FFF2-40B4-BE49-F238E27FC236}">
+                <a16:creationId xmlns:a16="http://schemas.microsoft.com/office/drawing/2014/main" id="{399AAA82-FD2D-4573-AE32-391BA7685CDE}"/>
+              </a:ext>
+            </a:extLst>
+          </p:cNvPr>
+          <p:cNvCxnSpPr>
+            <a:cxnSpLocks/>
+            <a:stCxn id="7" idx="3"/>
+          </p:cNvCxnSpPr>
+          <p:nvPr/>
+        </p:nvCxnSpPr>
+        <p:spPr>
+          <a:xfrm>
+            <a:off x="2533003" y="2300450"/>
+            <a:ext cx="3086562" cy="400692"/>
+          </a:xfrm>
+          <a:prstGeom prst="straightConnector1">
+            <a:avLst/>
+          </a:prstGeom>
+          <a:ln>
+            <a:solidFill>
+              <a:srgbClr val="E48312"/>
+            </a:solidFill>
+            <a:tailEnd type="triangle"/>
+          </a:ln>
+        </p:spPr>
+        <p:style>
+          <a:lnRef idx="1">
+            <a:schemeClr val="accent1"/>
+          </a:lnRef>
+          <a:fillRef idx="0">
+            <a:schemeClr val="accent1"/>
+          </a:fillRef>
+          <a:effectRef idx="0">
+            <a:schemeClr val="accent1"/>
+          </a:effectRef>
+          <a:fontRef idx="minor">
+            <a:schemeClr val="tx1"/>
+          </a:fontRef>
+        </p:style>
+      </p:cxnSp>
+      <p:sp>
+        <p:nvSpPr>
+          <p:cNvPr id="7" name="Rectangle: Rounded Corners 6">
+            <a:extLst>
+              <a:ext uri="{FF2B5EF4-FFF2-40B4-BE49-F238E27FC236}">
+                <a16:creationId xmlns:a16="http://schemas.microsoft.com/office/drawing/2014/main" id="{20852C87-A218-4973-BA7B-8CEEE9A7C742}"/>
+              </a:ext>
+            </a:extLst>
+          </p:cNvPr>
+          <p:cNvSpPr/>
+          <p:nvPr/>
+        </p:nvSpPr>
+        <p:spPr>
+          <a:xfrm>
+            <a:off x="1330097" y="1899758"/>
+            <a:ext cx="1202906" cy="801384"/>
+          </a:xfrm>
+          <a:prstGeom prst="roundRect">
+            <a:avLst/>
+          </a:prstGeom>
+          <a:solidFill>
+            <a:srgbClr val="FFFFFF"/>
+          </a:solidFill>
+          <a:ln>
+            <a:solidFill>
+              <a:schemeClr val="accent1"/>
+            </a:solidFill>
+          </a:ln>
+        </p:spPr>
+        <p:style>
+          <a:lnRef idx="2">
+            <a:schemeClr val="accent1">
+              <a:shade val="50000"/>
+            </a:schemeClr>
+          </a:lnRef>
+          <a:fillRef idx="1">
+            <a:schemeClr val="accent1"/>
+          </a:fillRef>
+          <a:effectRef idx="0">
+            <a:schemeClr val="accent1"/>
+          </a:effectRef>
+          <a:fontRef idx="minor">
+            <a:schemeClr val="lt1"/>
+          </a:fontRef>
+        </p:style>
+        <p:txBody>
+          <a:bodyPr rtlCol="0" anchor="ctr"/>
+          <a:lstStyle/>
+          <a:p>
+            <a:pPr algn="ctr"/>
+            <a:r>
+              <a:rPr lang="en-GB" dirty="0">
+                <a:solidFill>
+                  <a:sysClr val="windowText" lastClr="000000"/>
+                </a:solidFill>
+              </a:rPr>
+              <a:t>Current officer signed in</a:t>
+            </a:r>
+          </a:p>
+        </p:txBody>
+      </p:sp>
+      <p:sp>
+        <p:nvSpPr>
+          <p:cNvPr id="20" name="Rectangle: Rounded Corners 19">
+            <a:extLst>
+              <a:ext uri="{FF2B5EF4-FFF2-40B4-BE49-F238E27FC236}">
+                <a16:creationId xmlns:a16="http://schemas.microsoft.com/office/drawing/2014/main" id="{BF64BEF2-217F-4E38-90FD-5FDC86A30826}"/>
+              </a:ext>
+            </a:extLst>
+          </p:cNvPr>
+          <p:cNvSpPr/>
+          <p:nvPr/>
+        </p:nvSpPr>
+        <p:spPr>
+          <a:xfrm>
+            <a:off x="8349772" y="4747024"/>
+            <a:ext cx="1849349" cy="961302"/>
+          </a:xfrm>
+          <a:prstGeom prst="roundRect">
+            <a:avLst/>
+          </a:prstGeom>
+          <a:solidFill>
+            <a:srgbClr val="FFFFFF"/>
+          </a:solidFill>
+          <a:ln>
+            <a:solidFill>
+              <a:schemeClr val="accent1"/>
+            </a:solidFill>
+          </a:ln>
+        </p:spPr>
+        <p:style>
+          <a:lnRef idx="2">
+            <a:schemeClr val="accent1">
+              <a:shade val="50000"/>
+            </a:schemeClr>
+          </a:lnRef>
+          <a:fillRef idx="1">
+            <a:schemeClr val="accent1"/>
+          </a:fillRef>
+          <a:effectRef idx="0">
+            <a:schemeClr val="accent1"/>
+          </a:effectRef>
+          <a:fontRef idx="minor">
+            <a:schemeClr val="lt1"/>
+          </a:fontRef>
+        </p:style>
+        <p:txBody>
+          <a:bodyPr rtlCol="0" anchor="ctr"/>
+          <a:lstStyle/>
+          <a:p>
+            <a:pPr algn="ctr"/>
+            <a:r>
+              <a:rPr lang="en-GB" dirty="0">
+                <a:solidFill>
+                  <a:sysClr val="windowText" lastClr="000000"/>
+                </a:solidFill>
+              </a:rPr>
+              <a:t>To use when he finished serving a client</a:t>
+            </a:r>
+          </a:p>
+        </p:txBody>
+      </p:sp>
+      <p:pic>
+        <p:nvPicPr>
+          <p:cNvPr id="9" name="Immagine 8">
+            <a:extLst>
+              <a:ext uri="{FF2B5EF4-FFF2-40B4-BE49-F238E27FC236}">
+                <a16:creationId xmlns:a16="http://schemas.microsoft.com/office/drawing/2014/main" id="{5CC4146A-7444-4678-9A78-332E7822D2BD}"/>
+              </a:ext>
+            </a:extLst>
+          </p:cNvPr>
+          <p:cNvPicPr>
+            <a:picLocks noChangeAspect="1"/>
+          </p:cNvPicPr>
+          <p:nvPr/>
+        </p:nvPicPr>
+        <p:blipFill>
+          <a:blip r:embed="rId2"/>
+          <a:stretch>
+            <a:fillRect/>
+          </a:stretch>
+        </p:blipFill>
+        <p:spPr>
+          <a:xfrm>
+            <a:off x="1330097" y="2844104"/>
+            <a:ext cx="8789125" cy="1512257"/>
+          </a:xfrm>
+          <a:prstGeom prst="rect">
+            <a:avLst/>
+          </a:prstGeom>
+        </p:spPr>
+      </p:pic>
+      <p:cxnSp>
+        <p:nvCxnSpPr>
+          <p:cNvPr id="13" name="Straight Arrow Connector 12">
+            <a:extLst>
+              <a:ext uri="{FF2B5EF4-FFF2-40B4-BE49-F238E27FC236}">
+                <a16:creationId xmlns:a16="http://schemas.microsoft.com/office/drawing/2014/main" id="{4ACD3E0A-3371-40C9-9204-620568E2B3D7}"/>
+              </a:ext>
+            </a:extLst>
+          </p:cNvPr>
+          <p:cNvCxnSpPr>
+            <a:cxnSpLocks/>
+            <a:stCxn id="20" idx="0"/>
+          </p:cNvCxnSpPr>
+          <p:nvPr/>
+        </p:nvCxnSpPr>
+        <p:spPr>
+          <a:xfrm flipH="1" flipV="1">
+            <a:off x="9135122" y="4039340"/>
+            <a:ext cx="139325" cy="707684"/>
+          </a:xfrm>
+          <a:prstGeom prst="straightConnector1">
+            <a:avLst/>
+          </a:prstGeom>
+          <a:ln>
+            <a:solidFill>
+              <a:srgbClr val="E48312"/>
+            </a:solidFill>
+            <a:tailEnd type="triangle"/>
+          </a:ln>
+        </p:spPr>
+        <p:style>
+          <a:lnRef idx="1">
+            <a:schemeClr val="accent1"/>
+          </a:lnRef>
+          <a:fillRef idx="0">
+            <a:schemeClr val="accent1"/>
+          </a:fillRef>
+          <a:effectRef idx="0">
+            <a:schemeClr val="accent1"/>
+          </a:effectRef>
+          <a:fontRef idx="minor">
+            <a:schemeClr val="tx1"/>
+          </a:fontRef>
+        </p:style>
+      </p:cxnSp>
+    </p:spTree>
+    <p:extLst>
+      <p:ext uri="{BB962C8B-B14F-4D97-AF65-F5344CB8AC3E}">
+        <p14:creationId xmlns:p14="http://schemas.microsoft.com/office/powerpoint/2010/main" val="2034809084"/>
+      </p:ext>
+    </p:extLst>
+  </p:cSld>
+  <p:clrMapOvr>
+    <a:masterClrMapping/>
+  </p:clrMapOvr>
+</p:sld>
+</file>
+
 <file path=ppt/slides/slide2.xml><?xml version="1.0" encoding="utf-8"?>
 <p:sld xmlns:a="http://schemas.openxmlformats.org/drawingml/2006/main" xmlns:r="http://schemas.openxmlformats.org/officeDocument/2006/relationships" xmlns:p="http://schemas.openxmlformats.org/presentationml/2006/main">
   <p:cSld>
@@ -4052,10 +4555,10 @@
       </p:grpSpPr>
       <p:sp>
         <p:nvSpPr>
-          <p:cNvPr id="2" name="Titre 1">
+          <p:cNvPr id="2" name="Titolo 1">
             <a:extLst>
               <a:ext uri="{FF2B5EF4-FFF2-40B4-BE49-F238E27FC236}">
-                <a16:creationId xmlns:a16="http://schemas.microsoft.com/office/drawing/2014/main" id="{808241B3-E99F-4055-81A4-37A351140ADB}"/>
+                <a16:creationId xmlns:a16="http://schemas.microsoft.com/office/drawing/2014/main" id="{606F4577-6E73-4AAC-B15A-4B908A399C13}"/>
               </a:ext>
             </a:extLst>
           </p:cNvPr>
@@ -4077,421 +4580,122 @@
                   <a:srgbClr val="BD582C"/>
                 </a:solidFill>
               </a:rPr>
-              <a:t>Main Page</a:t>
-            </a:r>
-          </a:p>
-        </p:txBody>
-      </p:sp>
-      <p:pic>
-        <p:nvPicPr>
-          <p:cNvPr id="5" name="Image 4">
+              <a:t>Stories implemented</a:t>
+            </a:r>
+            <a:endParaRPr lang="it-IT" dirty="0"/>
+          </a:p>
+        </p:txBody>
+      </p:sp>
+      <p:sp>
+        <p:nvSpPr>
+          <p:cNvPr id="3" name="Segnaposto contenuto 2">
             <a:extLst>
               <a:ext uri="{FF2B5EF4-FFF2-40B4-BE49-F238E27FC236}">
-                <a16:creationId xmlns:a16="http://schemas.microsoft.com/office/drawing/2014/main" id="{113CB94B-8365-4D94-9658-F76667346170}"/>
+                <a16:creationId xmlns:a16="http://schemas.microsoft.com/office/drawing/2014/main" id="{FADEB079-0515-418F-8435-E0B816D7F385}"/>
               </a:ext>
             </a:extLst>
           </p:cNvPr>
-          <p:cNvPicPr>
-            <a:picLocks noChangeAspect="1"/>
-          </p:cNvPicPr>
-          <p:nvPr/>
-        </p:nvPicPr>
-        <p:blipFill>
-          <a:blip r:embed="rId2"/>
-          <a:stretch>
-            <a:fillRect/>
-          </a:stretch>
-        </p:blipFill>
-        <p:spPr>
-          <a:xfrm>
-            <a:off x="1097280" y="3288504"/>
-            <a:ext cx="9888533" cy="1567180"/>
-          </a:xfrm>
-          <a:prstGeom prst="rect">
-            <a:avLst/>
-          </a:prstGeom>
-        </p:spPr>
-      </p:pic>
-      <p:sp>
-        <p:nvSpPr>
-          <p:cNvPr id="11" name="Rectangle: Rounded Corners 10">
-            <a:extLst>
-              <a:ext uri="{FF2B5EF4-FFF2-40B4-BE49-F238E27FC236}">
-                <a16:creationId xmlns:a16="http://schemas.microsoft.com/office/drawing/2014/main" id="{518E96E9-4ABF-4596-A8D0-A2BB60ADAACB}"/>
-              </a:ext>
-            </a:extLst>
-          </p:cNvPr>
-          <p:cNvSpPr/>
-          <p:nvPr/>
-        </p:nvSpPr>
-        <p:spPr>
-          <a:xfrm>
-            <a:off x="9358044" y="4556022"/>
-            <a:ext cx="1976063" cy="801384"/>
-          </a:xfrm>
-          <a:prstGeom prst="roundRect">
-            <a:avLst/>
-          </a:prstGeom>
-          <a:solidFill>
-            <a:srgbClr val="FFFFFF"/>
-          </a:solidFill>
-          <a:ln>
-            <a:solidFill>
-              <a:schemeClr val="accent1"/>
-            </a:solidFill>
-          </a:ln>
-        </p:spPr>
-        <p:style>
-          <a:lnRef idx="2">
-            <a:schemeClr val="accent1">
-              <a:shade val="50000"/>
-            </a:schemeClr>
-          </a:lnRef>
-          <a:fillRef idx="1">
-            <a:schemeClr val="accent1"/>
-          </a:fillRef>
-          <a:effectRef idx="0">
-            <a:schemeClr val="accent1"/>
-          </a:effectRef>
-          <a:fontRef idx="minor">
-            <a:schemeClr val="lt1"/>
-          </a:fontRef>
-        </p:style>
-        <p:txBody>
-          <a:bodyPr rtlCol="0" anchor="ctr"/>
-          <a:lstStyle/>
-          <a:p>
-            <a:pPr algn="ctr"/>
-            <a:r>
-              <a:rPr lang="en-GB" dirty="0">
-                <a:solidFill>
-                  <a:sysClr val="windowText" lastClr="000000"/>
-                </a:solidFill>
+          <p:cNvSpPr>
+            <a:spLocks noGrp="1"/>
+          </p:cNvSpPr>
+          <p:nvPr>
+            <p:ph idx="1"/>
+          </p:nvPr>
+        </p:nvSpPr>
+        <p:spPr/>
+        <p:txBody>
+          <a:bodyPr/>
+          <a:lstStyle/>
+          <a:p>
+            <a:r>
+              <a:rPr lang="it-IT" dirty="0"/>
+              <a:t>The stories </a:t>
+            </a:r>
+            <a:r>
+              <a:rPr lang="it-IT" dirty="0" err="1"/>
+              <a:t>we</a:t>
+            </a:r>
+            <a:r>
+              <a:rPr lang="it-IT" dirty="0"/>
+              <a:t> </a:t>
+            </a:r>
+            <a:r>
+              <a:rPr lang="it-IT" dirty="0" err="1"/>
+              <a:t>implemented</a:t>
+            </a:r>
+            <a:r>
+              <a:rPr lang="it-IT" dirty="0"/>
+              <a:t> </a:t>
+            </a:r>
+            <a:r>
+              <a:rPr lang="it-IT" dirty="0" err="1"/>
+              <a:t>during</a:t>
+            </a:r>
+            <a:r>
+              <a:rPr lang="it-IT" dirty="0"/>
+              <a:t> </a:t>
+            </a:r>
+            <a:r>
+              <a:rPr lang="it-IT" dirty="0" err="1"/>
+              <a:t>this</a:t>
+            </a:r>
+            <a:r>
+              <a:rPr lang="it-IT" dirty="0"/>
+              <a:t> sprint </a:t>
+            </a:r>
+            <a:r>
+              <a:rPr lang="it-IT" dirty="0" err="1"/>
+              <a:t>where</a:t>
+            </a:r>
+            <a:r>
+              <a:rPr lang="it-IT" dirty="0"/>
+              <a:t>:</a:t>
+            </a:r>
+          </a:p>
+          <a:p>
+            <a:r>
+              <a:rPr lang="it-IT" sz="2800" dirty="0"/>
+              <a:t>- </a:t>
+            </a:r>
+            <a:r>
+              <a:rPr lang="en-US" sz="2800" i="0" dirty="0">
+                <a:effectLst/>
+                <a:latin typeface="Inter" panose="020B0502030000000004" pitchFamily="34" charset="0"/>
               </a:rPr>
-              <a:t>Button to login</a:t>
-            </a:r>
-          </a:p>
-        </p:txBody>
-      </p:sp>
-      <p:cxnSp>
-        <p:nvCxnSpPr>
-          <p:cNvPr id="14" name="Straight Arrow Connector 13">
-            <a:extLst>
-              <a:ext uri="{FF2B5EF4-FFF2-40B4-BE49-F238E27FC236}">
-                <a16:creationId xmlns:a16="http://schemas.microsoft.com/office/drawing/2014/main" id="{3E366314-3995-464E-8DBF-862188ACB522}"/>
-              </a:ext>
-            </a:extLst>
-          </p:cNvPr>
-          <p:cNvCxnSpPr>
-            <a:cxnSpLocks/>
-          </p:cNvCxnSpPr>
-          <p:nvPr/>
-        </p:nvCxnSpPr>
-        <p:spPr>
-          <a:xfrm flipV="1">
-            <a:off x="10315254" y="3752633"/>
-            <a:ext cx="304800" cy="801102"/>
-          </a:xfrm>
-          <a:prstGeom prst="straightConnector1">
-            <a:avLst/>
-          </a:prstGeom>
-          <a:ln>
-            <a:solidFill>
-              <a:srgbClr val="E48312"/>
-            </a:solidFill>
-            <a:tailEnd type="triangle"/>
-          </a:ln>
-        </p:spPr>
-        <p:style>
-          <a:lnRef idx="1">
-            <a:schemeClr val="accent1"/>
-          </a:lnRef>
-          <a:fillRef idx="0">
-            <a:schemeClr val="accent1"/>
-          </a:fillRef>
-          <a:effectRef idx="0">
-            <a:schemeClr val="accent1"/>
-          </a:effectRef>
-          <a:fontRef idx="minor">
-            <a:schemeClr val="tx1"/>
-          </a:fontRef>
-        </p:style>
-      </p:cxnSp>
-      <p:sp>
-        <p:nvSpPr>
-          <p:cNvPr id="16" name="Rectangle: Rounded Corners 15">
-            <a:extLst>
-              <a:ext uri="{FF2B5EF4-FFF2-40B4-BE49-F238E27FC236}">
-                <a16:creationId xmlns:a16="http://schemas.microsoft.com/office/drawing/2014/main" id="{B5D66743-9611-41FA-A69A-52C385A3FFF6}"/>
-              </a:ext>
-            </a:extLst>
-          </p:cNvPr>
-          <p:cNvSpPr/>
-          <p:nvPr/>
-        </p:nvSpPr>
-        <p:spPr>
-          <a:xfrm>
-            <a:off x="6619296" y="2113015"/>
-            <a:ext cx="2166136" cy="801384"/>
-          </a:xfrm>
-          <a:prstGeom prst="roundRect">
-            <a:avLst/>
-          </a:prstGeom>
-          <a:solidFill>
-            <a:srgbClr val="FFFFFF"/>
-          </a:solidFill>
-          <a:ln>
-            <a:solidFill>
-              <a:schemeClr val="accent1"/>
-            </a:solidFill>
-          </a:ln>
-        </p:spPr>
-        <p:style>
-          <a:lnRef idx="2">
-            <a:schemeClr val="accent1">
-              <a:shade val="50000"/>
-            </a:schemeClr>
-          </a:lnRef>
-          <a:fillRef idx="1">
-            <a:schemeClr val="accent1"/>
-          </a:fillRef>
-          <a:effectRef idx="0">
-            <a:schemeClr val="accent1"/>
-          </a:effectRef>
-          <a:fontRef idx="minor">
-            <a:schemeClr val="lt1"/>
-          </a:fontRef>
-        </p:style>
-        <p:txBody>
-          <a:bodyPr rtlCol="0" anchor="ctr"/>
-          <a:lstStyle/>
-          <a:p>
-            <a:pPr algn="ctr"/>
-            <a:r>
-              <a:rPr lang="en-GB" dirty="0">
-                <a:solidFill>
-                  <a:sysClr val="windowText" lastClr="000000"/>
-                </a:solidFill>
+              <a:t>As a customer I want to specify a service type So that I can be served later</a:t>
+            </a:r>
+          </a:p>
+          <a:p>
+            <a:r>
+              <a:rPr lang="it-IT" sz="2800" dirty="0"/>
+              <a:t>- </a:t>
+            </a:r>
+            <a:r>
+              <a:rPr lang="en-US" sz="2800" i="0" dirty="0">
+                <a:effectLst/>
+                <a:latin typeface="Inter" panose="020B0502030000000004" pitchFamily="34" charset="0"/>
               </a:rPr>
-              <a:t>To get to the tickets queue</a:t>
-            </a:r>
-          </a:p>
-        </p:txBody>
-      </p:sp>
-      <p:sp>
-        <p:nvSpPr>
-          <p:cNvPr id="17" name="Rectangle: Rounded Corners 16">
-            <a:extLst>
-              <a:ext uri="{FF2B5EF4-FFF2-40B4-BE49-F238E27FC236}">
-                <a16:creationId xmlns:a16="http://schemas.microsoft.com/office/drawing/2014/main" id="{E9D2B8CC-DA94-4032-82E7-DFA146C59FC3}"/>
-              </a:ext>
-            </a:extLst>
-          </p:cNvPr>
-          <p:cNvSpPr/>
-          <p:nvPr/>
-        </p:nvSpPr>
-        <p:spPr>
-          <a:xfrm>
-            <a:off x="1097280" y="4956714"/>
-            <a:ext cx="2671282" cy="1116733"/>
-          </a:xfrm>
-          <a:prstGeom prst="roundRect">
-            <a:avLst/>
-          </a:prstGeom>
-          <a:solidFill>
-            <a:srgbClr val="FFFFFF"/>
-          </a:solidFill>
-          <a:ln>
-            <a:solidFill>
-              <a:schemeClr val="accent1"/>
-            </a:solidFill>
-          </a:ln>
-        </p:spPr>
-        <p:style>
-          <a:lnRef idx="2">
-            <a:schemeClr val="accent1">
-              <a:shade val="50000"/>
-            </a:schemeClr>
-          </a:lnRef>
-          <a:fillRef idx="1">
-            <a:schemeClr val="accent1"/>
-          </a:fillRef>
-          <a:effectRef idx="0">
-            <a:schemeClr val="accent1"/>
-          </a:effectRef>
-          <a:fontRef idx="minor">
-            <a:schemeClr val="lt1"/>
-          </a:fontRef>
-        </p:style>
-        <p:txBody>
-          <a:bodyPr rtlCol="0" anchor="ctr"/>
-          <a:lstStyle/>
-          <a:p>
-            <a:pPr algn="ctr"/>
-            <a:r>
-              <a:rPr lang="en-GB" dirty="0">
-                <a:solidFill>
-                  <a:sysClr val="windowText" lastClr="000000"/>
-                </a:solidFill>
+              <a:t>As an officer I want to call the next client So that I can serve him</a:t>
+            </a:r>
+          </a:p>
+          <a:p>
+            <a:r>
+              <a:rPr lang="en-US" sz="2800" i="0" dirty="0">
+                <a:effectLst/>
+                <a:latin typeface="Inter" panose="020B0502030000000004" pitchFamily="34" charset="0"/>
               </a:rPr>
-              <a:t>You need to be login to be able to get a ticket</a:t>
-            </a:r>
-          </a:p>
-        </p:txBody>
-      </p:sp>
-      <p:cxnSp>
-        <p:nvCxnSpPr>
-          <p:cNvPr id="18" name="Straight Arrow Connector 17">
-            <a:extLst>
-              <a:ext uri="{FF2B5EF4-FFF2-40B4-BE49-F238E27FC236}">
-                <a16:creationId xmlns:a16="http://schemas.microsoft.com/office/drawing/2014/main" id="{2F28D607-D66F-4D58-B522-4E8470D5C051}"/>
-              </a:ext>
-            </a:extLst>
-          </p:cNvPr>
-          <p:cNvCxnSpPr>
-            <a:cxnSpLocks/>
-          </p:cNvCxnSpPr>
-          <p:nvPr/>
-        </p:nvCxnSpPr>
-        <p:spPr>
-          <a:xfrm flipH="1">
-            <a:off x="6458419" y="2914399"/>
-            <a:ext cx="321753" cy="496619"/>
-          </a:xfrm>
-          <a:prstGeom prst="straightConnector1">
-            <a:avLst/>
-          </a:prstGeom>
-          <a:ln>
-            <a:solidFill>
-              <a:srgbClr val="E48312"/>
-            </a:solidFill>
-            <a:tailEnd type="triangle"/>
-          </a:ln>
-        </p:spPr>
-        <p:style>
-          <a:lnRef idx="1">
-            <a:schemeClr val="accent1"/>
-          </a:lnRef>
-          <a:fillRef idx="0">
-            <a:schemeClr val="accent1"/>
-          </a:fillRef>
-          <a:effectRef idx="0">
-            <a:schemeClr val="accent1"/>
-          </a:effectRef>
-          <a:fontRef idx="minor">
-            <a:schemeClr val="tx1"/>
-          </a:fontRef>
-        </p:style>
-      </p:cxnSp>
-      <p:sp>
-        <p:nvSpPr>
-          <p:cNvPr id="20" name="Rectangle: Rounded Corners 19">
-            <a:extLst>
-              <a:ext uri="{FF2B5EF4-FFF2-40B4-BE49-F238E27FC236}">
-                <a16:creationId xmlns:a16="http://schemas.microsoft.com/office/drawing/2014/main" id="{3F896A70-EADD-4D1D-8671-25F8BE18E76C}"/>
-              </a:ext>
-            </a:extLst>
-          </p:cNvPr>
-          <p:cNvSpPr/>
-          <p:nvPr/>
-        </p:nvSpPr>
-        <p:spPr>
-          <a:xfrm>
-            <a:off x="3502973" y="2130108"/>
-            <a:ext cx="2166136" cy="801384"/>
-          </a:xfrm>
-          <a:prstGeom prst="roundRect">
-            <a:avLst/>
-          </a:prstGeom>
-          <a:solidFill>
-            <a:srgbClr val="FFFFFF"/>
-          </a:solidFill>
-          <a:ln>
-            <a:solidFill>
-              <a:schemeClr val="accent1"/>
-            </a:solidFill>
-          </a:ln>
-        </p:spPr>
-        <p:style>
-          <a:lnRef idx="2">
-            <a:schemeClr val="accent1">
-              <a:shade val="50000"/>
-            </a:schemeClr>
-          </a:lnRef>
-          <a:fillRef idx="1">
-            <a:schemeClr val="accent1"/>
-          </a:fillRef>
-          <a:effectRef idx="0">
-            <a:schemeClr val="accent1"/>
-          </a:effectRef>
-          <a:fontRef idx="minor">
-            <a:schemeClr val="lt1"/>
-          </a:fontRef>
-        </p:style>
-        <p:txBody>
-          <a:bodyPr rtlCol="0" anchor="ctr"/>
-          <a:lstStyle/>
-          <a:p>
-            <a:pPr algn="ctr"/>
-            <a:r>
-              <a:rPr lang="en-GB" dirty="0">
-                <a:solidFill>
-                  <a:sysClr val="windowText" lastClr="000000"/>
-                </a:solidFill>
-              </a:rPr>
-              <a:t>To get a ticket (current page)</a:t>
-            </a:r>
-          </a:p>
-        </p:txBody>
-      </p:sp>
-      <p:cxnSp>
-        <p:nvCxnSpPr>
-          <p:cNvPr id="21" name="Straight Arrow Connector 20">
-            <a:extLst>
-              <a:ext uri="{FF2B5EF4-FFF2-40B4-BE49-F238E27FC236}">
-                <a16:creationId xmlns:a16="http://schemas.microsoft.com/office/drawing/2014/main" id="{C226148A-F9B2-472E-BE0E-B672A27DE3D3}"/>
-              </a:ext>
-            </a:extLst>
-          </p:cNvPr>
-          <p:cNvCxnSpPr>
-            <a:cxnSpLocks/>
-          </p:cNvCxnSpPr>
-          <p:nvPr/>
-        </p:nvCxnSpPr>
-        <p:spPr>
-          <a:xfrm>
-            <a:off x="5331772" y="2914399"/>
-            <a:ext cx="434600" cy="496619"/>
-          </a:xfrm>
-          <a:prstGeom prst="straightConnector1">
-            <a:avLst/>
-          </a:prstGeom>
-          <a:ln>
-            <a:solidFill>
-              <a:srgbClr val="E48312"/>
-            </a:solidFill>
-            <a:tailEnd type="triangle"/>
-          </a:ln>
-        </p:spPr>
-        <p:style>
-          <a:lnRef idx="1">
-            <a:schemeClr val="accent1"/>
-          </a:lnRef>
-          <a:fillRef idx="0">
-            <a:schemeClr val="accent1"/>
-          </a:fillRef>
-          <a:effectRef idx="0">
-            <a:schemeClr val="accent1"/>
-          </a:effectRef>
-          <a:fontRef idx="minor">
-            <a:schemeClr val="tx1"/>
-          </a:fontRef>
-        </p:style>
-      </p:cxnSp>
+              <a:t>- As a client I want to see the current ticket number being served</a:t>
+            </a:r>
+          </a:p>
+          <a:p>
+            <a:endParaRPr lang="it-IT" dirty="0"/>
+          </a:p>
+        </p:txBody>
+      </p:sp>
     </p:spTree>
     <p:extLst>
       <p:ext uri="{BB962C8B-B14F-4D97-AF65-F5344CB8AC3E}">
-        <p14:creationId xmlns:p14="http://schemas.microsoft.com/office/powerpoint/2010/main" val="2332484343"/>
+        <p14:creationId xmlns:p14="http://schemas.microsoft.com/office/powerpoint/2010/main" val="1628029095"/>
       </p:ext>
     </p:extLst>
   </p:cSld>
@@ -4520,10 +4724,10 @@
       </p:grpSpPr>
       <p:sp>
         <p:nvSpPr>
-          <p:cNvPr id="2" name="Titre 1">
+          <p:cNvPr id="2" name="Titolo 1">
             <a:extLst>
               <a:ext uri="{FF2B5EF4-FFF2-40B4-BE49-F238E27FC236}">
-                <a16:creationId xmlns:a16="http://schemas.microsoft.com/office/drawing/2014/main" id="{7BBA3497-EFC3-4064-9E14-1C8FB32354C4}"/>
+                <a16:creationId xmlns:a16="http://schemas.microsoft.com/office/drawing/2014/main" id="{AB885A50-C2C1-4064-B8CE-8501325B7C6B}"/>
               </a:ext>
             </a:extLst>
           </p:cNvPr>
@@ -4545,212 +4749,174 @@
                   <a:srgbClr val="BD582C"/>
                 </a:solidFill>
               </a:rPr>
-              <a:t>Board</a:t>
-            </a:r>
-            <a:endParaRPr lang="en-GB" dirty="0"/>
-          </a:p>
-        </p:txBody>
-      </p:sp>
-      <p:pic>
-        <p:nvPicPr>
-          <p:cNvPr id="5" name="Picture 4">
+              <a:t>Stories not implemented</a:t>
+            </a:r>
+            <a:endParaRPr lang="it-IT" dirty="0"/>
+          </a:p>
+        </p:txBody>
+      </p:sp>
+      <p:sp>
+        <p:nvSpPr>
+          <p:cNvPr id="3" name="Segnaposto contenuto 2">
             <a:extLst>
               <a:ext uri="{FF2B5EF4-FFF2-40B4-BE49-F238E27FC236}">
-                <a16:creationId xmlns:a16="http://schemas.microsoft.com/office/drawing/2014/main" id="{2C2152D4-2C6C-4662-B6B5-6603FE577292}"/>
+                <a16:creationId xmlns:a16="http://schemas.microsoft.com/office/drawing/2014/main" id="{6524BB1C-E76D-4C55-A92D-0D1B7A4CCB23}"/>
               </a:ext>
             </a:extLst>
           </p:cNvPr>
-          <p:cNvPicPr>
-            <a:picLocks noChangeAspect="1"/>
-          </p:cNvPicPr>
-          <p:nvPr/>
-        </p:nvPicPr>
-        <p:blipFill>
-          <a:blip r:embed="rId2"/>
-          <a:stretch>
-            <a:fillRect/>
-          </a:stretch>
-        </p:blipFill>
-        <p:spPr>
-          <a:xfrm>
-            <a:off x="1097280" y="2364341"/>
-            <a:ext cx="10058400" cy="2211767"/>
-          </a:xfrm>
-          <a:prstGeom prst="rect">
-            <a:avLst/>
-          </a:prstGeom>
-        </p:spPr>
-      </p:pic>
-      <p:cxnSp>
-        <p:nvCxnSpPr>
-          <p:cNvPr id="7" name="Straight Arrow Connector 6">
-            <a:extLst>
-              <a:ext uri="{FF2B5EF4-FFF2-40B4-BE49-F238E27FC236}">
-                <a16:creationId xmlns:a16="http://schemas.microsoft.com/office/drawing/2014/main" id="{9C65229F-736A-4510-82DE-EF67CBE8C7BC}"/>
-              </a:ext>
-            </a:extLst>
-          </p:cNvPr>
-          <p:cNvCxnSpPr>
-            <a:cxnSpLocks/>
-          </p:cNvCxnSpPr>
-          <p:nvPr/>
-        </p:nvCxnSpPr>
-        <p:spPr>
-          <a:xfrm flipV="1">
-            <a:off x="2681556" y="4232953"/>
-            <a:ext cx="308224" cy="1047965"/>
-          </a:xfrm>
-          <a:prstGeom prst="straightConnector1">
-            <a:avLst/>
-          </a:prstGeom>
-          <a:ln>
-            <a:solidFill>
-              <a:srgbClr val="E48312"/>
-            </a:solidFill>
-            <a:tailEnd type="triangle"/>
-          </a:ln>
-        </p:spPr>
-        <p:style>
-          <a:lnRef idx="1">
-            <a:schemeClr val="accent1"/>
-          </a:lnRef>
-          <a:fillRef idx="0">
-            <a:schemeClr val="accent1"/>
-          </a:fillRef>
-          <a:effectRef idx="0">
-            <a:schemeClr val="accent1"/>
-          </a:effectRef>
-          <a:fontRef idx="minor">
-            <a:schemeClr val="tx1"/>
-          </a:fontRef>
-        </p:style>
-      </p:cxnSp>
-      <p:sp>
-        <p:nvSpPr>
-          <p:cNvPr id="10" name="Rectangle: Rounded Corners 9">
-            <a:extLst>
-              <a:ext uri="{FF2B5EF4-FFF2-40B4-BE49-F238E27FC236}">
-                <a16:creationId xmlns:a16="http://schemas.microsoft.com/office/drawing/2014/main" id="{D3191408-5736-4059-8297-A0C9439D1450}"/>
-              </a:ext>
-            </a:extLst>
-          </p:cNvPr>
-          <p:cNvSpPr/>
-          <p:nvPr/>
-        </p:nvSpPr>
-        <p:spPr>
-          <a:xfrm>
-            <a:off x="1489753" y="5280917"/>
-            <a:ext cx="2352782" cy="801384"/>
-          </a:xfrm>
-          <a:prstGeom prst="roundRect">
-            <a:avLst/>
-          </a:prstGeom>
-          <a:solidFill>
-            <a:srgbClr val="FFFFFF"/>
-          </a:solidFill>
-          <a:ln>
-            <a:solidFill>
-              <a:schemeClr val="accent1"/>
-            </a:solidFill>
-          </a:ln>
-        </p:spPr>
-        <p:style>
-          <a:lnRef idx="2">
-            <a:schemeClr val="accent1">
-              <a:shade val="50000"/>
-            </a:schemeClr>
-          </a:lnRef>
-          <a:fillRef idx="1">
-            <a:schemeClr val="accent1"/>
-          </a:fillRef>
-          <a:effectRef idx="0">
-            <a:schemeClr val="accent1"/>
-          </a:effectRef>
-          <a:fontRef idx="minor">
-            <a:schemeClr val="lt1"/>
-          </a:fontRef>
-        </p:style>
-        <p:txBody>
-          <a:bodyPr rtlCol="0" anchor="ctr"/>
-          <a:lstStyle/>
-          <a:p>
-            <a:pPr algn="ctr"/>
-            <a:r>
-              <a:rPr lang="en-GB" dirty="0">
-                <a:solidFill>
-                  <a:sysClr val="windowText" lastClr="000000"/>
-                </a:solidFill>
+          <p:cNvSpPr>
+            <a:spLocks noGrp="1"/>
+          </p:cNvSpPr>
+          <p:nvPr>
+            <p:ph idx="1"/>
+          </p:nvPr>
+        </p:nvSpPr>
+        <p:spPr/>
+        <p:txBody>
+          <a:bodyPr/>
+          <a:lstStyle/>
+          <a:p>
+            <a:r>
+              <a:rPr lang="it-IT" dirty="0"/>
+              <a:t>The stories </a:t>
+            </a:r>
+            <a:r>
+              <a:rPr lang="it-IT" dirty="0" err="1"/>
+              <a:t>we</a:t>
+            </a:r>
+            <a:r>
+              <a:rPr lang="it-IT" dirty="0"/>
+              <a:t> have </a:t>
+            </a:r>
+            <a:r>
+              <a:rPr lang="it-IT" dirty="0" err="1"/>
+              <a:t>chosen</a:t>
+            </a:r>
+            <a:r>
+              <a:rPr lang="it-IT" dirty="0"/>
+              <a:t> to </a:t>
+            </a:r>
+            <a:r>
+              <a:rPr lang="it-IT" dirty="0" err="1"/>
+              <a:t>not</a:t>
+            </a:r>
+            <a:r>
+              <a:rPr lang="it-IT" dirty="0"/>
+              <a:t> </a:t>
+            </a:r>
+            <a:r>
+              <a:rPr lang="it-IT" dirty="0" err="1"/>
+              <a:t>implement</a:t>
+            </a:r>
+            <a:r>
+              <a:rPr lang="it-IT" dirty="0"/>
+              <a:t> </a:t>
+            </a:r>
+            <a:r>
+              <a:rPr lang="it-IT" dirty="0" err="1"/>
+              <a:t>during</a:t>
+            </a:r>
+            <a:r>
+              <a:rPr lang="it-IT" dirty="0"/>
+              <a:t> the sprint </a:t>
+            </a:r>
+            <a:r>
+              <a:rPr lang="it-IT" dirty="0" err="1"/>
+              <a:t>where</a:t>
+            </a:r>
+            <a:r>
+              <a:rPr lang="it-IT" dirty="0"/>
+              <a:t> (</a:t>
+            </a:r>
+            <a:r>
+              <a:rPr lang="it-IT" dirty="0" err="1"/>
+              <a:t>not</a:t>
+            </a:r>
+            <a:r>
+              <a:rPr lang="it-IT" dirty="0"/>
+              <a:t> in order</a:t>
+            </a:r>
+            <a:r>
+              <a:rPr lang="it-IT" u="sng" dirty="0"/>
+              <a:t>):</a:t>
+            </a:r>
+          </a:p>
+          <a:p>
+            <a:r>
+              <a:rPr lang="it-IT" dirty="0"/>
+              <a:t>- </a:t>
+            </a:r>
+            <a:r>
+              <a:rPr lang="en-US" b="0" i="0" dirty="0">
+                <a:effectLst/>
+                <a:latin typeface="Inter" panose="020B0502030000000004" pitchFamily="34" charset="0"/>
               </a:rPr>
-              <a:t>Ticket(s) waiting in the queue</a:t>
-            </a:r>
-          </a:p>
-        </p:txBody>
-      </p:sp>
-      <p:sp>
-        <p:nvSpPr>
-          <p:cNvPr id="12" name="Rectangle: Rounded Corners 11">
-            <a:extLst>
-              <a:ext uri="{FF2B5EF4-FFF2-40B4-BE49-F238E27FC236}">
-                <a16:creationId xmlns:a16="http://schemas.microsoft.com/office/drawing/2014/main" id="{785CFA20-28D1-4395-9DEB-62093EF93BB5}"/>
-              </a:ext>
-            </a:extLst>
-          </p:cNvPr>
-          <p:cNvSpPr/>
-          <p:nvPr/>
-        </p:nvSpPr>
-        <p:spPr>
-          <a:xfrm>
-            <a:off x="8113503" y="5038703"/>
-            <a:ext cx="2352782" cy="961406"/>
-          </a:xfrm>
-          <a:prstGeom prst="roundRect">
-            <a:avLst/>
-          </a:prstGeom>
-          <a:solidFill>
-            <a:srgbClr val="FFFFFF"/>
-          </a:solidFill>
-          <a:ln>
-            <a:solidFill>
-              <a:schemeClr val="accent1"/>
-            </a:solidFill>
-          </a:ln>
-        </p:spPr>
-        <p:style>
-          <a:lnRef idx="2">
-            <a:schemeClr val="accent1">
-              <a:shade val="50000"/>
-            </a:schemeClr>
-          </a:lnRef>
-          <a:fillRef idx="1">
-            <a:schemeClr val="accent1"/>
-          </a:fillRef>
-          <a:effectRef idx="0">
-            <a:schemeClr val="accent1"/>
-          </a:effectRef>
-          <a:fontRef idx="minor">
-            <a:schemeClr val="lt1"/>
-          </a:fontRef>
-        </p:style>
-        <p:txBody>
-          <a:bodyPr rtlCol="0" anchor="ctr"/>
-          <a:lstStyle/>
-          <a:p>
-            <a:pPr algn="ctr"/>
-            <a:r>
-              <a:rPr lang="en-GB" dirty="0">
-                <a:solidFill>
-                  <a:sysClr val="windowText" lastClr="000000"/>
-                </a:solidFill>
+              <a:t>As an officer I want to see the length of the queues So that I can see how many people </a:t>
+            </a:r>
+            <a:r>
+              <a:rPr lang="en-US" b="0" i="0" dirty="0" err="1">
+                <a:effectLst/>
+                <a:latin typeface="Inter" panose="020B0502030000000004" pitchFamily="34" charset="0"/>
               </a:rPr>
-              <a:t>Anyone can access to that page without login</a:t>
-            </a:r>
+              <a:t>i</a:t>
+            </a:r>
+            <a:r>
+              <a:rPr lang="en-US" b="0" i="0" dirty="0">
+                <a:effectLst/>
+                <a:latin typeface="Inter" panose="020B0502030000000004" pitchFamily="34" charset="0"/>
+              </a:rPr>
+              <a:t> have to serve</a:t>
+            </a:r>
+          </a:p>
+          <a:p>
+            <a:r>
+              <a:rPr lang="en-US" b="0" i="0" dirty="0">
+                <a:effectLst/>
+                <a:latin typeface="Inter" panose="020B0502030000000004" pitchFamily="34" charset="0"/>
+              </a:rPr>
+              <a:t>- As a manager I want to see statistics So that I can evaluate the performances of the system</a:t>
+            </a:r>
+          </a:p>
+          <a:p>
+            <a:r>
+              <a:rPr lang="en-US" b="0" i="0" dirty="0">
+                <a:effectLst/>
+                <a:latin typeface="Inter" panose="020B0502030000000004" pitchFamily="34" charset="0"/>
+              </a:rPr>
+              <a:t>- As a client I want to see the number of people waiting for each type</a:t>
+            </a:r>
+          </a:p>
+          <a:p>
+            <a:r>
+              <a:rPr lang="en-US" b="0" i="0" dirty="0">
+                <a:effectLst/>
+                <a:latin typeface="Inter" panose="020B0502030000000004" pitchFamily="34" charset="0"/>
+              </a:rPr>
+              <a:t>- As a client I want to be notified when my queue is updated So that I can check if it is my turn</a:t>
+            </a:r>
+          </a:p>
+          <a:p>
+            <a:r>
+              <a:rPr lang="it-IT" dirty="0"/>
+              <a:t>- </a:t>
+            </a:r>
+            <a:r>
+              <a:rPr lang="en-US" b="0" i="0" dirty="0">
+                <a:effectLst/>
+                <a:latin typeface="Inter" panose="020B0502030000000004" pitchFamily="34" charset="0"/>
+              </a:rPr>
+              <a:t>As a client I want to see my waiting time</a:t>
+            </a:r>
+          </a:p>
+          <a:p>
+            <a:endParaRPr lang="it-IT" dirty="0"/>
           </a:p>
         </p:txBody>
       </p:sp>
     </p:spTree>
     <p:extLst>
       <p:ext uri="{BB962C8B-B14F-4D97-AF65-F5344CB8AC3E}">
-        <p14:creationId xmlns:p14="http://schemas.microsoft.com/office/powerpoint/2010/main" val="2994410576"/>
+        <p14:creationId xmlns:p14="http://schemas.microsoft.com/office/powerpoint/2010/main" val="3725848095"/>
       </p:ext>
     </p:extLst>
   </p:cSld>
@@ -4782,7 +4948,7 @@
           <p:cNvPr id="2" name="Titre 1">
             <a:extLst>
               <a:ext uri="{FF2B5EF4-FFF2-40B4-BE49-F238E27FC236}">
-                <a16:creationId xmlns:a16="http://schemas.microsoft.com/office/drawing/2014/main" id="{7BBA3497-EFC3-4064-9E14-1C8FB32354C4}"/>
+                <a16:creationId xmlns:a16="http://schemas.microsoft.com/office/drawing/2014/main" id="{808241B3-E99F-4055-81A4-37A351140ADB}"/>
               </a:ext>
             </a:extLst>
           </p:cNvPr>
@@ -4804,18 +4970,17 @@
                   <a:srgbClr val="BD582C"/>
                 </a:solidFill>
               </a:rPr>
-              <a:t>Login</a:t>
-            </a:r>
-            <a:endParaRPr lang="en-GB" dirty="0"/>
+              <a:t>Main Page</a:t>
+            </a:r>
           </a:p>
         </p:txBody>
       </p:sp>
       <p:pic>
         <p:nvPicPr>
-          <p:cNvPr id="4" name="Picture 3">
+          <p:cNvPr id="5" name="Image 4">
             <a:extLst>
               <a:ext uri="{FF2B5EF4-FFF2-40B4-BE49-F238E27FC236}">
-                <a16:creationId xmlns:a16="http://schemas.microsoft.com/office/drawing/2014/main" id="{5C30AAEA-16F8-45F9-8611-44502E229D4C}"/>
+                <a16:creationId xmlns:a16="http://schemas.microsoft.com/office/drawing/2014/main" id="{113CB94B-8365-4D94-9658-F76667346170}"/>
               </a:ext>
             </a:extLst>
           </p:cNvPr>
@@ -4832,64 +4997,20 @@
         </p:blipFill>
         <p:spPr>
           <a:xfrm>
-            <a:off x="3111843" y="2184627"/>
-            <a:ext cx="8043837" cy="3893874"/>
+            <a:off x="1097280" y="3288504"/>
+            <a:ext cx="9888533" cy="1567180"/>
           </a:xfrm>
           <a:prstGeom prst="rect">
             <a:avLst/>
           </a:prstGeom>
         </p:spPr>
       </p:pic>
-      <p:cxnSp>
-        <p:nvCxnSpPr>
-          <p:cNvPr id="6" name="Straight Arrow Connector 5">
+      <p:sp>
+        <p:nvSpPr>
+          <p:cNvPr id="11" name="Rectangle: Rounded Corners 10">
             <a:extLst>
               <a:ext uri="{FF2B5EF4-FFF2-40B4-BE49-F238E27FC236}">
-                <a16:creationId xmlns:a16="http://schemas.microsoft.com/office/drawing/2014/main" id="{399AAA82-FD2D-4573-AE32-391BA7685CDE}"/>
-              </a:ext>
-            </a:extLst>
-          </p:cNvPr>
-          <p:cNvCxnSpPr>
-            <a:cxnSpLocks/>
-          </p:cNvCxnSpPr>
-          <p:nvPr/>
-        </p:nvCxnSpPr>
-        <p:spPr>
-          <a:xfrm>
-            <a:off x="2533003" y="3429000"/>
-            <a:ext cx="913157" cy="356686"/>
-          </a:xfrm>
-          <a:prstGeom prst="straightConnector1">
-            <a:avLst/>
-          </a:prstGeom>
-          <a:ln>
-            <a:solidFill>
-              <a:srgbClr val="E48312"/>
-            </a:solidFill>
-            <a:tailEnd type="triangle"/>
-          </a:ln>
-        </p:spPr>
-        <p:style>
-          <a:lnRef idx="1">
-            <a:schemeClr val="accent1"/>
-          </a:lnRef>
-          <a:fillRef idx="0">
-            <a:schemeClr val="accent1"/>
-          </a:fillRef>
-          <a:effectRef idx="0">
-            <a:schemeClr val="accent1"/>
-          </a:effectRef>
-          <a:fontRef idx="minor">
-            <a:schemeClr val="tx1"/>
-          </a:fontRef>
-        </p:style>
-      </p:cxnSp>
-      <p:sp>
-        <p:nvSpPr>
-          <p:cNvPr id="7" name="Rectangle: Rounded Corners 6">
-            <a:extLst>
-              <a:ext uri="{FF2B5EF4-FFF2-40B4-BE49-F238E27FC236}">
-                <a16:creationId xmlns:a16="http://schemas.microsoft.com/office/drawing/2014/main" id="{20852C87-A218-4973-BA7B-8CEEE9A7C742}"/>
+                <a16:creationId xmlns:a16="http://schemas.microsoft.com/office/drawing/2014/main" id="{518E96E9-4ABF-4596-A8D0-A2BB60ADAACB}"/>
               </a:ext>
             </a:extLst>
           </p:cNvPr>
@@ -4898,8 +5019,8 @@
         </p:nvSpPr>
         <p:spPr>
           <a:xfrm>
-            <a:off x="1330097" y="3065381"/>
-            <a:ext cx="1202906" cy="801384"/>
+            <a:off x="9358044" y="4556022"/>
+            <a:ext cx="1976063" cy="801384"/>
           </a:xfrm>
           <a:prstGeom prst="roundRect">
             <a:avLst/>
@@ -4940,17 +5061,17 @@
                   <a:sysClr val="windowText" lastClr="000000"/>
                 </a:solidFill>
               </a:rPr>
-              <a:t>User Id</a:t>
+              <a:t>Button to login</a:t>
             </a:r>
           </a:p>
         </p:txBody>
       </p:sp>
       <p:cxnSp>
         <p:nvCxnSpPr>
-          <p:cNvPr id="13" name="Straight Arrow Connector 12">
+          <p:cNvPr id="14" name="Straight Arrow Connector 13">
             <a:extLst>
               <a:ext uri="{FF2B5EF4-FFF2-40B4-BE49-F238E27FC236}">
-                <a16:creationId xmlns:a16="http://schemas.microsoft.com/office/drawing/2014/main" id="{4ACD3E0A-3371-40C9-9204-620568E2B3D7}"/>
+                <a16:creationId xmlns:a16="http://schemas.microsoft.com/office/drawing/2014/main" id="{3E366314-3995-464E-8DBF-862188ACB522}"/>
               </a:ext>
             </a:extLst>
           </p:cNvPr>
@@ -4961,8 +5082,8 @@
         </p:nvCxnSpPr>
         <p:spPr>
           <a:xfrm flipV="1">
-            <a:off x="2533003" y="4834727"/>
-            <a:ext cx="891584" cy="390663"/>
+            <a:off x="10315254" y="3752633"/>
+            <a:ext cx="304800" cy="801102"/>
           </a:xfrm>
           <a:prstGeom prst="straightConnector1">
             <a:avLst/>
@@ -4991,10 +5112,10 @@
       </p:cxnSp>
       <p:sp>
         <p:nvSpPr>
-          <p:cNvPr id="20" name="Rectangle: Rounded Corners 19">
+          <p:cNvPr id="16" name="Rectangle: Rounded Corners 15">
             <a:extLst>
               <a:ext uri="{FF2B5EF4-FFF2-40B4-BE49-F238E27FC236}">
-                <a16:creationId xmlns:a16="http://schemas.microsoft.com/office/drawing/2014/main" id="{BF64BEF2-217F-4E38-90FD-5FDC86A30826}"/>
+                <a16:creationId xmlns:a16="http://schemas.microsoft.com/office/drawing/2014/main" id="{B5D66743-9611-41FA-A69A-52C385A3FFF6}"/>
               </a:ext>
             </a:extLst>
           </p:cNvPr>
@@ -5003,8 +5124,8 @@
         </p:nvSpPr>
         <p:spPr>
           <a:xfrm>
-            <a:off x="1330097" y="4942350"/>
-            <a:ext cx="1202906" cy="801384"/>
+            <a:off x="6619296" y="2113015"/>
+            <a:ext cx="2166136" cy="801384"/>
           </a:xfrm>
           <a:prstGeom prst="roundRect">
             <a:avLst/>
@@ -5045,17 +5166,17 @@
                   <a:sysClr val="windowText" lastClr="000000"/>
                 </a:solidFill>
               </a:rPr>
-              <a:t>User password</a:t>
-            </a:r>
-          </a:p>
-        </p:txBody>
-      </p:sp>
-      <p:sp>
-        <p:nvSpPr>
-          <p:cNvPr id="24" name="Rectangle: Rounded Corners 23">
+              <a:t>To get to the tickets queue</a:t>
+            </a:r>
+          </a:p>
+        </p:txBody>
+      </p:sp>
+      <p:sp>
+        <p:nvSpPr>
+          <p:cNvPr id="17" name="Rectangle: Rounded Corners 16">
             <a:extLst>
               <a:ext uri="{FF2B5EF4-FFF2-40B4-BE49-F238E27FC236}">
-                <a16:creationId xmlns:a16="http://schemas.microsoft.com/office/drawing/2014/main" id="{F3339766-5C30-437A-9623-4BF142F5ADE0}"/>
+                <a16:creationId xmlns:a16="http://schemas.microsoft.com/office/drawing/2014/main" id="{E9D2B8CC-DA94-4032-82E7-DFA146C59FC3}"/>
               </a:ext>
             </a:extLst>
           </p:cNvPr>
@@ -5064,8 +5185,8 @@
         </p:nvSpPr>
         <p:spPr>
           <a:xfrm>
-            <a:off x="8979613" y="433582"/>
-            <a:ext cx="2255601" cy="891784"/>
+            <a:off x="1097280" y="4956714"/>
+            <a:ext cx="2671282" cy="1116733"/>
           </a:xfrm>
           <a:prstGeom prst="roundRect">
             <a:avLst/>
@@ -5106,15 +5227,164 @@
                   <a:sysClr val="windowText" lastClr="000000"/>
                 </a:solidFill>
               </a:rPr>
-              <a:t>The officers and the clients login here</a:t>
-            </a:r>
-          </a:p>
-        </p:txBody>
-      </p:sp>
+              <a:t>You don’t need to login to be able to get a ticket</a:t>
+            </a:r>
+          </a:p>
+        </p:txBody>
+      </p:sp>
+      <p:cxnSp>
+        <p:nvCxnSpPr>
+          <p:cNvPr id="18" name="Straight Arrow Connector 17">
+            <a:extLst>
+              <a:ext uri="{FF2B5EF4-FFF2-40B4-BE49-F238E27FC236}">
+                <a16:creationId xmlns:a16="http://schemas.microsoft.com/office/drawing/2014/main" id="{2F28D607-D66F-4D58-B522-4E8470D5C051}"/>
+              </a:ext>
+            </a:extLst>
+          </p:cNvPr>
+          <p:cNvCxnSpPr>
+            <a:cxnSpLocks/>
+          </p:cNvCxnSpPr>
+          <p:nvPr/>
+        </p:nvCxnSpPr>
+        <p:spPr>
+          <a:xfrm flipH="1">
+            <a:off x="6458419" y="2914399"/>
+            <a:ext cx="321753" cy="496619"/>
+          </a:xfrm>
+          <a:prstGeom prst="straightConnector1">
+            <a:avLst/>
+          </a:prstGeom>
+          <a:ln>
+            <a:solidFill>
+              <a:srgbClr val="E48312"/>
+            </a:solidFill>
+            <a:tailEnd type="triangle"/>
+          </a:ln>
+        </p:spPr>
+        <p:style>
+          <a:lnRef idx="1">
+            <a:schemeClr val="accent1"/>
+          </a:lnRef>
+          <a:fillRef idx="0">
+            <a:schemeClr val="accent1"/>
+          </a:fillRef>
+          <a:effectRef idx="0">
+            <a:schemeClr val="accent1"/>
+          </a:effectRef>
+          <a:fontRef idx="minor">
+            <a:schemeClr val="tx1"/>
+          </a:fontRef>
+        </p:style>
+      </p:cxnSp>
+      <p:sp>
+        <p:nvSpPr>
+          <p:cNvPr id="20" name="Rectangle: Rounded Corners 19">
+            <a:extLst>
+              <a:ext uri="{FF2B5EF4-FFF2-40B4-BE49-F238E27FC236}">
+                <a16:creationId xmlns:a16="http://schemas.microsoft.com/office/drawing/2014/main" id="{3F896A70-EADD-4D1D-8671-25F8BE18E76C}"/>
+              </a:ext>
+            </a:extLst>
+          </p:cNvPr>
+          <p:cNvSpPr/>
+          <p:nvPr/>
+        </p:nvSpPr>
+        <p:spPr>
+          <a:xfrm>
+            <a:off x="3502973" y="2130108"/>
+            <a:ext cx="2166136" cy="801384"/>
+          </a:xfrm>
+          <a:prstGeom prst="roundRect">
+            <a:avLst/>
+          </a:prstGeom>
+          <a:solidFill>
+            <a:srgbClr val="FFFFFF"/>
+          </a:solidFill>
+          <a:ln>
+            <a:solidFill>
+              <a:schemeClr val="accent1"/>
+            </a:solidFill>
+          </a:ln>
+        </p:spPr>
+        <p:style>
+          <a:lnRef idx="2">
+            <a:schemeClr val="accent1">
+              <a:shade val="50000"/>
+            </a:schemeClr>
+          </a:lnRef>
+          <a:fillRef idx="1">
+            <a:schemeClr val="accent1"/>
+          </a:fillRef>
+          <a:effectRef idx="0">
+            <a:schemeClr val="accent1"/>
+          </a:effectRef>
+          <a:fontRef idx="minor">
+            <a:schemeClr val="lt1"/>
+          </a:fontRef>
+        </p:style>
+        <p:txBody>
+          <a:bodyPr rtlCol="0" anchor="ctr"/>
+          <a:lstStyle/>
+          <a:p>
+            <a:pPr algn="ctr"/>
+            <a:r>
+              <a:rPr lang="en-GB" dirty="0">
+                <a:solidFill>
+                  <a:sysClr val="windowText" lastClr="000000"/>
+                </a:solidFill>
+              </a:rPr>
+              <a:t>To get a ticket (current page)</a:t>
+            </a:r>
+          </a:p>
+        </p:txBody>
+      </p:sp>
+      <p:cxnSp>
+        <p:nvCxnSpPr>
+          <p:cNvPr id="21" name="Straight Arrow Connector 20">
+            <a:extLst>
+              <a:ext uri="{FF2B5EF4-FFF2-40B4-BE49-F238E27FC236}">
+                <a16:creationId xmlns:a16="http://schemas.microsoft.com/office/drawing/2014/main" id="{C226148A-F9B2-472E-BE0E-B672A27DE3D3}"/>
+              </a:ext>
+            </a:extLst>
+          </p:cNvPr>
+          <p:cNvCxnSpPr>
+            <a:cxnSpLocks/>
+          </p:cNvCxnSpPr>
+          <p:nvPr/>
+        </p:nvCxnSpPr>
+        <p:spPr>
+          <a:xfrm>
+            <a:off x="5331772" y="2914399"/>
+            <a:ext cx="434600" cy="496619"/>
+          </a:xfrm>
+          <a:prstGeom prst="straightConnector1">
+            <a:avLst/>
+          </a:prstGeom>
+          <a:ln>
+            <a:solidFill>
+              <a:srgbClr val="E48312"/>
+            </a:solidFill>
+            <a:tailEnd type="triangle"/>
+          </a:ln>
+        </p:spPr>
+        <p:style>
+          <a:lnRef idx="1">
+            <a:schemeClr val="accent1"/>
+          </a:lnRef>
+          <a:fillRef idx="0">
+            <a:schemeClr val="accent1"/>
+          </a:fillRef>
+          <a:effectRef idx="0">
+            <a:schemeClr val="accent1"/>
+          </a:effectRef>
+          <a:fontRef idx="minor">
+            <a:schemeClr val="tx1"/>
+          </a:fontRef>
+        </p:style>
+      </p:cxnSp>
     </p:spTree>
     <p:extLst>
       <p:ext uri="{BB962C8B-B14F-4D97-AF65-F5344CB8AC3E}">
-        <p14:creationId xmlns:p14="http://schemas.microsoft.com/office/powerpoint/2010/main" val="3858183379"/>
+        <p14:creationId xmlns:p14="http://schemas.microsoft.com/office/powerpoint/2010/main" val="2332484343"/>
       </p:ext>
     </p:extLst>
   </p:cSld>
@@ -5143,10 +5413,10 @@
       </p:grpSpPr>
       <p:sp>
         <p:nvSpPr>
-          <p:cNvPr id="2" name="Titre 1">
+          <p:cNvPr id="2" name="Titolo 1">
             <a:extLst>
               <a:ext uri="{FF2B5EF4-FFF2-40B4-BE49-F238E27FC236}">
-                <a16:creationId xmlns:a16="http://schemas.microsoft.com/office/drawing/2014/main" id="{7BBA3497-EFC3-4064-9E14-1C8FB32354C4}"/>
+                <a16:creationId xmlns:a16="http://schemas.microsoft.com/office/drawing/2014/main" id="{41E9B62B-B983-41B8-9FA2-D97B8B62FC55}"/>
               </a:ext>
             </a:extLst>
           </p:cNvPr>
@@ -5168,62 +5438,47 @@
                   <a:srgbClr val="BD582C"/>
                 </a:solidFill>
               </a:rPr>
-              <a:t>Clients page</a:t>
-            </a:r>
-            <a:endParaRPr lang="en-GB" dirty="0"/>
-          </a:p>
-        </p:txBody>
-      </p:sp>
-      <p:cxnSp>
-        <p:nvCxnSpPr>
-          <p:cNvPr id="6" name="Straight Arrow Connector 5">
+              <a:t>Ticket </a:t>
+            </a:r>
+            <a:endParaRPr lang="it-IT" dirty="0"/>
+          </a:p>
+        </p:txBody>
+      </p:sp>
+      <p:pic>
+        <p:nvPicPr>
+          <p:cNvPr id="7" name="Segnaposto contenuto 6">
             <a:extLst>
               <a:ext uri="{FF2B5EF4-FFF2-40B4-BE49-F238E27FC236}">
-                <a16:creationId xmlns:a16="http://schemas.microsoft.com/office/drawing/2014/main" id="{399AAA82-FD2D-4573-AE32-391BA7685CDE}"/>
+                <a16:creationId xmlns:a16="http://schemas.microsoft.com/office/drawing/2014/main" id="{DEB542C7-726B-43FA-BC8D-60B6F7312B52}"/>
               </a:ext>
             </a:extLst>
           </p:cNvPr>
-          <p:cNvCxnSpPr>
-            <a:cxnSpLocks/>
-          </p:cNvCxnSpPr>
-          <p:nvPr/>
-        </p:nvCxnSpPr>
-        <p:spPr>
-          <a:xfrm>
-            <a:off x="3134456" y="4058237"/>
-            <a:ext cx="1017202" cy="0"/>
-          </a:xfrm>
-          <a:prstGeom prst="straightConnector1">
-            <a:avLst/>
-          </a:prstGeom>
-          <a:ln>
-            <a:solidFill>
-              <a:srgbClr val="E48312"/>
-            </a:solidFill>
-            <a:tailEnd type="triangle"/>
-          </a:ln>
-        </p:spPr>
-        <p:style>
-          <a:lnRef idx="1">
-            <a:schemeClr val="accent1"/>
-          </a:lnRef>
-          <a:fillRef idx="0">
-            <a:schemeClr val="accent1"/>
-          </a:fillRef>
-          <a:effectRef idx="0">
-            <a:schemeClr val="accent1"/>
-          </a:effectRef>
-          <a:fontRef idx="minor">
-            <a:schemeClr val="tx1"/>
-          </a:fontRef>
-        </p:style>
-      </p:cxnSp>
-      <p:sp>
-        <p:nvSpPr>
-          <p:cNvPr id="7" name="Rectangle: Rounded Corners 6">
+          <p:cNvPicPr>
+            <a:picLocks noGrp="1" noChangeAspect="1"/>
+          </p:cNvPicPr>
+          <p:nvPr>
+            <p:ph idx="1"/>
+          </p:nvPr>
+        </p:nvPicPr>
+        <p:blipFill>
+          <a:blip r:embed="rId2"/>
+          <a:stretch>
+            <a:fillRect/>
+          </a:stretch>
+        </p:blipFill>
+        <p:spPr>
+          <a:xfrm>
+            <a:off x="1734004" y="1846263"/>
+            <a:ext cx="8784317" cy="4022725"/>
+          </a:xfrm>
+        </p:spPr>
+      </p:pic>
+      <p:sp>
+        <p:nvSpPr>
+          <p:cNvPr id="8" name="Rectangle: Rounded Corners 19">
             <a:extLst>
               <a:ext uri="{FF2B5EF4-FFF2-40B4-BE49-F238E27FC236}">
-                <a16:creationId xmlns:a16="http://schemas.microsoft.com/office/drawing/2014/main" id="{20852C87-A218-4973-BA7B-8CEEE9A7C742}"/>
+                <a16:creationId xmlns:a16="http://schemas.microsoft.com/office/drawing/2014/main" id="{0FDB200B-B268-4038-85AA-474B541F3360}"/>
               </a:ext>
             </a:extLst>
           </p:cNvPr>
@@ -5232,8 +5487,8 @@
         </p:nvSpPr>
         <p:spPr>
           <a:xfrm>
-            <a:off x="1454208" y="3379474"/>
-            <a:ext cx="1680248" cy="1450756"/>
+            <a:off x="9633185" y="4955636"/>
+            <a:ext cx="2166136" cy="801384"/>
           </a:xfrm>
           <a:prstGeom prst="roundRect">
             <a:avLst/>
@@ -5274,37 +5529,37 @@
                   <a:sysClr val="windowText" lastClr="000000"/>
                 </a:solidFill>
               </a:rPr>
-              <a:t>The differences services available.</a:t>
+              <a:t>Get a ticket for that service type</a:t>
             </a:r>
           </a:p>
         </p:txBody>
       </p:sp>
       <p:cxnSp>
         <p:nvCxnSpPr>
-          <p:cNvPr id="13" name="Straight Arrow Connector 12">
+          <p:cNvPr id="15" name="Connettore a gomito 14">
             <a:extLst>
               <a:ext uri="{FF2B5EF4-FFF2-40B4-BE49-F238E27FC236}">
-                <a16:creationId xmlns:a16="http://schemas.microsoft.com/office/drawing/2014/main" id="{4ACD3E0A-3371-40C9-9204-620568E2B3D7}"/>
+                <a16:creationId xmlns:a16="http://schemas.microsoft.com/office/drawing/2014/main" id="{6DE76749-4A32-44D8-8918-AC768A709FBB}"/>
               </a:ext>
             </a:extLst>
           </p:cNvPr>
           <p:cNvCxnSpPr>
             <a:cxnSpLocks/>
+            <a:stCxn id="8" idx="0"/>
           </p:cNvCxnSpPr>
           <p:nvPr/>
         </p:nvCxnSpPr>
         <p:spPr>
-          <a:xfrm flipV="1">
-            <a:off x="2895785" y="2516437"/>
-            <a:ext cx="754679" cy="1"/>
-          </a:xfrm>
-          <a:prstGeom prst="straightConnector1">
-            <a:avLst/>
+          <a:xfrm rot="16200000" flipV="1">
+            <a:off x="8921564" y="3160946"/>
+            <a:ext cx="1972739" cy="1616641"/>
+          </a:xfrm>
+          <a:prstGeom prst="bentConnector3">
+            <a:avLst>
+              <a:gd name="adj1" fmla="val 100402"/>
+            </a:avLst>
           </a:prstGeom>
           <a:ln>
-            <a:solidFill>
-              <a:srgbClr val="E48312"/>
-            </a:solidFill>
             <a:tailEnd type="triangle"/>
           </a:ln>
         </p:spPr>
@@ -5323,71 +5578,10 @@
           </a:fontRef>
         </p:style>
       </p:cxnSp>
-      <p:sp>
-        <p:nvSpPr>
-          <p:cNvPr id="11" name="Rectangle: Rounded Corners 10">
-            <a:extLst>
-              <a:ext uri="{FF2B5EF4-FFF2-40B4-BE49-F238E27FC236}">
-                <a16:creationId xmlns:a16="http://schemas.microsoft.com/office/drawing/2014/main" id="{E446AA76-FEAA-43D6-B561-FF6DABCAC599}"/>
-              </a:ext>
-            </a:extLst>
-          </p:cNvPr>
-          <p:cNvSpPr/>
-          <p:nvPr/>
-        </p:nvSpPr>
-        <p:spPr>
-          <a:xfrm>
-            <a:off x="1692879" y="2096414"/>
-            <a:ext cx="1202906" cy="801384"/>
-          </a:xfrm>
-          <a:prstGeom prst="roundRect">
-            <a:avLst/>
-          </a:prstGeom>
-          <a:solidFill>
-            <a:srgbClr val="FFFFFF"/>
-          </a:solidFill>
-          <a:ln>
-            <a:solidFill>
-              <a:schemeClr val="accent1"/>
-            </a:solidFill>
-          </a:ln>
-        </p:spPr>
-        <p:style>
-          <a:lnRef idx="2">
-            <a:schemeClr val="accent1">
-              <a:shade val="50000"/>
-            </a:schemeClr>
-          </a:lnRef>
-          <a:fillRef idx="1">
-            <a:schemeClr val="accent1"/>
-          </a:fillRef>
-          <a:effectRef idx="0">
-            <a:schemeClr val="accent1"/>
-          </a:effectRef>
-          <a:fontRef idx="minor">
-            <a:schemeClr val="lt1"/>
-          </a:fontRef>
-        </p:style>
-        <p:txBody>
-          <a:bodyPr rtlCol="0" anchor="ctr"/>
-          <a:lstStyle/>
-          <a:p>
-            <a:pPr algn="ctr"/>
-            <a:r>
-              <a:rPr lang="en-GB" dirty="0">
-                <a:solidFill>
-                  <a:sysClr val="windowText" lastClr="000000"/>
-                </a:solidFill>
-              </a:rPr>
-              <a:t>Current client signed in</a:t>
-            </a:r>
-          </a:p>
-        </p:txBody>
-      </p:sp>
     </p:spTree>
     <p:extLst>
       <p:ext uri="{BB962C8B-B14F-4D97-AF65-F5344CB8AC3E}">
-        <p14:creationId xmlns:p14="http://schemas.microsoft.com/office/powerpoint/2010/main" val="2372354099"/>
+        <p14:creationId xmlns:p14="http://schemas.microsoft.com/office/powerpoint/2010/main" val="3924243675"/>
       </p:ext>
     </p:extLst>
   </p:cSld>
@@ -5416,10 +5610,10 @@
       </p:grpSpPr>
       <p:sp>
         <p:nvSpPr>
-          <p:cNvPr id="2" name="Titre 1">
+          <p:cNvPr id="2" name="Titolo 1">
             <a:extLst>
               <a:ext uri="{FF2B5EF4-FFF2-40B4-BE49-F238E27FC236}">
-                <a16:creationId xmlns:a16="http://schemas.microsoft.com/office/drawing/2014/main" id="{7BBA3497-EFC3-4064-9E14-1C8FB32354C4}"/>
+                <a16:creationId xmlns:a16="http://schemas.microsoft.com/office/drawing/2014/main" id="{41E9B62B-B983-41B8-9FA2-D97B8B62FC55}"/>
               </a:ext>
             </a:extLst>
           </p:cNvPr>
@@ -5441,123 +5635,18 @@
                   <a:srgbClr val="BD582C"/>
                 </a:solidFill>
               </a:rPr>
-              <a:t>Client waiting board</a:t>
-            </a:r>
-            <a:endParaRPr lang="en-GB" dirty="0"/>
-          </a:p>
-        </p:txBody>
-      </p:sp>
-      <p:cxnSp>
-        <p:nvCxnSpPr>
-          <p:cNvPr id="6" name="Straight Arrow Connector 5">
+              <a:t>Ticket selected </a:t>
+            </a:r>
+            <a:endParaRPr lang="it-IT" dirty="0"/>
+          </a:p>
+        </p:txBody>
+      </p:sp>
+      <p:pic>
+        <p:nvPicPr>
+          <p:cNvPr id="6" name="Immagine 5">
             <a:extLst>
               <a:ext uri="{FF2B5EF4-FFF2-40B4-BE49-F238E27FC236}">
-                <a16:creationId xmlns:a16="http://schemas.microsoft.com/office/drawing/2014/main" id="{399AAA82-FD2D-4573-AE32-391BA7685CDE}"/>
-              </a:ext>
-            </a:extLst>
-          </p:cNvPr>
-          <p:cNvCxnSpPr>
-            <a:cxnSpLocks/>
-          </p:cNvCxnSpPr>
-          <p:nvPr/>
-        </p:nvCxnSpPr>
-        <p:spPr>
-          <a:xfrm>
-            <a:off x="2094121" y="2913080"/>
-            <a:ext cx="1741757" cy="0"/>
-          </a:xfrm>
-          <a:prstGeom prst="straightConnector1">
-            <a:avLst/>
-          </a:prstGeom>
-          <a:ln>
-            <a:solidFill>
-              <a:srgbClr val="E48312"/>
-            </a:solidFill>
-            <a:tailEnd type="triangle"/>
-          </a:ln>
-        </p:spPr>
-        <p:style>
-          <a:lnRef idx="1">
-            <a:schemeClr val="accent1"/>
-          </a:lnRef>
-          <a:fillRef idx="0">
-            <a:schemeClr val="accent1"/>
-          </a:fillRef>
-          <a:effectRef idx="0">
-            <a:schemeClr val="accent1"/>
-          </a:effectRef>
-          <a:fontRef idx="minor">
-            <a:schemeClr val="tx1"/>
-          </a:fontRef>
-        </p:style>
-      </p:cxnSp>
-      <p:sp>
-        <p:nvSpPr>
-          <p:cNvPr id="7" name="Rectangle: Rounded Corners 6">
-            <a:extLst>
-              <a:ext uri="{FF2B5EF4-FFF2-40B4-BE49-F238E27FC236}">
-                <a16:creationId xmlns:a16="http://schemas.microsoft.com/office/drawing/2014/main" id="{20852C87-A218-4973-BA7B-8CEEE9A7C742}"/>
-              </a:ext>
-            </a:extLst>
-          </p:cNvPr>
-          <p:cNvSpPr/>
-          <p:nvPr/>
-        </p:nvSpPr>
-        <p:spPr>
-          <a:xfrm>
-            <a:off x="1048100" y="2520489"/>
-            <a:ext cx="1741757" cy="801384"/>
-          </a:xfrm>
-          <a:prstGeom prst="roundRect">
-            <a:avLst/>
-          </a:prstGeom>
-          <a:solidFill>
-            <a:srgbClr val="FFFFFF"/>
-          </a:solidFill>
-          <a:ln>
-            <a:solidFill>
-              <a:schemeClr val="accent1"/>
-            </a:solidFill>
-          </a:ln>
-        </p:spPr>
-        <p:style>
-          <a:lnRef idx="2">
-            <a:schemeClr val="accent1">
-              <a:shade val="50000"/>
-            </a:schemeClr>
-          </a:lnRef>
-          <a:fillRef idx="1">
-            <a:schemeClr val="accent1"/>
-          </a:fillRef>
-          <a:effectRef idx="0">
-            <a:schemeClr val="accent1"/>
-          </a:effectRef>
-          <a:fontRef idx="minor">
-            <a:schemeClr val="lt1"/>
-          </a:fontRef>
-        </p:style>
-        <p:txBody>
-          <a:bodyPr rtlCol="0" anchor="ctr"/>
-          <a:lstStyle/>
-          <a:p>
-            <a:pPr algn="ctr"/>
-            <a:r>
-              <a:rPr lang="en-GB" dirty="0">
-                <a:solidFill>
-                  <a:sysClr val="windowText" lastClr="000000"/>
-                </a:solidFill>
-              </a:rPr>
-              <a:t>The desk he is waiting for</a:t>
-            </a:r>
-          </a:p>
-        </p:txBody>
-      </p:sp>
-      <p:pic>
-        <p:nvPicPr>
-          <p:cNvPr id="4" name="Picture 3">
-            <a:extLst>
-              <a:ext uri="{FF2B5EF4-FFF2-40B4-BE49-F238E27FC236}">
-                <a16:creationId xmlns:a16="http://schemas.microsoft.com/office/drawing/2014/main" id="{5E06CD43-A769-4B9F-ABE3-859F69C3EA0F}"/>
+                <a16:creationId xmlns:a16="http://schemas.microsoft.com/office/drawing/2014/main" id="{732CAA69-1AE9-41E6-A63C-E13F9D9B960D}"/>
               </a:ext>
             </a:extLst>
           </p:cNvPr>
@@ -5574,8 +5663,8 @@
         </p:blipFill>
         <p:spPr>
           <a:xfrm>
-            <a:off x="3835878" y="2520489"/>
-            <a:ext cx="7067550" cy="2381250"/>
+            <a:off x="1097280" y="1845734"/>
+            <a:ext cx="9687897" cy="3956151"/>
           </a:xfrm>
           <a:prstGeom prst="rect">
             <a:avLst/>
@@ -5585,7 +5674,7 @@
     </p:spTree>
     <p:extLst>
       <p:ext uri="{BB962C8B-B14F-4D97-AF65-F5344CB8AC3E}">
-        <p14:creationId xmlns:p14="http://schemas.microsoft.com/office/powerpoint/2010/main" val="507141132"/>
+        <p14:creationId xmlns:p14="http://schemas.microsoft.com/office/powerpoint/2010/main" val="2202928162"/>
       </p:ext>
     </p:extLst>
   </p:cSld>
@@ -5639,12 +5728,309 @@
                   <a:srgbClr val="BD582C"/>
                 </a:solidFill>
               </a:rPr>
-              <a:t>Officers page</a:t>
+              <a:t>Board</a:t>
             </a:r>
             <a:endParaRPr lang="en-GB" dirty="0"/>
           </a:p>
         </p:txBody>
       </p:sp>
+      <p:cxnSp>
+        <p:nvCxnSpPr>
+          <p:cNvPr id="7" name="Straight Arrow Connector 6">
+            <a:extLst>
+              <a:ext uri="{FF2B5EF4-FFF2-40B4-BE49-F238E27FC236}">
+                <a16:creationId xmlns:a16="http://schemas.microsoft.com/office/drawing/2014/main" id="{9C65229F-736A-4510-82DE-EF67CBE8C7BC}"/>
+              </a:ext>
+            </a:extLst>
+          </p:cNvPr>
+          <p:cNvCxnSpPr>
+            <a:cxnSpLocks/>
+          </p:cNvCxnSpPr>
+          <p:nvPr/>
+        </p:nvCxnSpPr>
+        <p:spPr>
+          <a:xfrm flipV="1">
+            <a:off x="2681556" y="4232953"/>
+            <a:ext cx="308224" cy="1047965"/>
+          </a:xfrm>
+          <a:prstGeom prst="straightConnector1">
+            <a:avLst/>
+          </a:prstGeom>
+          <a:ln>
+            <a:solidFill>
+              <a:srgbClr val="E48312"/>
+            </a:solidFill>
+            <a:tailEnd type="triangle"/>
+          </a:ln>
+        </p:spPr>
+        <p:style>
+          <a:lnRef idx="1">
+            <a:schemeClr val="accent1"/>
+          </a:lnRef>
+          <a:fillRef idx="0">
+            <a:schemeClr val="accent1"/>
+          </a:fillRef>
+          <a:effectRef idx="0">
+            <a:schemeClr val="accent1"/>
+          </a:effectRef>
+          <a:fontRef idx="minor">
+            <a:schemeClr val="tx1"/>
+          </a:fontRef>
+        </p:style>
+      </p:cxnSp>
+      <p:sp>
+        <p:nvSpPr>
+          <p:cNvPr id="10" name="Rectangle: Rounded Corners 9">
+            <a:extLst>
+              <a:ext uri="{FF2B5EF4-FFF2-40B4-BE49-F238E27FC236}">
+                <a16:creationId xmlns:a16="http://schemas.microsoft.com/office/drawing/2014/main" id="{D3191408-5736-4059-8297-A0C9439D1450}"/>
+              </a:ext>
+            </a:extLst>
+          </p:cNvPr>
+          <p:cNvSpPr/>
+          <p:nvPr/>
+        </p:nvSpPr>
+        <p:spPr>
+          <a:xfrm>
+            <a:off x="1489753" y="5280917"/>
+            <a:ext cx="2352782" cy="801384"/>
+          </a:xfrm>
+          <a:prstGeom prst="roundRect">
+            <a:avLst/>
+          </a:prstGeom>
+          <a:solidFill>
+            <a:srgbClr val="FFFFFF"/>
+          </a:solidFill>
+          <a:ln>
+            <a:solidFill>
+              <a:schemeClr val="accent1"/>
+            </a:solidFill>
+          </a:ln>
+        </p:spPr>
+        <p:style>
+          <a:lnRef idx="2">
+            <a:schemeClr val="accent1">
+              <a:shade val="50000"/>
+            </a:schemeClr>
+          </a:lnRef>
+          <a:fillRef idx="1">
+            <a:schemeClr val="accent1"/>
+          </a:fillRef>
+          <a:effectRef idx="0">
+            <a:schemeClr val="accent1"/>
+          </a:effectRef>
+          <a:fontRef idx="minor">
+            <a:schemeClr val="lt1"/>
+          </a:fontRef>
+        </p:style>
+        <p:txBody>
+          <a:bodyPr rtlCol="0" anchor="ctr"/>
+          <a:lstStyle/>
+          <a:p>
+            <a:pPr algn="ctr"/>
+            <a:r>
+              <a:rPr lang="en-GB" dirty="0">
+                <a:solidFill>
+                  <a:sysClr val="windowText" lastClr="000000"/>
+                </a:solidFill>
+              </a:rPr>
+              <a:t>Ticket being served currently</a:t>
+            </a:r>
+          </a:p>
+          <a:p>
+            <a:pPr algn="ctr"/>
+            <a:endParaRPr lang="en-GB" dirty="0">
+              <a:solidFill>
+                <a:sysClr val="windowText" lastClr="000000"/>
+              </a:solidFill>
+            </a:endParaRPr>
+          </a:p>
+        </p:txBody>
+      </p:sp>
+      <p:sp>
+        <p:nvSpPr>
+          <p:cNvPr id="12" name="Rectangle: Rounded Corners 11">
+            <a:extLst>
+              <a:ext uri="{FF2B5EF4-FFF2-40B4-BE49-F238E27FC236}">
+                <a16:creationId xmlns:a16="http://schemas.microsoft.com/office/drawing/2014/main" id="{785CFA20-28D1-4395-9DEB-62093EF93BB5}"/>
+              </a:ext>
+            </a:extLst>
+          </p:cNvPr>
+          <p:cNvSpPr/>
+          <p:nvPr/>
+        </p:nvSpPr>
+        <p:spPr>
+          <a:xfrm>
+            <a:off x="8113503" y="5038703"/>
+            <a:ext cx="2352782" cy="961406"/>
+          </a:xfrm>
+          <a:prstGeom prst="roundRect">
+            <a:avLst/>
+          </a:prstGeom>
+          <a:solidFill>
+            <a:srgbClr val="FFFFFF"/>
+          </a:solidFill>
+          <a:ln>
+            <a:solidFill>
+              <a:schemeClr val="accent1"/>
+            </a:solidFill>
+          </a:ln>
+        </p:spPr>
+        <p:style>
+          <a:lnRef idx="2">
+            <a:schemeClr val="accent1">
+              <a:shade val="50000"/>
+            </a:schemeClr>
+          </a:lnRef>
+          <a:fillRef idx="1">
+            <a:schemeClr val="accent1"/>
+          </a:fillRef>
+          <a:effectRef idx="0">
+            <a:schemeClr val="accent1"/>
+          </a:effectRef>
+          <a:fontRef idx="minor">
+            <a:schemeClr val="lt1"/>
+          </a:fontRef>
+        </p:style>
+        <p:txBody>
+          <a:bodyPr rtlCol="0" anchor="ctr"/>
+          <a:lstStyle/>
+          <a:p>
+            <a:pPr algn="ctr"/>
+            <a:r>
+              <a:rPr lang="en-GB" dirty="0">
+                <a:solidFill>
+                  <a:sysClr val="windowText" lastClr="000000"/>
+                </a:solidFill>
+              </a:rPr>
+              <a:t>Anyone can access to that page without login</a:t>
+            </a:r>
+          </a:p>
+        </p:txBody>
+      </p:sp>
+      <p:pic>
+        <p:nvPicPr>
+          <p:cNvPr id="4" name="Immagine 3">
+            <a:extLst>
+              <a:ext uri="{FF2B5EF4-FFF2-40B4-BE49-F238E27FC236}">
+                <a16:creationId xmlns:a16="http://schemas.microsoft.com/office/drawing/2014/main" id="{77203EA3-CA8E-4F2E-9A10-6CD9A0D02BA1}"/>
+              </a:ext>
+            </a:extLst>
+          </p:cNvPr>
+          <p:cNvPicPr>
+            <a:picLocks noChangeAspect="1"/>
+          </p:cNvPicPr>
+          <p:nvPr/>
+        </p:nvPicPr>
+        <p:blipFill>
+          <a:blip r:embed="rId2"/>
+          <a:stretch>
+            <a:fillRect/>
+          </a:stretch>
+        </p:blipFill>
+        <p:spPr>
+          <a:xfrm>
+            <a:off x="200025" y="2339050"/>
+            <a:ext cx="11791950" cy="1905000"/>
+          </a:xfrm>
+          <a:prstGeom prst="rect">
+            <a:avLst/>
+          </a:prstGeom>
+        </p:spPr>
+      </p:pic>
+    </p:spTree>
+    <p:extLst>
+      <p:ext uri="{BB962C8B-B14F-4D97-AF65-F5344CB8AC3E}">
+        <p14:creationId xmlns:p14="http://schemas.microsoft.com/office/powerpoint/2010/main" val="2994410576"/>
+      </p:ext>
+    </p:extLst>
+  </p:cSld>
+  <p:clrMapOvr>
+    <a:masterClrMapping/>
+  </p:clrMapOvr>
+</p:sld>
+</file>
+
+<file path=ppt/slides/slide8.xml><?xml version="1.0" encoding="utf-8"?>
+<p:sld xmlns:a="http://schemas.openxmlformats.org/drawingml/2006/main" xmlns:r="http://schemas.openxmlformats.org/officeDocument/2006/relationships" xmlns:p="http://schemas.openxmlformats.org/presentationml/2006/main">
+  <p:cSld>
+    <p:spTree>
+      <p:nvGrpSpPr>
+        <p:cNvPr id="1" name=""/>
+        <p:cNvGrpSpPr/>
+        <p:nvPr/>
+      </p:nvGrpSpPr>
+      <p:grpSpPr>
+        <a:xfrm>
+          <a:off x="0" y="0"/>
+          <a:ext cx="0" cy="0"/>
+          <a:chOff x="0" y="0"/>
+          <a:chExt cx="0" cy="0"/>
+        </a:xfrm>
+      </p:grpSpPr>
+      <p:sp>
+        <p:nvSpPr>
+          <p:cNvPr id="2" name="Titre 1">
+            <a:extLst>
+              <a:ext uri="{FF2B5EF4-FFF2-40B4-BE49-F238E27FC236}">
+                <a16:creationId xmlns:a16="http://schemas.microsoft.com/office/drawing/2014/main" id="{7BBA3497-EFC3-4064-9E14-1C8FB32354C4}"/>
+              </a:ext>
+            </a:extLst>
+          </p:cNvPr>
+          <p:cNvSpPr>
+            <a:spLocks noGrp="1"/>
+          </p:cNvSpPr>
+          <p:nvPr>
+            <p:ph type="title"/>
+          </p:nvPr>
+        </p:nvSpPr>
+        <p:spPr/>
+        <p:txBody>
+          <a:bodyPr/>
+          <a:lstStyle/>
+          <a:p>
+            <a:r>
+              <a:rPr lang="en-GB" b="1" dirty="0">
+                <a:solidFill>
+                  <a:srgbClr val="BD582C"/>
+                </a:solidFill>
+              </a:rPr>
+              <a:t>Login</a:t>
+            </a:r>
+            <a:endParaRPr lang="en-GB" dirty="0"/>
+          </a:p>
+        </p:txBody>
+      </p:sp>
+      <p:pic>
+        <p:nvPicPr>
+          <p:cNvPr id="4" name="Picture 3">
+            <a:extLst>
+              <a:ext uri="{FF2B5EF4-FFF2-40B4-BE49-F238E27FC236}">
+                <a16:creationId xmlns:a16="http://schemas.microsoft.com/office/drawing/2014/main" id="{5C30AAEA-16F8-45F9-8611-44502E229D4C}"/>
+              </a:ext>
+            </a:extLst>
+          </p:cNvPr>
+          <p:cNvPicPr>
+            <a:picLocks noChangeAspect="1"/>
+          </p:cNvPicPr>
+          <p:nvPr/>
+        </p:nvPicPr>
+        <p:blipFill>
+          <a:blip r:embed="rId2"/>
+          <a:stretch>
+            <a:fillRect/>
+          </a:stretch>
+        </p:blipFill>
+        <p:spPr>
+          <a:xfrm>
+            <a:off x="3111843" y="2184627"/>
+            <a:ext cx="8043837" cy="3893874"/>
+          </a:xfrm>
+          <a:prstGeom prst="rect">
+            <a:avLst/>
+          </a:prstGeom>
+        </p:spPr>
+      </p:pic>
       <p:cxnSp>
         <p:nvCxnSpPr>
           <p:cNvPr id="6" name="Straight Arrow Connector 5">
@@ -5661,8 +6047,8 @@
         </p:nvCxnSpPr>
         <p:spPr>
           <a:xfrm>
-            <a:off x="2533003" y="2128924"/>
-            <a:ext cx="1741757" cy="0"/>
+            <a:off x="2533003" y="3429000"/>
+            <a:ext cx="913157" cy="356686"/>
           </a:xfrm>
           <a:prstGeom prst="straightConnector1">
             <a:avLst/>
@@ -5703,7 +6089,7 @@
         </p:nvSpPr>
         <p:spPr>
           <a:xfrm>
-            <a:off x="1330097" y="1899758"/>
+            <a:off x="1330097" y="3065381"/>
             <a:ext cx="1202906" cy="801384"/>
           </a:xfrm>
           <a:prstGeom prst="roundRect">
@@ -5745,7 +6131,7 @@
                   <a:sysClr val="windowText" lastClr="000000"/>
                 </a:solidFill>
               </a:rPr>
-              <a:t>Current officer signed in</a:t>
+              <a:t>User email</a:t>
             </a:r>
           </a:p>
         </p:txBody>
@@ -5766,7 +6152,7 @@
         </p:nvCxnSpPr>
         <p:spPr>
           <a:xfrm flipV="1">
-            <a:off x="3383176" y="2656635"/>
+            <a:off x="2533003" y="4834727"/>
             <a:ext cx="891584" cy="390663"/>
           </a:xfrm>
           <a:prstGeom prst="straightConnector1">
@@ -5808,8 +6194,8 @@
         </p:nvSpPr>
         <p:spPr>
           <a:xfrm>
-            <a:off x="1826531" y="2849398"/>
-            <a:ext cx="1849349" cy="961302"/>
+            <a:off x="1330097" y="4942350"/>
+            <a:ext cx="1202906" cy="801384"/>
           </a:xfrm>
           <a:prstGeom prst="roundRect">
             <a:avLst/>
@@ -5850,17 +6236,318 @@
                   <a:sysClr val="windowText" lastClr="000000"/>
                 </a:solidFill>
               </a:rPr>
-              <a:t>To use when he finished serving a client</a:t>
+              <a:t>User password</a:t>
+            </a:r>
+          </a:p>
+        </p:txBody>
+      </p:sp>
+      <p:sp>
+        <p:nvSpPr>
+          <p:cNvPr id="24" name="Rectangle: Rounded Corners 23">
+            <a:extLst>
+              <a:ext uri="{FF2B5EF4-FFF2-40B4-BE49-F238E27FC236}">
+                <a16:creationId xmlns:a16="http://schemas.microsoft.com/office/drawing/2014/main" id="{F3339766-5C30-437A-9623-4BF142F5ADE0}"/>
+              </a:ext>
+            </a:extLst>
+          </p:cNvPr>
+          <p:cNvSpPr/>
+          <p:nvPr/>
+        </p:nvSpPr>
+        <p:spPr>
+          <a:xfrm>
+            <a:off x="8979613" y="433582"/>
+            <a:ext cx="2255601" cy="891784"/>
+          </a:xfrm>
+          <a:prstGeom prst="roundRect">
+            <a:avLst/>
+          </a:prstGeom>
+          <a:solidFill>
+            <a:srgbClr val="FFFFFF"/>
+          </a:solidFill>
+          <a:ln>
+            <a:solidFill>
+              <a:schemeClr val="accent1"/>
+            </a:solidFill>
+          </a:ln>
+        </p:spPr>
+        <p:style>
+          <a:lnRef idx="2">
+            <a:schemeClr val="accent1">
+              <a:shade val="50000"/>
+            </a:schemeClr>
+          </a:lnRef>
+          <a:fillRef idx="1">
+            <a:schemeClr val="accent1"/>
+          </a:fillRef>
+          <a:effectRef idx="0">
+            <a:schemeClr val="accent1"/>
+          </a:effectRef>
+          <a:fontRef idx="minor">
+            <a:schemeClr val="lt1"/>
+          </a:fontRef>
+        </p:style>
+        <p:txBody>
+          <a:bodyPr rtlCol="0" anchor="ctr"/>
+          <a:lstStyle/>
+          <a:p>
+            <a:pPr algn="ctr"/>
+            <a:r>
+              <a:rPr lang="en-GB" dirty="0">
+                <a:solidFill>
+                  <a:sysClr val="windowText" lastClr="000000"/>
+                </a:solidFill>
+              </a:rPr>
+              <a:t>The officers and the manager login here</a:t>
+            </a:r>
+          </a:p>
+        </p:txBody>
+      </p:sp>
+    </p:spTree>
+    <p:extLst>
+      <p:ext uri="{BB962C8B-B14F-4D97-AF65-F5344CB8AC3E}">
+        <p14:creationId xmlns:p14="http://schemas.microsoft.com/office/powerpoint/2010/main" val="3858183379"/>
+      </p:ext>
+    </p:extLst>
+  </p:cSld>
+  <p:clrMapOvr>
+    <a:masterClrMapping/>
+  </p:clrMapOvr>
+</p:sld>
+</file>
+
+<file path=ppt/slides/slide9.xml><?xml version="1.0" encoding="utf-8"?>
+<p:sld xmlns:a="http://schemas.openxmlformats.org/drawingml/2006/main" xmlns:r="http://schemas.openxmlformats.org/officeDocument/2006/relationships" xmlns:p="http://schemas.openxmlformats.org/presentationml/2006/main">
+  <p:cSld>
+    <p:spTree>
+      <p:nvGrpSpPr>
+        <p:cNvPr id="1" name=""/>
+        <p:cNvGrpSpPr/>
+        <p:nvPr/>
+      </p:nvGrpSpPr>
+      <p:grpSpPr>
+        <a:xfrm>
+          <a:off x="0" y="0"/>
+          <a:ext cx="0" cy="0"/>
+          <a:chOff x="0" y="0"/>
+          <a:chExt cx="0" cy="0"/>
+        </a:xfrm>
+      </p:grpSpPr>
+      <p:sp>
+        <p:nvSpPr>
+          <p:cNvPr id="2" name="Titre 1">
+            <a:extLst>
+              <a:ext uri="{FF2B5EF4-FFF2-40B4-BE49-F238E27FC236}">
+                <a16:creationId xmlns:a16="http://schemas.microsoft.com/office/drawing/2014/main" id="{7BBA3497-EFC3-4064-9E14-1C8FB32354C4}"/>
+              </a:ext>
+            </a:extLst>
+          </p:cNvPr>
+          <p:cNvSpPr>
+            <a:spLocks noGrp="1"/>
+          </p:cNvSpPr>
+          <p:nvPr>
+            <p:ph type="title"/>
+          </p:nvPr>
+        </p:nvSpPr>
+        <p:spPr/>
+        <p:txBody>
+          <a:bodyPr/>
+          <a:lstStyle/>
+          <a:p>
+            <a:r>
+              <a:rPr lang="en-GB" b="1" dirty="0">
+                <a:solidFill>
+                  <a:srgbClr val="BD582C"/>
+                </a:solidFill>
+              </a:rPr>
+              <a:t>Login validation</a:t>
+            </a:r>
+            <a:endParaRPr lang="en-GB" dirty="0"/>
+          </a:p>
+        </p:txBody>
+      </p:sp>
+      <p:cxnSp>
+        <p:nvCxnSpPr>
+          <p:cNvPr id="13" name="Straight Arrow Connector 12">
+            <a:extLst>
+              <a:ext uri="{FF2B5EF4-FFF2-40B4-BE49-F238E27FC236}">
+                <a16:creationId xmlns:a16="http://schemas.microsoft.com/office/drawing/2014/main" id="{4ACD3E0A-3371-40C9-9204-620568E2B3D7}"/>
+              </a:ext>
+            </a:extLst>
+          </p:cNvPr>
+          <p:cNvCxnSpPr>
+            <a:cxnSpLocks/>
+          </p:cNvCxnSpPr>
+          <p:nvPr/>
+        </p:nvCxnSpPr>
+        <p:spPr>
+          <a:xfrm flipV="1">
+            <a:off x="2533003" y="4834727"/>
+            <a:ext cx="891584" cy="390663"/>
+          </a:xfrm>
+          <a:prstGeom prst="straightConnector1">
+            <a:avLst/>
+          </a:prstGeom>
+          <a:ln>
+            <a:solidFill>
+              <a:srgbClr val="E48312"/>
+            </a:solidFill>
+            <a:tailEnd type="triangle"/>
+          </a:ln>
+        </p:spPr>
+        <p:style>
+          <a:lnRef idx="1">
+            <a:schemeClr val="accent1"/>
+          </a:lnRef>
+          <a:fillRef idx="0">
+            <a:schemeClr val="accent1"/>
+          </a:fillRef>
+          <a:effectRef idx="0">
+            <a:schemeClr val="accent1"/>
+          </a:effectRef>
+          <a:fontRef idx="minor">
+            <a:schemeClr val="tx1"/>
+          </a:fontRef>
+        </p:style>
+      </p:cxnSp>
+      <p:sp>
+        <p:nvSpPr>
+          <p:cNvPr id="20" name="Rectangle: Rounded Corners 19">
+            <a:extLst>
+              <a:ext uri="{FF2B5EF4-FFF2-40B4-BE49-F238E27FC236}">
+                <a16:creationId xmlns:a16="http://schemas.microsoft.com/office/drawing/2014/main" id="{BF64BEF2-217F-4E38-90FD-5FDC86A30826}"/>
+              </a:ext>
+            </a:extLst>
+          </p:cNvPr>
+          <p:cNvSpPr/>
+          <p:nvPr/>
+        </p:nvSpPr>
+        <p:spPr>
+          <a:xfrm>
+            <a:off x="1330096" y="4942350"/>
+            <a:ext cx="1804989" cy="801384"/>
+          </a:xfrm>
+          <a:prstGeom prst="roundRect">
+            <a:avLst/>
+          </a:prstGeom>
+          <a:solidFill>
+            <a:srgbClr val="FFFFFF"/>
+          </a:solidFill>
+          <a:ln>
+            <a:solidFill>
+              <a:schemeClr val="accent1"/>
+            </a:solidFill>
+          </a:ln>
+        </p:spPr>
+        <p:style>
+          <a:lnRef idx="2">
+            <a:schemeClr val="accent1">
+              <a:shade val="50000"/>
+            </a:schemeClr>
+          </a:lnRef>
+          <a:fillRef idx="1">
+            <a:schemeClr val="accent1"/>
+          </a:fillRef>
+          <a:effectRef idx="0">
+            <a:schemeClr val="accent1"/>
+          </a:effectRef>
+          <a:fontRef idx="minor">
+            <a:schemeClr val="lt1"/>
+          </a:fontRef>
+        </p:style>
+        <p:txBody>
+          <a:bodyPr rtlCol="0" anchor="ctr"/>
+          <a:lstStyle/>
+          <a:p>
+            <a:pPr algn="ctr"/>
+            <a:r>
+              <a:rPr lang="en-GB" dirty="0">
+                <a:solidFill>
+                  <a:sysClr val="windowText" lastClr="000000"/>
+                </a:solidFill>
+              </a:rPr>
+              <a:t>Password</a:t>
+            </a:r>
+          </a:p>
+          <a:p>
+            <a:pPr algn="ctr"/>
+            <a:r>
+              <a:rPr lang="en-GB" dirty="0">
+                <a:solidFill>
+                  <a:sysClr val="windowText" lastClr="000000"/>
+                </a:solidFill>
+              </a:rPr>
+              <a:t>And email validation </a:t>
+            </a:r>
+          </a:p>
+        </p:txBody>
+      </p:sp>
+      <p:sp>
+        <p:nvSpPr>
+          <p:cNvPr id="24" name="Rectangle: Rounded Corners 23">
+            <a:extLst>
+              <a:ext uri="{FF2B5EF4-FFF2-40B4-BE49-F238E27FC236}">
+                <a16:creationId xmlns:a16="http://schemas.microsoft.com/office/drawing/2014/main" id="{F3339766-5C30-437A-9623-4BF142F5ADE0}"/>
+              </a:ext>
+            </a:extLst>
+          </p:cNvPr>
+          <p:cNvSpPr/>
+          <p:nvPr/>
+        </p:nvSpPr>
+        <p:spPr>
+          <a:xfrm>
+            <a:off x="8979613" y="433582"/>
+            <a:ext cx="2255601" cy="891784"/>
+          </a:xfrm>
+          <a:prstGeom prst="roundRect">
+            <a:avLst/>
+          </a:prstGeom>
+          <a:solidFill>
+            <a:srgbClr val="FFFFFF"/>
+          </a:solidFill>
+          <a:ln>
+            <a:solidFill>
+              <a:schemeClr val="accent1"/>
+            </a:solidFill>
+          </a:ln>
+        </p:spPr>
+        <p:style>
+          <a:lnRef idx="2">
+            <a:schemeClr val="accent1">
+              <a:shade val="50000"/>
+            </a:schemeClr>
+          </a:lnRef>
+          <a:fillRef idx="1">
+            <a:schemeClr val="accent1"/>
+          </a:fillRef>
+          <a:effectRef idx="0">
+            <a:schemeClr val="accent1"/>
+          </a:effectRef>
+          <a:fontRef idx="minor">
+            <a:schemeClr val="lt1"/>
+          </a:fontRef>
+        </p:style>
+        <p:txBody>
+          <a:bodyPr rtlCol="0" anchor="ctr"/>
+          <a:lstStyle/>
+          <a:p>
+            <a:pPr algn="ctr"/>
+            <a:r>
+              <a:rPr lang="en-GB" dirty="0">
+                <a:solidFill>
+                  <a:sysClr val="windowText" lastClr="000000"/>
+                </a:solidFill>
+              </a:rPr>
+              <a:t>The officers and the manager login here</a:t>
             </a:r>
           </a:p>
         </p:txBody>
       </p:sp>
       <p:pic>
         <p:nvPicPr>
-          <p:cNvPr id="8" name="Picture 7">
+          <p:cNvPr id="5" name="Immagine 4">
             <a:extLst>
               <a:ext uri="{FF2B5EF4-FFF2-40B4-BE49-F238E27FC236}">
-                <a16:creationId xmlns:a16="http://schemas.microsoft.com/office/drawing/2014/main" id="{7B8EF4F4-798D-4C13-BBE7-CC81BFA8459C}"/>
+                <a16:creationId xmlns:a16="http://schemas.microsoft.com/office/drawing/2014/main" id="{B4B21D80-D9E0-42BC-87FB-4FBAE723C9B7}"/>
               </a:ext>
             </a:extLst>
           </p:cNvPr>
@@ -5877,79 +6564,18 @@
         </p:blipFill>
         <p:spPr>
           <a:xfrm>
-            <a:off x="4315670" y="1962256"/>
-            <a:ext cx="6638946" cy="4191963"/>
+            <a:off x="3446160" y="1884339"/>
+            <a:ext cx="6753225" cy="3667125"/>
           </a:xfrm>
           <a:prstGeom prst="rect">
             <a:avLst/>
           </a:prstGeom>
         </p:spPr>
       </p:pic>
-      <p:sp>
-        <p:nvSpPr>
-          <p:cNvPr id="10" name="Rectangle: Rounded Corners 9">
-            <a:extLst>
-              <a:ext uri="{FF2B5EF4-FFF2-40B4-BE49-F238E27FC236}">
-                <a16:creationId xmlns:a16="http://schemas.microsoft.com/office/drawing/2014/main" id="{404396F9-3DFB-4146-B653-9553F5A30C52}"/>
-              </a:ext>
-            </a:extLst>
-          </p:cNvPr>
-          <p:cNvSpPr/>
-          <p:nvPr/>
-        </p:nvSpPr>
-        <p:spPr>
-          <a:xfrm>
-            <a:off x="7597181" y="5074664"/>
-            <a:ext cx="1849349" cy="961302"/>
-          </a:xfrm>
-          <a:prstGeom prst="roundRect">
-            <a:avLst/>
-          </a:prstGeom>
-          <a:solidFill>
-            <a:srgbClr val="FFFFFF"/>
-          </a:solidFill>
-          <a:ln>
-            <a:solidFill>
-              <a:schemeClr val="accent1"/>
-            </a:solidFill>
-          </a:ln>
-        </p:spPr>
-        <p:style>
-          <a:lnRef idx="2">
-            <a:schemeClr val="accent1">
-              <a:shade val="50000"/>
-            </a:schemeClr>
-          </a:lnRef>
-          <a:fillRef idx="1">
-            <a:schemeClr val="accent1"/>
-          </a:fillRef>
-          <a:effectRef idx="0">
-            <a:schemeClr val="accent1"/>
-          </a:effectRef>
-          <a:fontRef idx="minor">
-            <a:schemeClr val="lt1"/>
-          </a:fontRef>
-        </p:style>
-        <p:txBody>
-          <a:bodyPr rtlCol="0" anchor="ctr"/>
-          <a:lstStyle/>
-          <a:p>
-            <a:pPr algn="ctr"/>
-            <a:r>
-              <a:rPr lang="en-GB" dirty="0">
-                <a:solidFill>
-                  <a:sysClr val="windowText" lastClr="000000"/>
-                </a:solidFill>
-              </a:rPr>
-              <a:t>All services available</a:t>
-            </a:r>
-          </a:p>
-        </p:txBody>
-      </p:sp>
     </p:spTree>
     <p:extLst>
       <p:ext uri="{BB962C8B-B14F-4D97-AF65-F5344CB8AC3E}">
-        <p14:creationId xmlns:p14="http://schemas.microsoft.com/office/powerpoint/2010/main" val="2034809084"/>
+        <p14:creationId xmlns:p14="http://schemas.microsoft.com/office/powerpoint/2010/main" val="3217101325"/>
       </p:ext>
     </p:extLst>
   </p:cSld>

--- a/PresentationW1.pptx
+++ b/PresentationW1.pptx
@@ -16,6 +16,7 @@
     <p:sldId id="268" r:id="rId10"/>
     <p:sldId id="263" r:id="rId11"/>
     <p:sldId id="261" r:id="rId12"/>
+    <p:sldId id="269" r:id="rId13"/>
   </p:sldIdLst>
   <p:sldSz cx="12192000" cy="6858000"/>
   <p:notesSz cx="6858000" cy="9144000"/>
@@ -3964,12 +3965,12 @@
               <a:t>imone - GOURLET Katell - </a:t>
             </a:r>
             <a:r>
-              <a:rPr lang="en-GB" sz="2000" b="0" i="0" u="none" strike="noStrike" cap="none" baseline="0" dirty="0" err="1">
+              <a:rPr lang="en-GB" sz="2000" cap="none" dirty="0">
                 <a:solidFill>
                   <a:srgbClr val="E48312"/>
                 </a:solidFill>
               </a:rPr>
-              <a:t>lANFRANCO</a:t>
+              <a:t>L</a:t>
             </a:r>
             <a:r>
               <a:rPr lang="en-GB" sz="2000" b="0" i="0" u="none" strike="noStrike" cap="none" baseline="0" dirty="0">
@@ -3977,7 +3978,7 @@
                   <a:srgbClr val="E48312"/>
                 </a:solidFill>
               </a:rPr>
-              <a:t> Dario - ACQUARO Claudio - LISCIANDRELLO Mattia</a:t>
+              <a:t>ANFRANCO Dario - ACQUARO Claudio - LISCIANDRELLO Mattia</a:t>
             </a:r>
             <a:endParaRPr lang="en-GB" sz="2000" cap="none" dirty="0">
               <a:solidFill>
@@ -4527,6 +4528,91 @@
     <p:extLst>
       <p:ext uri="{BB962C8B-B14F-4D97-AF65-F5344CB8AC3E}">
         <p14:creationId xmlns:p14="http://schemas.microsoft.com/office/powerpoint/2010/main" val="2034809084"/>
+      </p:ext>
+    </p:extLst>
+  </p:cSld>
+  <p:clrMapOvr>
+    <a:masterClrMapping/>
+  </p:clrMapOvr>
+</p:sld>
+</file>
+
+<file path=ppt/slides/slide12.xml><?xml version="1.0" encoding="utf-8"?>
+<p:sld xmlns:a="http://schemas.openxmlformats.org/drawingml/2006/main" xmlns:r="http://schemas.openxmlformats.org/officeDocument/2006/relationships" xmlns:p="http://schemas.openxmlformats.org/presentationml/2006/main">
+  <p:cSld>
+    <p:spTree>
+      <p:nvGrpSpPr>
+        <p:cNvPr id="1" name=""/>
+        <p:cNvGrpSpPr/>
+        <p:nvPr/>
+      </p:nvGrpSpPr>
+      <p:grpSpPr>
+        <a:xfrm>
+          <a:off x="0" y="0"/>
+          <a:ext cx="0" cy="0"/>
+          <a:chOff x="0" y="0"/>
+          <a:chExt cx="0" cy="0"/>
+        </a:xfrm>
+      </p:grpSpPr>
+      <p:sp>
+        <p:nvSpPr>
+          <p:cNvPr id="2" name="Titolo 1">
+            <a:extLst>
+              <a:ext uri="{FF2B5EF4-FFF2-40B4-BE49-F238E27FC236}">
+                <a16:creationId xmlns:a16="http://schemas.microsoft.com/office/drawing/2014/main" id="{0E95CDE8-FFAB-42B3-8F83-82E289A6DD74}"/>
+              </a:ext>
+            </a:extLst>
+          </p:cNvPr>
+          <p:cNvSpPr>
+            <a:spLocks noGrp="1"/>
+          </p:cNvSpPr>
+          <p:nvPr>
+            <p:ph type="title"/>
+          </p:nvPr>
+        </p:nvSpPr>
+        <p:spPr>
+          <a:xfrm>
+            <a:off x="958789" y="1573865"/>
+            <a:ext cx="10315852" cy="2216899"/>
+          </a:xfrm>
+        </p:spPr>
+        <p:style>
+          <a:lnRef idx="2">
+            <a:schemeClr val="accent1"/>
+          </a:lnRef>
+          <a:fillRef idx="1">
+            <a:schemeClr val="lt1"/>
+          </a:fillRef>
+          <a:effectRef idx="0">
+            <a:schemeClr val="accent1"/>
+          </a:effectRef>
+          <a:fontRef idx="minor">
+            <a:schemeClr val="dk1"/>
+          </a:fontRef>
+        </p:style>
+        <p:txBody>
+          <a:bodyPr>
+            <a:noAutofit/>
+          </a:bodyPr>
+          <a:lstStyle/>
+          <a:p>
+            <a:pPr algn="ctr"/>
+            <a:r>
+              <a:rPr lang="en-GB" sz="8000" b="1" dirty="0">
+                <a:solidFill>
+                  <a:srgbClr val="BD582C"/>
+                </a:solidFill>
+              </a:rPr>
+              <a:t>Thanks for your attention!</a:t>
+            </a:r>
+            <a:endParaRPr lang="it-IT" sz="8000" dirty="0"/>
+          </a:p>
+        </p:txBody>
+      </p:sp>
+    </p:spTree>
+    <p:extLst>
+      <p:ext uri="{BB962C8B-B14F-4D97-AF65-F5344CB8AC3E}">
+        <p14:creationId xmlns:p14="http://schemas.microsoft.com/office/powerpoint/2010/main" val="218352188"/>
       </p:ext>
     </p:extLst>
   </p:cSld>

--- a/PresentationW1.pptx
+++ b/PresentationW1.pptx
@@ -349,7 +349,7 @@
           <a:p>
             <a:fld id="{1C3789C9-914D-4922-9317-B202C6AB7D8A}" type="datetimeFigureOut">
               <a:rPr lang="en-GB" smtClean="0"/>
-              <a:t>18/10/2021</a:t>
+              <a:t>19/10/2021</a:t>
             </a:fld>
             <a:endParaRPr lang="en-GB"/>
           </a:p>
@@ -557,7 +557,7 @@
           <a:p>
             <a:fld id="{1C3789C9-914D-4922-9317-B202C6AB7D8A}" type="datetimeFigureOut">
               <a:rPr lang="en-GB" smtClean="0"/>
-              <a:t>18/10/2021</a:t>
+              <a:t>19/10/2021</a:t>
             </a:fld>
             <a:endParaRPr lang="en-GB"/>
           </a:p>
@@ -813,7 +813,7 @@
           <a:p>
             <a:fld id="{1C3789C9-914D-4922-9317-B202C6AB7D8A}" type="datetimeFigureOut">
               <a:rPr lang="en-GB" smtClean="0"/>
-              <a:t>18/10/2021</a:t>
+              <a:t>19/10/2021</a:t>
             </a:fld>
             <a:endParaRPr lang="en-GB"/>
           </a:p>
@@ -987,7 +987,7 @@
           <a:p>
             <a:fld id="{1C3789C9-914D-4922-9317-B202C6AB7D8A}" type="datetimeFigureOut">
               <a:rPr lang="en-GB" smtClean="0"/>
-              <a:t>18/10/2021</a:t>
+              <a:t>19/10/2021</a:t>
             </a:fld>
             <a:endParaRPr lang="en-GB"/>
           </a:p>
@@ -1330,7 +1330,7 @@
           <a:p>
             <a:fld id="{1C3789C9-914D-4922-9317-B202C6AB7D8A}" type="datetimeFigureOut">
               <a:rPr lang="en-GB" smtClean="0"/>
-              <a:t>18/10/2021</a:t>
+              <a:t>19/10/2021</a:t>
             </a:fld>
             <a:endParaRPr lang="en-GB"/>
           </a:p>
@@ -1605,7 +1605,7 @@
           <a:p>
             <a:fld id="{1C3789C9-914D-4922-9317-B202C6AB7D8A}" type="datetimeFigureOut">
               <a:rPr lang="en-GB" smtClean="0"/>
-              <a:t>18/10/2021</a:t>
+              <a:t>19/10/2021</a:t>
             </a:fld>
             <a:endParaRPr lang="en-GB"/>
           </a:p>
@@ -1984,7 +1984,7 @@
           <a:p>
             <a:fld id="{1C3789C9-914D-4922-9317-B202C6AB7D8A}" type="datetimeFigureOut">
               <a:rPr lang="en-GB" smtClean="0"/>
-              <a:t>18/10/2021</a:t>
+              <a:t>19/10/2021</a:t>
             </a:fld>
             <a:endParaRPr lang="en-GB"/>
           </a:p>
@@ -2102,7 +2102,7 @@
           <a:p>
             <a:fld id="{1C3789C9-914D-4922-9317-B202C6AB7D8A}" type="datetimeFigureOut">
               <a:rPr lang="en-GB" smtClean="0"/>
-              <a:t>18/10/2021</a:t>
+              <a:t>19/10/2021</a:t>
             </a:fld>
             <a:endParaRPr lang="en-GB"/>
           </a:p>
@@ -2273,7 +2273,7 @@
           <a:p>
             <a:fld id="{1C3789C9-914D-4922-9317-B202C6AB7D8A}" type="datetimeFigureOut">
               <a:rPr lang="en-GB" smtClean="0"/>
-              <a:t>18/10/2021</a:t>
+              <a:t>19/10/2021</a:t>
             </a:fld>
             <a:endParaRPr lang="en-GB"/>
           </a:p>
@@ -2627,7 +2627,7 @@
           <a:p>
             <a:fld id="{1C3789C9-914D-4922-9317-B202C6AB7D8A}" type="datetimeFigureOut">
               <a:rPr lang="en-GB" smtClean="0"/>
-              <a:t>18/10/2021</a:t>
+              <a:t>19/10/2021</a:t>
             </a:fld>
             <a:endParaRPr lang="en-GB"/>
           </a:p>
@@ -3009,7 +3009,7 @@
           <a:p>
             <a:fld id="{1C3789C9-914D-4922-9317-B202C6AB7D8A}" type="datetimeFigureOut">
               <a:rPr lang="en-GB" smtClean="0"/>
-              <a:t>18/10/2021</a:t>
+              <a:t>19/10/2021</a:t>
             </a:fld>
             <a:endParaRPr lang="en-GB"/>
           </a:p>
@@ -3296,7 +3296,7 @@
           <a:p>
             <a:fld id="{1C3789C9-914D-4922-9317-B202C6AB7D8A}" type="datetimeFigureOut">
               <a:rPr lang="en-GB" smtClean="0"/>
-              <a:t>18/10/2021</a:t>
+              <a:t>19/10/2021</a:t>
             </a:fld>
             <a:endParaRPr lang="en-GB"/>
           </a:p>
@@ -4219,6 +4219,45 @@
           </a:fontRef>
         </p:style>
       </p:cxnSp>
+      <p:sp>
+        <p:nvSpPr>
+          <p:cNvPr id="6" name="CasellaDiTesto 5">
+            <a:extLst>
+              <a:ext uri="{FF2B5EF4-FFF2-40B4-BE49-F238E27FC236}">
+                <a16:creationId xmlns:a16="http://schemas.microsoft.com/office/drawing/2014/main" id="{312CB01A-E0F3-4744-BF99-E78C4A6E118E}"/>
+              </a:ext>
+            </a:extLst>
+          </p:cNvPr>
+          <p:cNvSpPr txBox="1"/>
+          <p:nvPr/>
+        </p:nvSpPr>
+        <p:spPr>
+          <a:xfrm>
+            <a:off x="8708994" y="4616389"/>
+            <a:ext cx="896644" cy="307777"/>
+          </a:xfrm>
+          <a:prstGeom prst="rect">
+            <a:avLst/>
+          </a:prstGeom>
+          <a:solidFill>
+            <a:schemeClr val="bg1"/>
+          </a:solidFill>
+        </p:spPr>
+        <p:txBody>
+          <a:bodyPr wrap="square" rtlCol="0">
+            <a:spAutoFit/>
+          </a:bodyPr>
+          <a:lstStyle/>
+          <a:p>
+            <a:r>
+              <a:rPr lang="it-IT" sz="1400" b="1" dirty="0">
+                <a:latin typeface="Inter"/>
+              </a:rPr>
+              <a:t>Counter:</a:t>
+            </a:r>
+          </a:p>
+        </p:txBody>
+      </p:sp>
     </p:spTree>
     <p:extLst>
       <p:ext uri="{BB962C8B-B14F-4D97-AF65-F5344CB8AC3E}">
@@ -4572,8 +4611,8 @@
         </p:nvSpPr>
         <p:spPr>
           <a:xfrm>
-            <a:off x="958789" y="1573865"/>
-            <a:ext cx="10315852" cy="2216899"/>
+            <a:off x="958789" y="1323975"/>
+            <a:ext cx="10315852" cy="3609975"/>
           </a:xfrm>
         </p:spPr>
         <p:style>
@@ -4591,7 +4630,7 @@
           </a:fontRef>
         </p:style>
         <p:txBody>
-          <a:bodyPr>
+          <a:bodyPr anchor="ctr">
             <a:noAutofit/>
           </a:bodyPr>
           <a:lstStyle/>
@@ -5559,6 +5598,36 @@
           </a:xfrm>
         </p:spPr>
       </p:pic>
+      <p:pic>
+        <p:nvPicPr>
+          <p:cNvPr id="5" name="Immagine 4">
+            <a:extLst>
+              <a:ext uri="{FF2B5EF4-FFF2-40B4-BE49-F238E27FC236}">
+                <a16:creationId xmlns:a16="http://schemas.microsoft.com/office/drawing/2014/main" id="{964C3139-A762-42E4-8DA1-A1B2C30BCC0B}"/>
+              </a:ext>
+            </a:extLst>
+          </p:cNvPr>
+          <p:cNvPicPr>
+            <a:picLocks noChangeAspect="1"/>
+          </p:cNvPicPr>
+          <p:nvPr/>
+        </p:nvPicPr>
+        <p:blipFill>
+          <a:blip r:embed="rId3"/>
+          <a:stretch>
+            <a:fillRect/>
+          </a:stretch>
+        </p:blipFill>
+        <p:spPr>
+          <a:xfrm>
+            <a:off x="989859" y="1846263"/>
+            <a:ext cx="9858653" cy="4199186"/>
+          </a:xfrm>
+          <a:prstGeom prst="rect">
+            <a:avLst/>
+          </a:prstGeom>
+        </p:spPr>
+      </p:pic>
       <p:sp>
         <p:nvSpPr>
           <p:cNvPr id="8" name="Rectangle: Rounded Corners 19">
@@ -5637,12 +5706,12 @@
         </p:nvCxnSpPr>
         <p:spPr>
           <a:xfrm rot="16200000" flipV="1">
-            <a:off x="8921564" y="3160946"/>
-            <a:ext cx="1972739" cy="1616641"/>
+            <a:off x="9170594" y="3409977"/>
+            <a:ext cx="2008250" cy="1083068"/>
           </a:xfrm>
           <a:prstGeom prst="bentConnector3">
             <a:avLst>
-              <a:gd name="adj1" fmla="val 100402"/>
+              <a:gd name="adj1" fmla="val 99953"/>
             </a:avLst>
           </a:prstGeom>
           <a:ln>
@@ -5664,6 +5733,60 @@
           </a:fontRef>
         </p:style>
       </p:cxnSp>
+      <p:sp>
+        <p:nvSpPr>
+          <p:cNvPr id="3" name="Rettangolo 2">
+            <a:extLst>
+              <a:ext uri="{FF2B5EF4-FFF2-40B4-BE49-F238E27FC236}">
+                <a16:creationId xmlns:a16="http://schemas.microsoft.com/office/drawing/2014/main" id="{DA998134-5F75-4198-BA06-7CE52827E18B}"/>
+              </a:ext>
+            </a:extLst>
+          </p:cNvPr>
+          <p:cNvSpPr/>
+          <p:nvPr/>
+        </p:nvSpPr>
+        <p:spPr>
+          <a:xfrm>
+            <a:off x="2698812" y="2574524"/>
+            <a:ext cx="1225118" cy="221942"/>
+          </a:xfrm>
+          <a:prstGeom prst="rect">
+            <a:avLst/>
+          </a:prstGeom>
+          <a:solidFill>
+            <a:schemeClr val="bg1"/>
+          </a:solidFill>
+          <a:ln>
+            <a:solidFill>
+              <a:schemeClr val="bg1"/>
+            </a:solidFill>
+          </a:ln>
+        </p:spPr>
+        <p:style>
+          <a:lnRef idx="2">
+            <a:schemeClr val="accent1">
+              <a:shade val="50000"/>
+            </a:schemeClr>
+          </a:lnRef>
+          <a:fillRef idx="1">
+            <a:schemeClr val="accent1"/>
+          </a:fillRef>
+          <a:effectRef idx="0">
+            <a:schemeClr val="accent1"/>
+          </a:effectRef>
+          <a:fontRef idx="minor">
+            <a:schemeClr val="lt1"/>
+          </a:fontRef>
+        </p:style>
+        <p:txBody>
+          <a:bodyPr rtlCol="0" anchor="ctr"/>
+          <a:lstStyle/>
+          <a:p>
+            <a:pPr algn="ctr"/>
+            <a:endParaRPr lang="it-IT"/>
+          </a:p>
+        </p:txBody>
+      </p:sp>
     </p:spTree>
     <p:extLst>
       <p:ext uri="{BB962C8B-B14F-4D97-AF65-F5344CB8AC3E}">
@@ -5710,7 +5833,12 @@
             <p:ph type="title"/>
           </p:nvPr>
         </p:nvSpPr>
-        <p:spPr/>
+        <p:spPr>
+          <a:xfrm>
+            <a:off x="1097280" y="286603"/>
+            <a:ext cx="10058400" cy="1418372"/>
+          </a:xfrm>
+        </p:spPr>
         <p:txBody>
           <a:bodyPr/>
           <a:lstStyle/>
@@ -5729,10 +5857,10 @@
       </p:sp>
       <p:pic>
         <p:nvPicPr>
-          <p:cNvPr id="6" name="Immagine 5">
+          <p:cNvPr id="4" name="Immagine 3">
             <a:extLst>
               <a:ext uri="{FF2B5EF4-FFF2-40B4-BE49-F238E27FC236}">
-                <a16:creationId xmlns:a16="http://schemas.microsoft.com/office/drawing/2014/main" id="{732CAA69-1AE9-41E6-A63C-E13F9D9B960D}"/>
+                <a16:creationId xmlns:a16="http://schemas.microsoft.com/office/drawing/2014/main" id="{0A6E77B3-244C-476B-A88F-0451957FC2FB}"/>
               </a:ext>
             </a:extLst>
           </p:cNvPr>
@@ -5749,8 +5877,8 @@
         </p:blipFill>
         <p:spPr>
           <a:xfrm>
-            <a:off x="1097280" y="1845734"/>
-            <a:ext cx="9687897" cy="3956151"/>
+            <a:off x="2022643" y="1893359"/>
+            <a:ext cx="7837170" cy="4228968"/>
           </a:xfrm>
           <a:prstGeom prst="rect">
             <a:avLst/>
@@ -6024,6 +6152,45 @@
           </a:prstGeom>
         </p:spPr>
       </p:pic>
+      <p:sp>
+        <p:nvSpPr>
+          <p:cNvPr id="3" name="CasellaDiTesto 2">
+            <a:extLst>
+              <a:ext uri="{FF2B5EF4-FFF2-40B4-BE49-F238E27FC236}">
+                <a16:creationId xmlns:a16="http://schemas.microsoft.com/office/drawing/2014/main" id="{082B075C-D0F0-47E9-B30E-4BC18471C22F}"/>
+              </a:ext>
+            </a:extLst>
+          </p:cNvPr>
+          <p:cNvSpPr txBox="1"/>
+          <p:nvPr/>
+        </p:nvSpPr>
+        <p:spPr>
+          <a:xfrm>
+            <a:off x="9614518" y="3180275"/>
+            <a:ext cx="1162974" cy="400110"/>
+          </a:xfrm>
+          <a:prstGeom prst="rect">
+            <a:avLst/>
+          </a:prstGeom>
+          <a:solidFill>
+            <a:schemeClr val="bg1"/>
+          </a:solidFill>
+        </p:spPr>
+        <p:txBody>
+          <a:bodyPr wrap="square" rtlCol="0">
+            <a:spAutoFit/>
+          </a:bodyPr>
+          <a:lstStyle/>
+          <a:p>
+            <a:r>
+              <a:rPr lang="it-IT" sz="2000" b="1" dirty="0">
+                <a:latin typeface="Inter"/>
+              </a:rPr>
+              <a:t>Counter:</a:t>
+            </a:r>
+          </a:p>
+        </p:txBody>
+      </p:sp>
     </p:spTree>
     <p:extLst>
       <p:ext uri="{BB962C8B-B14F-4D97-AF65-F5344CB8AC3E}">

--- a/PresentationW1.pptx
+++ b/PresentationW1.pptx
@@ -4,6 +4,9 @@
   <p:sldMasterIdLst>
     <p:sldMasterId id="2147483660" r:id="rId1"/>
   </p:sldMasterIdLst>
+  <p:notesMasterIdLst>
+    <p:notesMasterId r:id="rId14"/>
+  </p:notesMasterIdLst>
   <p:sldIdLst>
     <p:sldId id="256" r:id="rId2"/>
     <p:sldId id="264" r:id="rId3"/>
@@ -12,9 +15,9 @@
     <p:sldId id="266" r:id="rId6"/>
     <p:sldId id="267" r:id="rId7"/>
     <p:sldId id="258" r:id="rId8"/>
-    <p:sldId id="259" r:id="rId9"/>
-    <p:sldId id="268" r:id="rId10"/>
-    <p:sldId id="263" r:id="rId11"/>
+    <p:sldId id="263" r:id="rId9"/>
+    <p:sldId id="259" r:id="rId10"/>
+    <p:sldId id="268" r:id="rId11"/>
     <p:sldId id="261" r:id="rId12"/>
     <p:sldId id="269" r:id="rId13"/>
   </p:sldIdLst>
@@ -123,6 +126,463 @@
 </p:presentation>
 </file>
 
+<file path=ppt/notesMasters/notesMaster1.xml><?xml version="1.0" encoding="utf-8"?>
+<p:notesMaster xmlns:a="http://schemas.openxmlformats.org/drawingml/2006/main" xmlns:r="http://schemas.openxmlformats.org/officeDocument/2006/relationships" xmlns:p="http://schemas.openxmlformats.org/presentationml/2006/main">
+  <p:cSld>
+    <p:bg>
+      <p:bgRef idx="1001">
+        <a:schemeClr val="bg1"/>
+      </p:bgRef>
+    </p:bg>
+    <p:spTree>
+      <p:nvGrpSpPr>
+        <p:cNvPr id="1" name=""/>
+        <p:cNvGrpSpPr/>
+        <p:nvPr/>
+      </p:nvGrpSpPr>
+      <p:grpSpPr>
+        <a:xfrm>
+          <a:off x="0" y="0"/>
+          <a:ext cx="0" cy="0"/>
+          <a:chOff x="0" y="0"/>
+          <a:chExt cx="0" cy="0"/>
+        </a:xfrm>
+      </p:grpSpPr>
+      <p:sp>
+        <p:nvSpPr>
+          <p:cNvPr id="2" name="Header Placeholder 1"/>
+          <p:cNvSpPr>
+            <a:spLocks noGrp="1"/>
+          </p:cNvSpPr>
+          <p:nvPr>
+            <p:ph type="hdr" sz="quarter"/>
+          </p:nvPr>
+        </p:nvSpPr>
+        <p:spPr>
+          <a:xfrm>
+            <a:off x="0" y="0"/>
+            <a:ext cx="2971800" cy="458788"/>
+          </a:xfrm>
+          <a:prstGeom prst="rect">
+            <a:avLst/>
+          </a:prstGeom>
+        </p:spPr>
+        <p:txBody>
+          <a:bodyPr vert="horz" lIns="91440" tIns="45720" rIns="91440" bIns="45720" rtlCol="0"/>
+          <a:lstStyle>
+            <a:lvl1pPr algn="l">
+              <a:defRPr sz="1200"/>
+            </a:lvl1pPr>
+          </a:lstStyle>
+          <a:p>
+            <a:endParaRPr lang="en-GB"/>
+          </a:p>
+        </p:txBody>
+      </p:sp>
+      <p:sp>
+        <p:nvSpPr>
+          <p:cNvPr id="3" name="Date Placeholder 2"/>
+          <p:cNvSpPr>
+            <a:spLocks noGrp="1"/>
+          </p:cNvSpPr>
+          <p:nvPr>
+            <p:ph type="dt" idx="1"/>
+          </p:nvPr>
+        </p:nvSpPr>
+        <p:spPr>
+          <a:xfrm>
+            <a:off x="3884613" y="0"/>
+            <a:ext cx="2971800" cy="458788"/>
+          </a:xfrm>
+          <a:prstGeom prst="rect">
+            <a:avLst/>
+          </a:prstGeom>
+        </p:spPr>
+        <p:txBody>
+          <a:bodyPr vert="horz" lIns="91440" tIns="45720" rIns="91440" bIns="45720" rtlCol="0"/>
+          <a:lstStyle>
+            <a:lvl1pPr algn="r">
+              <a:defRPr sz="1200"/>
+            </a:lvl1pPr>
+          </a:lstStyle>
+          <a:p>
+            <a:fld id="{314F6EEB-D563-49C4-B49C-62F84641FA35}" type="datetimeFigureOut">
+              <a:rPr lang="en-GB" smtClean="0"/>
+              <a:t>19/10/2021</a:t>
+            </a:fld>
+            <a:endParaRPr lang="en-GB"/>
+          </a:p>
+        </p:txBody>
+      </p:sp>
+      <p:sp>
+        <p:nvSpPr>
+          <p:cNvPr id="4" name="Slide Image Placeholder 3"/>
+          <p:cNvSpPr>
+            <a:spLocks noGrp="1" noRot="1" noChangeAspect="1"/>
+          </p:cNvSpPr>
+          <p:nvPr>
+            <p:ph type="sldImg" idx="2"/>
+          </p:nvPr>
+        </p:nvSpPr>
+        <p:spPr>
+          <a:xfrm>
+            <a:off x="685800" y="1143000"/>
+            <a:ext cx="5486400" cy="3086100"/>
+          </a:xfrm>
+          <a:prstGeom prst="rect">
+            <a:avLst/>
+          </a:prstGeom>
+          <a:noFill/>
+          <a:ln w="12700">
+            <a:solidFill>
+              <a:prstClr val="black"/>
+            </a:solidFill>
+          </a:ln>
+        </p:spPr>
+        <p:txBody>
+          <a:bodyPr vert="horz" lIns="91440" tIns="45720" rIns="91440" bIns="45720" rtlCol="0" anchor="ctr"/>
+          <a:lstStyle/>
+          <a:p>
+            <a:endParaRPr lang="en-GB"/>
+          </a:p>
+        </p:txBody>
+      </p:sp>
+      <p:sp>
+        <p:nvSpPr>
+          <p:cNvPr id="5" name="Notes Placeholder 4"/>
+          <p:cNvSpPr>
+            <a:spLocks noGrp="1"/>
+          </p:cNvSpPr>
+          <p:nvPr>
+            <p:ph type="body" sz="quarter" idx="3"/>
+          </p:nvPr>
+        </p:nvSpPr>
+        <p:spPr>
+          <a:xfrm>
+            <a:off x="685800" y="4400550"/>
+            <a:ext cx="5486400" cy="3600450"/>
+          </a:xfrm>
+          <a:prstGeom prst="rect">
+            <a:avLst/>
+          </a:prstGeom>
+        </p:spPr>
+        <p:txBody>
+          <a:bodyPr vert="horz" lIns="91440" tIns="45720" rIns="91440" bIns="45720" rtlCol="0"/>
+          <a:lstStyle/>
+          <a:p>
+            <a:pPr lvl="0"/>
+            <a:r>
+              <a:rPr lang="en-US"/>
+              <a:t>Click to edit Master text styles</a:t>
+            </a:r>
+          </a:p>
+          <a:p>
+            <a:pPr lvl="1"/>
+            <a:r>
+              <a:rPr lang="en-US"/>
+              <a:t>Second level</a:t>
+            </a:r>
+          </a:p>
+          <a:p>
+            <a:pPr lvl="2"/>
+            <a:r>
+              <a:rPr lang="en-US"/>
+              <a:t>Third level</a:t>
+            </a:r>
+          </a:p>
+          <a:p>
+            <a:pPr lvl="3"/>
+            <a:r>
+              <a:rPr lang="en-US"/>
+              <a:t>Fourth level</a:t>
+            </a:r>
+          </a:p>
+          <a:p>
+            <a:pPr lvl="4"/>
+            <a:r>
+              <a:rPr lang="en-US"/>
+              <a:t>Fifth level</a:t>
+            </a:r>
+            <a:endParaRPr lang="en-GB"/>
+          </a:p>
+        </p:txBody>
+      </p:sp>
+      <p:sp>
+        <p:nvSpPr>
+          <p:cNvPr id="6" name="Footer Placeholder 5"/>
+          <p:cNvSpPr>
+            <a:spLocks noGrp="1"/>
+          </p:cNvSpPr>
+          <p:nvPr>
+            <p:ph type="ftr" sz="quarter" idx="4"/>
+          </p:nvPr>
+        </p:nvSpPr>
+        <p:spPr>
+          <a:xfrm>
+            <a:off x="0" y="8685213"/>
+            <a:ext cx="2971800" cy="458787"/>
+          </a:xfrm>
+          <a:prstGeom prst="rect">
+            <a:avLst/>
+          </a:prstGeom>
+        </p:spPr>
+        <p:txBody>
+          <a:bodyPr vert="horz" lIns="91440" tIns="45720" rIns="91440" bIns="45720" rtlCol="0" anchor="b"/>
+          <a:lstStyle>
+            <a:lvl1pPr algn="l">
+              <a:defRPr sz="1200"/>
+            </a:lvl1pPr>
+          </a:lstStyle>
+          <a:p>
+            <a:endParaRPr lang="en-GB"/>
+          </a:p>
+        </p:txBody>
+      </p:sp>
+      <p:sp>
+        <p:nvSpPr>
+          <p:cNvPr id="7" name="Slide Number Placeholder 6"/>
+          <p:cNvSpPr>
+            <a:spLocks noGrp="1"/>
+          </p:cNvSpPr>
+          <p:nvPr>
+            <p:ph type="sldNum" sz="quarter" idx="5"/>
+          </p:nvPr>
+        </p:nvSpPr>
+        <p:spPr>
+          <a:xfrm>
+            <a:off x="3884613" y="8685213"/>
+            <a:ext cx="2971800" cy="458787"/>
+          </a:xfrm>
+          <a:prstGeom prst="rect">
+            <a:avLst/>
+          </a:prstGeom>
+        </p:spPr>
+        <p:txBody>
+          <a:bodyPr vert="horz" lIns="91440" tIns="45720" rIns="91440" bIns="45720" rtlCol="0" anchor="b"/>
+          <a:lstStyle>
+            <a:lvl1pPr algn="r">
+              <a:defRPr sz="1200"/>
+            </a:lvl1pPr>
+          </a:lstStyle>
+          <a:p>
+            <a:fld id="{0FACFF8E-9E3A-4CBA-9CCB-6EA21DDFDE6F}" type="slidenum">
+              <a:rPr lang="en-GB" smtClean="0"/>
+              <a:t>‹#›</a:t>
+            </a:fld>
+            <a:endParaRPr lang="en-GB"/>
+          </a:p>
+        </p:txBody>
+      </p:sp>
+    </p:spTree>
+    <p:extLst>
+      <p:ext uri="{BB962C8B-B14F-4D97-AF65-F5344CB8AC3E}">
+        <p14:creationId xmlns:p14="http://schemas.microsoft.com/office/powerpoint/2010/main" val="3836052272"/>
+      </p:ext>
+    </p:extLst>
+  </p:cSld>
+  <p:clrMap bg1="lt1" tx1="dk1" bg2="lt2" tx2="dk2" accent1="accent1" accent2="accent2" accent3="accent3" accent4="accent4" accent5="accent5" accent6="accent6" hlink="hlink" folHlink="folHlink"/>
+  <p:notesStyle>
+    <a:lvl1pPr marL="0" algn="l" defTabSz="914400" rtl="0" eaLnBrk="1" latinLnBrk="0" hangingPunct="1">
+      <a:defRPr sz="1200" kern="1200">
+        <a:solidFill>
+          <a:schemeClr val="tx1"/>
+        </a:solidFill>
+        <a:latin typeface="+mn-lt"/>
+        <a:ea typeface="+mn-ea"/>
+        <a:cs typeface="+mn-cs"/>
+      </a:defRPr>
+    </a:lvl1pPr>
+    <a:lvl2pPr marL="457200" algn="l" defTabSz="914400" rtl="0" eaLnBrk="1" latinLnBrk="0" hangingPunct="1">
+      <a:defRPr sz="1200" kern="1200">
+        <a:solidFill>
+          <a:schemeClr val="tx1"/>
+        </a:solidFill>
+        <a:latin typeface="+mn-lt"/>
+        <a:ea typeface="+mn-ea"/>
+        <a:cs typeface="+mn-cs"/>
+      </a:defRPr>
+    </a:lvl2pPr>
+    <a:lvl3pPr marL="914400" algn="l" defTabSz="914400" rtl="0" eaLnBrk="1" latinLnBrk="0" hangingPunct="1">
+      <a:defRPr sz="1200" kern="1200">
+        <a:solidFill>
+          <a:schemeClr val="tx1"/>
+        </a:solidFill>
+        <a:latin typeface="+mn-lt"/>
+        <a:ea typeface="+mn-ea"/>
+        <a:cs typeface="+mn-cs"/>
+      </a:defRPr>
+    </a:lvl3pPr>
+    <a:lvl4pPr marL="1371600" algn="l" defTabSz="914400" rtl="0" eaLnBrk="1" latinLnBrk="0" hangingPunct="1">
+      <a:defRPr sz="1200" kern="1200">
+        <a:solidFill>
+          <a:schemeClr val="tx1"/>
+        </a:solidFill>
+        <a:latin typeface="+mn-lt"/>
+        <a:ea typeface="+mn-ea"/>
+        <a:cs typeface="+mn-cs"/>
+      </a:defRPr>
+    </a:lvl4pPr>
+    <a:lvl5pPr marL="1828800" algn="l" defTabSz="914400" rtl="0" eaLnBrk="1" latinLnBrk="0" hangingPunct="1">
+      <a:defRPr sz="1200" kern="1200">
+        <a:solidFill>
+          <a:schemeClr val="tx1"/>
+        </a:solidFill>
+        <a:latin typeface="+mn-lt"/>
+        <a:ea typeface="+mn-ea"/>
+        <a:cs typeface="+mn-cs"/>
+      </a:defRPr>
+    </a:lvl5pPr>
+    <a:lvl6pPr marL="2286000" algn="l" defTabSz="914400" rtl="0" eaLnBrk="1" latinLnBrk="0" hangingPunct="1">
+      <a:defRPr sz="1200" kern="1200">
+        <a:solidFill>
+          <a:schemeClr val="tx1"/>
+        </a:solidFill>
+        <a:latin typeface="+mn-lt"/>
+        <a:ea typeface="+mn-ea"/>
+        <a:cs typeface="+mn-cs"/>
+      </a:defRPr>
+    </a:lvl6pPr>
+    <a:lvl7pPr marL="2743200" algn="l" defTabSz="914400" rtl="0" eaLnBrk="1" latinLnBrk="0" hangingPunct="1">
+      <a:defRPr sz="1200" kern="1200">
+        <a:solidFill>
+          <a:schemeClr val="tx1"/>
+        </a:solidFill>
+        <a:latin typeface="+mn-lt"/>
+        <a:ea typeface="+mn-ea"/>
+        <a:cs typeface="+mn-cs"/>
+      </a:defRPr>
+    </a:lvl7pPr>
+    <a:lvl8pPr marL="3200400" algn="l" defTabSz="914400" rtl="0" eaLnBrk="1" latinLnBrk="0" hangingPunct="1">
+      <a:defRPr sz="1200" kern="1200">
+        <a:solidFill>
+          <a:schemeClr val="tx1"/>
+        </a:solidFill>
+        <a:latin typeface="+mn-lt"/>
+        <a:ea typeface="+mn-ea"/>
+        <a:cs typeface="+mn-cs"/>
+      </a:defRPr>
+    </a:lvl8pPr>
+    <a:lvl9pPr marL="3657600" algn="l" defTabSz="914400" rtl="0" eaLnBrk="1" latinLnBrk="0" hangingPunct="1">
+      <a:defRPr sz="1200" kern="1200">
+        <a:solidFill>
+          <a:schemeClr val="tx1"/>
+        </a:solidFill>
+        <a:latin typeface="+mn-lt"/>
+        <a:ea typeface="+mn-ea"/>
+        <a:cs typeface="+mn-cs"/>
+      </a:defRPr>
+    </a:lvl9pPr>
+  </p:notesStyle>
+</p:notesMaster>
+</file>
+
+<file path=ppt/notesSlides/notesSlide1.xml><?xml version="1.0" encoding="utf-8"?>
+<p:notes xmlns:a="http://schemas.openxmlformats.org/drawingml/2006/main" xmlns:r="http://schemas.openxmlformats.org/officeDocument/2006/relationships" xmlns:p="http://schemas.openxmlformats.org/presentationml/2006/main">
+  <p:cSld>
+    <p:spTree>
+      <p:nvGrpSpPr>
+        <p:cNvPr id="1" name=""/>
+        <p:cNvGrpSpPr/>
+        <p:nvPr/>
+      </p:nvGrpSpPr>
+      <p:grpSpPr>
+        <a:xfrm>
+          <a:off x="0" y="0"/>
+          <a:ext cx="0" cy="0"/>
+          <a:chOff x="0" y="0"/>
+          <a:chExt cx="0" cy="0"/>
+        </a:xfrm>
+      </p:grpSpPr>
+      <p:sp>
+        <p:nvSpPr>
+          <p:cNvPr id="2" name="Slide Image Placeholder 1"/>
+          <p:cNvSpPr>
+            <a:spLocks noGrp="1" noRot="1" noChangeAspect="1"/>
+          </p:cNvSpPr>
+          <p:nvPr>
+            <p:ph type="sldImg"/>
+          </p:nvPr>
+        </p:nvSpPr>
+        <p:spPr/>
+      </p:sp>
+      <p:sp>
+        <p:nvSpPr>
+          <p:cNvPr id="3" name="Notes Placeholder 2"/>
+          <p:cNvSpPr>
+            <a:spLocks noGrp="1"/>
+          </p:cNvSpPr>
+          <p:nvPr>
+            <p:ph type="body" idx="1"/>
+          </p:nvPr>
+        </p:nvSpPr>
+        <p:spPr/>
+        <p:txBody>
+          <a:bodyPr/>
+          <a:lstStyle/>
+          <a:p>
+            <a:r>
+              <a:rPr lang="en-GB" dirty="0"/>
+              <a:t>1=&gt; complete</a:t>
+            </a:r>
+          </a:p>
+          <a:p>
+            <a:r>
+              <a:rPr lang="en-GB" dirty="0"/>
+              <a:t>2=&gt; </a:t>
+            </a:r>
+            <a:r>
+              <a:rPr lang="en-GB" dirty="0" err="1"/>
+              <a:t>almoth</a:t>
+            </a:r>
+            <a:r>
+              <a:rPr lang="en-GB" dirty="0"/>
+              <a:t> okay. Only one counter for now</a:t>
+            </a:r>
+          </a:p>
+          <a:p>
+            <a:r>
+              <a:rPr lang="en-GB" dirty="0"/>
+              <a:t>3=&gt; yes but for one counter </a:t>
+            </a:r>
+          </a:p>
+        </p:txBody>
+      </p:sp>
+      <p:sp>
+        <p:nvSpPr>
+          <p:cNvPr id="4" name="Slide Number Placeholder 3"/>
+          <p:cNvSpPr>
+            <a:spLocks noGrp="1"/>
+          </p:cNvSpPr>
+          <p:nvPr>
+            <p:ph type="sldNum" sz="quarter" idx="5"/>
+          </p:nvPr>
+        </p:nvSpPr>
+        <p:spPr/>
+        <p:txBody>
+          <a:bodyPr/>
+          <a:lstStyle/>
+          <a:p>
+            <a:fld id="{0FACFF8E-9E3A-4CBA-9CCB-6EA21DDFDE6F}" type="slidenum">
+              <a:rPr lang="en-GB" smtClean="0"/>
+              <a:t>2</a:t>
+            </a:fld>
+            <a:endParaRPr lang="en-GB"/>
+          </a:p>
+        </p:txBody>
+      </p:sp>
+    </p:spTree>
+    <p:extLst>
+      <p:ext uri="{BB962C8B-B14F-4D97-AF65-F5344CB8AC3E}">
+        <p14:creationId xmlns:p14="http://schemas.microsoft.com/office/powerpoint/2010/main" val="1492682532"/>
+      </p:ext>
+    </p:extLst>
+  </p:cSld>
+  <p:clrMapOvr>
+    <a:masterClrMapping/>
+  </p:clrMapOvr>
+</p:notes>
+</file>
+
 <file path=ppt/slideLayouts/slideLayout1.xml><?xml version="1.0" encoding="utf-8"?>
 <p:sldLayout xmlns:a="http://schemas.openxmlformats.org/drawingml/2006/main" xmlns:r="http://schemas.openxmlformats.org/officeDocument/2006/relationships" xmlns:p="http://schemas.openxmlformats.org/presentationml/2006/main" showMasterSp="0" type="title" preserve="1">
   <p:cSld name="Diapositive de titre">
@@ -391,7 +851,7 @@
           <a:p>
             <a:fld id="{F30FCBFB-118C-4C9F-B250-79DE819C5D00}" type="slidenum">
               <a:rPr lang="en-GB" smtClean="0"/>
-              <a:t>‹N›</a:t>
+              <a:t>‹#›</a:t>
             </a:fld>
             <a:endParaRPr lang="en-GB"/>
           </a:p>
@@ -599,7 +1059,7 @@
           <a:p>
             <a:fld id="{F30FCBFB-118C-4C9F-B250-79DE819C5D00}" type="slidenum">
               <a:rPr lang="en-GB" smtClean="0"/>
-              <a:t>‹N›</a:t>
+              <a:t>‹#›</a:t>
             </a:fld>
             <a:endParaRPr lang="en-GB"/>
           </a:p>
@@ -855,7 +1315,7 @@
           <a:p>
             <a:fld id="{F30FCBFB-118C-4C9F-B250-79DE819C5D00}" type="slidenum">
               <a:rPr lang="en-GB" smtClean="0"/>
-              <a:t>‹N›</a:t>
+              <a:t>‹#›</a:t>
             </a:fld>
             <a:endParaRPr lang="en-GB"/>
           </a:p>
@@ -1029,7 +1489,7 @@
           <a:p>
             <a:fld id="{F30FCBFB-118C-4C9F-B250-79DE819C5D00}" type="slidenum">
               <a:rPr lang="en-GB" smtClean="0"/>
-              <a:t>‹N›</a:t>
+              <a:t>‹#›</a:t>
             </a:fld>
             <a:endParaRPr lang="en-GB"/>
           </a:p>
@@ -1372,7 +1832,7 @@
           <a:p>
             <a:fld id="{F30FCBFB-118C-4C9F-B250-79DE819C5D00}" type="slidenum">
               <a:rPr lang="en-GB" smtClean="0"/>
-              <a:t>‹N›</a:t>
+              <a:t>‹#›</a:t>
             </a:fld>
             <a:endParaRPr lang="en-GB"/>
           </a:p>
@@ -1647,7 +2107,7 @@
           <a:p>
             <a:fld id="{F30FCBFB-118C-4C9F-B250-79DE819C5D00}" type="slidenum">
               <a:rPr lang="en-GB" smtClean="0"/>
-              <a:t>‹N›</a:t>
+              <a:t>‹#›</a:t>
             </a:fld>
             <a:endParaRPr lang="en-GB"/>
           </a:p>
@@ -2026,7 +2486,7 @@
           <a:p>
             <a:fld id="{F30FCBFB-118C-4C9F-B250-79DE819C5D00}" type="slidenum">
               <a:rPr lang="en-GB" smtClean="0"/>
-              <a:t>‹N›</a:t>
+              <a:t>‹#›</a:t>
             </a:fld>
             <a:endParaRPr lang="en-GB"/>
           </a:p>
@@ -2144,7 +2604,7 @@
           <a:p>
             <a:fld id="{F30FCBFB-118C-4C9F-B250-79DE819C5D00}" type="slidenum">
               <a:rPr lang="en-GB" smtClean="0"/>
-              <a:t>‹N›</a:t>
+              <a:t>‹#›</a:t>
             </a:fld>
             <a:endParaRPr lang="en-GB"/>
           </a:p>
@@ -2323,7 +2783,7 @@
           <a:p>
             <a:fld id="{F30FCBFB-118C-4C9F-B250-79DE819C5D00}" type="slidenum">
               <a:rPr lang="en-GB" smtClean="0"/>
-              <a:t>‹N›</a:t>
+              <a:t>‹#›</a:t>
             </a:fld>
             <a:endParaRPr lang="en-GB"/>
           </a:p>
@@ -2690,7 +3150,7 @@
           <a:p>
             <a:fld id="{F30FCBFB-118C-4C9F-B250-79DE819C5D00}" type="slidenum">
               <a:rPr lang="en-GB" smtClean="0"/>
-              <a:t>‹N›</a:t>
+              <a:t>‹#›</a:t>
             </a:fld>
             <a:endParaRPr lang="en-GB"/>
           </a:p>
@@ -3051,7 +3511,7 @@
           <a:p>
             <a:fld id="{F30FCBFB-118C-4C9F-B250-79DE819C5D00}" type="slidenum">
               <a:rPr lang="en-GB" smtClean="0"/>
-              <a:t>‹N›</a:t>
+              <a:t>‹#›</a:t>
             </a:fld>
             <a:endParaRPr lang="en-GB"/>
           </a:p>
@@ -3370,7 +3830,7 @@
           <a:p>
             <a:fld id="{F30FCBFB-118C-4C9F-B250-79DE819C5D00}" type="slidenum">
               <a:rPr lang="en-GB" smtClean="0"/>
-              <a:t>‹N›</a:t>
+              <a:t>‹#›</a:t>
             </a:fld>
             <a:endParaRPr lang="en-GB"/>
           </a:p>
@@ -4082,18 +4542,62 @@
                   <a:srgbClr val="BD582C"/>
                 </a:solidFill>
               </a:rPr>
-              <a:t>Client waiting board</a:t>
+              <a:t>Login validation</a:t>
             </a:r>
             <a:endParaRPr lang="en-GB" dirty="0"/>
           </a:p>
         </p:txBody>
       </p:sp>
-      <p:sp>
-        <p:nvSpPr>
-          <p:cNvPr id="7" name="Rectangle: Rounded Corners 6">
+      <p:cxnSp>
+        <p:nvCxnSpPr>
+          <p:cNvPr id="13" name="Straight Arrow Connector 12">
             <a:extLst>
               <a:ext uri="{FF2B5EF4-FFF2-40B4-BE49-F238E27FC236}">
-                <a16:creationId xmlns:a16="http://schemas.microsoft.com/office/drawing/2014/main" id="{20852C87-A218-4973-BA7B-8CEEE9A7C742}"/>
+                <a16:creationId xmlns:a16="http://schemas.microsoft.com/office/drawing/2014/main" id="{4ACD3E0A-3371-40C9-9204-620568E2B3D7}"/>
+              </a:ext>
+            </a:extLst>
+          </p:cNvPr>
+          <p:cNvCxnSpPr>
+            <a:cxnSpLocks/>
+          </p:cNvCxnSpPr>
+          <p:nvPr/>
+        </p:nvCxnSpPr>
+        <p:spPr>
+          <a:xfrm flipV="1">
+            <a:off x="2533003" y="4834727"/>
+            <a:ext cx="891584" cy="390663"/>
+          </a:xfrm>
+          <a:prstGeom prst="straightConnector1">
+            <a:avLst/>
+          </a:prstGeom>
+          <a:ln>
+            <a:solidFill>
+              <a:srgbClr val="E48312"/>
+            </a:solidFill>
+            <a:tailEnd type="triangle"/>
+          </a:ln>
+        </p:spPr>
+        <p:style>
+          <a:lnRef idx="1">
+            <a:schemeClr val="accent1"/>
+          </a:lnRef>
+          <a:fillRef idx="0">
+            <a:schemeClr val="accent1"/>
+          </a:fillRef>
+          <a:effectRef idx="0">
+            <a:schemeClr val="accent1"/>
+          </a:effectRef>
+          <a:fontRef idx="minor">
+            <a:schemeClr val="tx1"/>
+          </a:fontRef>
+        </p:style>
+      </p:cxnSp>
+      <p:sp>
+        <p:nvSpPr>
+          <p:cNvPr id="20" name="Rectangle: Rounded Corners 19">
+            <a:extLst>
+              <a:ext uri="{FF2B5EF4-FFF2-40B4-BE49-F238E27FC236}">
+                <a16:creationId xmlns:a16="http://schemas.microsoft.com/office/drawing/2014/main" id="{BF64BEF2-217F-4E38-90FD-5FDC86A30826}"/>
               </a:ext>
             </a:extLst>
           </p:cNvPr>
@@ -4102,8 +4606,8 @@
         </p:nvSpPr>
         <p:spPr>
           <a:xfrm>
-            <a:off x="5111804" y="1923926"/>
-            <a:ext cx="1741757" cy="801384"/>
+            <a:off x="811658" y="4834727"/>
+            <a:ext cx="2167137" cy="970172"/>
           </a:xfrm>
           <a:prstGeom prst="roundRect">
             <a:avLst/>
@@ -4139,31 +4643,40 @@
           <a:p>
             <a:pPr algn="ctr"/>
             <a:r>
-              <a:rPr lang="en-GB" dirty="0">
+              <a:rPr lang="en-GB" sz="2000" dirty="0">
                 <a:solidFill>
                   <a:sysClr val="windowText" lastClr="000000"/>
                 </a:solidFill>
               </a:rPr>
-              <a:t>The service he is waiting for</a:t>
+              <a:t>Password</a:t>
+            </a:r>
+          </a:p>
+          <a:p>
+            <a:pPr algn="ctr"/>
+            <a:r>
+              <a:rPr lang="en-GB" sz="2000" dirty="0">
+                <a:solidFill>
+                  <a:sysClr val="windowText" lastClr="000000"/>
+                </a:solidFill>
+              </a:rPr>
+              <a:t>and email validation </a:t>
             </a:r>
           </a:p>
         </p:txBody>
       </p:sp>
       <p:pic>
         <p:nvPicPr>
-          <p:cNvPr id="8" name="Segnaposto contenuto 4">
+          <p:cNvPr id="5" name="Immagine 4">
             <a:extLst>
               <a:ext uri="{FF2B5EF4-FFF2-40B4-BE49-F238E27FC236}">
-                <a16:creationId xmlns:a16="http://schemas.microsoft.com/office/drawing/2014/main" id="{282A6990-B902-4B2F-8A17-3FEFBA769457}"/>
+                <a16:creationId xmlns:a16="http://schemas.microsoft.com/office/drawing/2014/main" id="{B4B21D80-D9E0-42BC-87FB-4FBAE723C9B7}"/>
               </a:ext>
             </a:extLst>
           </p:cNvPr>
           <p:cNvPicPr>
-            <a:picLocks noGrp="1" noChangeAspect="1"/>
+            <a:picLocks noChangeAspect="1"/>
           </p:cNvPicPr>
-          <p:nvPr>
-            <p:ph idx="1"/>
-          </p:nvPr>
+          <p:nvPr/>
         </p:nvPicPr>
         <p:blipFill>
           <a:blip r:embed="rId2"/>
@@ -4173,95 +4686,18 @@
         </p:blipFill>
         <p:spPr>
           <a:xfrm>
-            <a:off x="2964999" y="3045041"/>
-            <a:ext cx="7500225" cy="2280270"/>
-          </a:xfrm>
-        </p:spPr>
-      </p:pic>
-      <p:cxnSp>
-        <p:nvCxnSpPr>
-          <p:cNvPr id="10" name="Connettore 2 9">
-            <a:extLst>
-              <a:ext uri="{FF2B5EF4-FFF2-40B4-BE49-F238E27FC236}">
-                <a16:creationId xmlns:a16="http://schemas.microsoft.com/office/drawing/2014/main" id="{62AB498A-4E90-4C88-9571-8C938A63D5E1}"/>
-              </a:ext>
-            </a:extLst>
-          </p:cNvPr>
-          <p:cNvCxnSpPr>
-            <a:cxnSpLocks/>
-          </p:cNvCxnSpPr>
-          <p:nvPr/>
-        </p:nvCxnSpPr>
-        <p:spPr>
-          <a:xfrm>
-            <a:off x="6853561" y="2376822"/>
-            <a:ext cx="0" cy="801384"/>
-          </a:xfrm>
-          <a:prstGeom prst="straightConnector1">
-            <a:avLst/>
-          </a:prstGeom>
-          <a:ln>
-            <a:tailEnd type="triangle"/>
-          </a:ln>
-        </p:spPr>
-        <p:style>
-          <a:lnRef idx="1">
-            <a:schemeClr val="accent1"/>
-          </a:lnRef>
-          <a:fillRef idx="0">
-            <a:schemeClr val="accent1"/>
-          </a:fillRef>
-          <a:effectRef idx="0">
-            <a:schemeClr val="accent1"/>
-          </a:effectRef>
-          <a:fontRef idx="minor">
-            <a:schemeClr val="tx1"/>
-          </a:fontRef>
-        </p:style>
-      </p:cxnSp>
-      <p:sp>
-        <p:nvSpPr>
-          <p:cNvPr id="6" name="CasellaDiTesto 5">
-            <a:extLst>
-              <a:ext uri="{FF2B5EF4-FFF2-40B4-BE49-F238E27FC236}">
-                <a16:creationId xmlns:a16="http://schemas.microsoft.com/office/drawing/2014/main" id="{312CB01A-E0F3-4744-BF99-E78C4A6E118E}"/>
-              </a:ext>
-            </a:extLst>
-          </p:cNvPr>
-          <p:cNvSpPr txBox="1"/>
-          <p:nvPr/>
-        </p:nvSpPr>
-        <p:spPr>
-          <a:xfrm>
-            <a:off x="8708994" y="4616389"/>
-            <a:ext cx="896644" cy="307777"/>
+            <a:off x="3446160" y="1884339"/>
+            <a:ext cx="6753225" cy="3667125"/>
           </a:xfrm>
           <a:prstGeom prst="rect">
             <a:avLst/>
           </a:prstGeom>
-          <a:solidFill>
-            <a:schemeClr val="bg1"/>
-          </a:solidFill>
-        </p:spPr>
-        <p:txBody>
-          <a:bodyPr wrap="square" rtlCol="0">
-            <a:spAutoFit/>
-          </a:bodyPr>
-          <a:lstStyle/>
-          <a:p>
-            <a:r>
-              <a:rPr lang="it-IT" sz="1400" b="1" dirty="0">
-                <a:latin typeface="Inter"/>
-              </a:rPr>
-              <a:t>Counter:</a:t>
-            </a:r>
-          </a:p>
-        </p:txBody>
-      </p:sp>
+        </p:spPr>
+      </p:pic>
     </p:spTree>
     <p:extLst>
       <p:ext uri="{BB962C8B-B14F-4D97-AF65-F5344CB8AC3E}">
-        <p14:creationId xmlns:p14="http://schemas.microsoft.com/office/powerpoint/2010/main" val="507141132"/>
+        <p14:creationId xmlns:p14="http://schemas.microsoft.com/office/powerpoint/2010/main" val="3217101325"/>
       </p:ext>
     </p:extLst>
   </p:cSld>
@@ -4321,6 +4757,307 @@
           </a:p>
         </p:txBody>
       </p:sp>
+      <p:sp>
+        <p:nvSpPr>
+          <p:cNvPr id="7" name="Rectangle: Rounded Corners 6">
+            <a:extLst>
+              <a:ext uri="{FF2B5EF4-FFF2-40B4-BE49-F238E27FC236}">
+                <a16:creationId xmlns:a16="http://schemas.microsoft.com/office/drawing/2014/main" id="{20852C87-A218-4973-BA7B-8CEEE9A7C742}"/>
+              </a:ext>
+            </a:extLst>
+          </p:cNvPr>
+          <p:cNvSpPr/>
+          <p:nvPr/>
+        </p:nvSpPr>
+        <p:spPr>
+          <a:xfrm>
+            <a:off x="1330097" y="1899758"/>
+            <a:ext cx="2276132" cy="801384"/>
+          </a:xfrm>
+          <a:prstGeom prst="roundRect">
+            <a:avLst/>
+          </a:prstGeom>
+          <a:solidFill>
+            <a:srgbClr val="FFFFFF"/>
+          </a:solidFill>
+          <a:ln>
+            <a:solidFill>
+              <a:schemeClr val="accent1"/>
+            </a:solidFill>
+          </a:ln>
+        </p:spPr>
+        <p:style>
+          <a:lnRef idx="2">
+            <a:schemeClr val="accent1">
+              <a:shade val="50000"/>
+            </a:schemeClr>
+          </a:lnRef>
+          <a:fillRef idx="1">
+            <a:schemeClr val="accent1"/>
+          </a:fillRef>
+          <a:effectRef idx="0">
+            <a:schemeClr val="accent1"/>
+          </a:effectRef>
+          <a:fontRef idx="minor">
+            <a:schemeClr val="lt1"/>
+          </a:fontRef>
+        </p:style>
+        <p:txBody>
+          <a:bodyPr rtlCol="0" anchor="ctr"/>
+          <a:lstStyle/>
+          <a:p>
+            <a:pPr algn="ctr"/>
+            <a:r>
+              <a:rPr lang="en-GB" sz="2000" dirty="0">
+                <a:solidFill>
+                  <a:sysClr val="windowText" lastClr="000000"/>
+                </a:solidFill>
+              </a:rPr>
+              <a:t>Current officer signed in</a:t>
+            </a:r>
+          </a:p>
+        </p:txBody>
+      </p:sp>
+      <p:sp>
+        <p:nvSpPr>
+          <p:cNvPr id="20" name="Rectangle: Rounded Corners 19">
+            <a:extLst>
+              <a:ext uri="{FF2B5EF4-FFF2-40B4-BE49-F238E27FC236}">
+                <a16:creationId xmlns:a16="http://schemas.microsoft.com/office/drawing/2014/main" id="{BF64BEF2-217F-4E38-90FD-5FDC86A30826}"/>
+              </a:ext>
+            </a:extLst>
+          </p:cNvPr>
+          <p:cNvSpPr/>
+          <p:nvPr/>
+        </p:nvSpPr>
+        <p:spPr>
+          <a:xfrm>
+            <a:off x="8167956" y="5201488"/>
+            <a:ext cx="2031166" cy="1037327"/>
+          </a:xfrm>
+          <a:prstGeom prst="roundRect">
+            <a:avLst/>
+          </a:prstGeom>
+          <a:solidFill>
+            <a:srgbClr val="FFFFFF"/>
+          </a:solidFill>
+          <a:ln>
+            <a:solidFill>
+              <a:schemeClr val="accent1"/>
+            </a:solidFill>
+          </a:ln>
+        </p:spPr>
+        <p:style>
+          <a:lnRef idx="2">
+            <a:schemeClr val="accent1">
+              <a:shade val="50000"/>
+            </a:schemeClr>
+          </a:lnRef>
+          <a:fillRef idx="1">
+            <a:schemeClr val="accent1"/>
+          </a:fillRef>
+          <a:effectRef idx="0">
+            <a:schemeClr val="accent1"/>
+          </a:effectRef>
+          <a:fontRef idx="minor">
+            <a:schemeClr val="lt1"/>
+          </a:fontRef>
+        </p:style>
+        <p:txBody>
+          <a:bodyPr rtlCol="0" anchor="ctr"/>
+          <a:lstStyle/>
+          <a:p>
+            <a:pPr algn="ctr"/>
+            <a:r>
+              <a:rPr lang="en-GB" sz="2000" dirty="0">
+                <a:solidFill>
+                  <a:sysClr val="windowText" lastClr="000000"/>
+                </a:solidFill>
+              </a:rPr>
+              <a:t>To use when he finished serving a client</a:t>
+            </a:r>
+          </a:p>
+        </p:txBody>
+      </p:sp>
+      <p:pic>
+        <p:nvPicPr>
+          <p:cNvPr id="4" name="Picture 3">
+            <a:extLst>
+              <a:ext uri="{FF2B5EF4-FFF2-40B4-BE49-F238E27FC236}">
+                <a16:creationId xmlns:a16="http://schemas.microsoft.com/office/drawing/2014/main" id="{3F81CBB0-F5C1-4F96-9749-03FF2A234175}"/>
+              </a:ext>
+            </a:extLst>
+          </p:cNvPr>
+          <p:cNvPicPr>
+            <a:picLocks noChangeAspect="1"/>
+          </p:cNvPicPr>
+          <p:nvPr/>
+        </p:nvPicPr>
+        <p:blipFill>
+          <a:blip r:embed="rId2"/>
+          <a:stretch>
+            <a:fillRect/>
+          </a:stretch>
+        </p:blipFill>
+        <p:spPr>
+          <a:xfrm>
+            <a:off x="1736641" y="2863540"/>
+            <a:ext cx="8462481" cy="2175550"/>
+          </a:xfrm>
+          <a:prstGeom prst="rect">
+            <a:avLst/>
+          </a:prstGeom>
+        </p:spPr>
+      </p:pic>
+      <p:sp>
+        <p:nvSpPr>
+          <p:cNvPr id="10" name="Rectangle: Rounded Corners 9">
+            <a:extLst>
+              <a:ext uri="{FF2B5EF4-FFF2-40B4-BE49-F238E27FC236}">
+                <a16:creationId xmlns:a16="http://schemas.microsoft.com/office/drawing/2014/main" id="{AA0340F5-6950-4540-89B4-A7D927DFA65F}"/>
+              </a:ext>
+            </a:extLst>
+          </p:cNvPr>
+          <p:cNvSpPr/>
+          <p:nvPr/>
+        </p:nvSpPr>
+        <p:spPr>
+          <a:xfrm>
+            <a:off x="10767317" y="2063117"/>
+            <a:ext cx="1301393" cy="1008855"/>
+          </a:xfrm>
+          <a:prstGeom prst="roundRect">
+            <a:avLst/>
+          </a:prstGeom>
+          <a:solidFill>
+            <a:srgbClr val="FFFFFF"/>
+          </a:solidFill>
+          <a:ln>
+            <a:solidFill>
+              <a:schemeClr val="accent1"/>
+            </a:solidFill>
+          </a:ln>
+        </p:spPr>
+        <p:style>
+          <a:lnRef idx="2">
+            <a:schemeClr val="accent1">
+              <a:shade val="50000"/>
+            </a:schemeClr>
+          </a:lnRef>
+          <a:fillRef idx="1">
+            <a:schemeClr val="accent1"/>
+          </a:fillRef>
+          <a:effectRef idx="0">
+            <a:schemeClr val="accent1"/>
+          </a:effectRef>
+          <a:fontRef idx="minor">
+            <a:schemeClr val="lt1"/>
+          </a:fontRef>
+        </p:style>
+        <p:txBody>
+          <a:bodyPr rtlCol="0" anchor="ctr"/>
+          <a:lstStyle/>
+          <a:p>
+            <a:pPr algn="ctr"/>
+            <a:r>
+              <a:rPr lang="en-GB" sz="2000" dirty="0">
+                <a:solidFill>
+                  <a:sysClr val="windowText" lastClr="000000"/>
+                </a:solidFill>
+              </a:rPr>
+              <a:t>Button to log out</a:t>
+            </a:r>
+          </a:p>
+        </p:txBody>
+      </p:sp>
+      <p:cxnSp>
+        <p:nvCxnSpPr>
+          <p:cNvPr id="13" name="Straight Arrow Connector 12">
+            <a:extLst>
+              <a:ext uri="{FF2B5EF4-FFF2-40B4-BE49-F238E27FC236}">
+                <a16:creationId xmlns:a16="http://schemas.microsoft.com/office/drawing/2014/main" id="{4ACD3E0A-3371-40C9-9204-620568E2B3D7}"/>
+              </a:ext>
+            </a:extLst>
+          </p:cNvPr>
+          <p:cNvCxnSpPr>
+            <a:cxnSpLocks/>
+          </p:cNvCxnSpPr>
+          <p:nvPr/>
+        </p:nvCxnSpPr>
+        <p:spPr>
+          <a:xfrm flipH="1" flipV="1">
+            <a:off x="9054269" y="4522851"/>
+            <a:ext cx="48416" cy="707682"/>
+          </a:xfrm>
+          <a:prstGeom prst="straightConnector1">
+            <a:avLst/>
+          </a:prstGeom>
+          <a:ln>
+            <a:solidFill>
+              <a:srgbClr val="E48312"/>
+            </a:solidFill>
+            <a:tailEnd type="triangle"/>
+          </a:ln>
+        </p:spPr>
+        <p:style>
+          <a:lnRef idx="1">
+            <a:schemeClr val="accent1"/>
+          </a:lnRef>
+          <a:fillRef idx="0">
+            <a:schemeClr val="accent1"/>
+          </a:fillRef>
+          <a:effectRef idx="0">
+            <a:schemeClr val="accent1"/>
+          </a:effectRef>
+          <a:fontRef idx="minor">
+            <a:schemeClr val="tx1"/>
+          </a:fontRef>
+        </p:style>
+      </p:cxnSp>
+      <p:cxnSp>
+        <p:nvCxnSpPr>
+          <p:cNvPr id="11" name="Straight Arrow Connector 10">
+            <a:extLst>
+              <a:ext uri="{FF2B5EF4-FFF2-40B4-BE49-F238E27FC236}">
+                <a16:creationId xmlns:a16="http://schemas.microsoft.com/office/drawing/2014/main" id="{245BB93F-B034-4367-92D0-F3B3EA74A2C3}"/>
+              </a:ext>
+            </a:extLst>
+          </p:cNvPr>
+          <p:cNvCxnSpPr>
+            <a:cxnSpLocks/>
+          </p:cNvCxnSpPr>
+          <p:nvPr/>
+        </p:nvCxnSpPr>
+        <p:spPr>
+          <a:xfrm flipH="1">
+            <a:off x="10241445" y="2511095"/>
+            <a:ext cx="728441" cy="380093"/>
+          </a:xfrm>
+          <a:prstGeom prst="straightConnector1">
+            <a:avLst/>
+          </a:prstGeom>
+          <a:ln>
+            <a:solidFill>
+              <a:srgbClr val="E48312"/>
+            </a:solidFill>
+            <a:tailEnd type="triangle"/>
+          </a:ln>
+        </p:spPr>
+        <p:style>
+          <a:lnRef idx="1">
+            <a:schemeClr val="accent1"/>
+          </a:lnRef>
+          <a:fillRef idx="0">
+            <a:schemeClr val="accent1"/>
+          </a:fillRef>
+          <a:effectRef idx="0">
+            <a:schemeClr val="accent1"/>
+          </a:effectRef>
+          <a:fontRef idx="minor">
+            <a:schemeClr val="tx1"/>
+          </a:fontRef>
+        </p:style>
+      </p:cxnSp>
       <p:cxnSp>
         <p:nvCxnSpPr>
           <p:cNvPr id="6" name="Straight Arrow Connector 5">
@@ -4338,205 +5075,8 @@
         </p:nvCxnSpPr>
         <p:spPr>
           <a:xfrm>
-            <a:off x="2533003" y="2300450"/>
-            <a:ext cx="3086562" cy="400692"/>
-          </a:xfrm>
-          <a:prstGeom prst="straightConnector1">
-            <a:avLst/>
-          </a:prstGeom>
-          <a:ln>
-            <a:solidFill>
-              <a:srgbClr val="E48312"/>
-            </a:solidFill>
-            <a:tailEnd type="triangle"/>
-          </a:ln>
-        </p:spPr>
-        <p:style>
-          <a:lnRef idx="1">
-            <a:schemeClr val="accent1"/>
-          </a:lnRef>
-          <a:fillRef idx="0">
-            <a:schemeClr val="accent1"/>
-          </a:fillRef>
-          <a:effectRef idx="0">
-            <a:schemeClr val="accent1"/>
-          </a:effectRef>
-          <a:fontRef idx="minor">
-            <a:schemeClr val="tx1"/>
-          </a:fontRef>
-        </p:style>
-      </p:cxnSp>
-      <p:sp>
-        <p:nvSpPr>
-          <p:cNvPr id="7" name="Rectangle: Rounded Corners 6">
-            <a:extLst>
-              <a:ext uri="{FF2B5EF4-FFF2-40B4-BE49-F238E27FC236}">
-                <a16:creationId xmlns:a16="http://schemas.microsoft.com/office/drawing/2014/main" id="{20852C87-A218-4973-BA7B-8CEEE9A7C742}"/>
-              </a:ext>
-            </a:extLst>
-          </p:cNvPr>
-          <p:cNvSpPr/>
-          <p:nvPr/>
-        </p:nvSpPr>
-        <p:spPr>
-          <a:xfrm>
-            <a:off x="1330097" y="1899758"/>
-            <a:ext cx="1202906" cy="801384"/>
-          </a:xfrm>
-          <a:prstGeom prst="roundRect">
-            <a:avLst/>
-          </a:prstGeom>
-          <a:solidFill>
-            <a:srgbClr val="FFFFFF"/>
-          </a:solidFill>
-          <a:ln>
-            <a:solidFill>
-              <a:schemeClr val="accent1"/>
-            </a:solidFill>
-          </a:ln>
-        </p:spPr>
-        <p:style>
-          <a:lnRef idx="2">
-            <a:schemeClr val="accent1">
-              <a:shade val="50000"/>
-            </a:schemeClr>
-          </a:lnRef>
-          <a:fillRef idx="1">
-            <a:schemeClr val="accent1"/>
-          </a:fillRef>
-          <a:effectRef idx="0">
-            <a:schemeClr val="accent1"/>
-          </a:effectRef>
-          <a:fontRef idx="minor">
-            <a:schemeClr val="lt1"/>
-          </a:fontRef>
-        </p:style>
-        <p:txBody>
-          <a:bodyPr rtlCol="0" anchor="ctr"/>
-          <a:lstStyle/>
-          <a:p>
-            <a:pPr algn="ctr"/>
-            <a:r>
-              <a:rPr lang="en-GB" dirty="0">
-                <a:solidFill>
-                  <a:sysClr val="windowText" lastClr="000000"/>
-                </a:solidFill>
-              </a:rPr>
-              <a:t>Current officer signed in</a:t>
-            </a:r>
-          </a:p>
-        </p:txBody>
-      </p:sp>
-      <p:sp>
-        <p:nvSpPr>
-          <p:cNvPr id="20" name="Rectangle: Rounded Corners 19">
-            <a:extLst>
-              <a:ext uri="{FF2B5EF4-FFF2-40B4-BE49-F238E27FC236}">
-                <a16:creationId xmlns:a16="http://schemas.microsoft.com/office/drawing/2014/main" id="{BF64BEF2-217F-4E38-90FD-5FDC86A30826}"/>
-              </a:ext>
-            </a:extLst>
-          </p:cNvPr>
-          <p:cNvSpPr/>
-          <p:nvPr/>
-        </p:nvSpPr>
-        <p:spPr>
-          <a:xfrm>
-            <a:off x="8349772" y="4747024"/>
-            <a:ext cx="1849349" cy="961302"/>
-          </a:xfrm>
-          <a:prstGeom prst="roundRect">
-            <a:avLst/>
-          </a:prstGeom>
-          <a:solidFill>
-            <a:srgbClr val="FFFFFF"/>
-          </a:solidFill>
-          <a:ln>
-            <a:solidFill>
-              <a:schemeClr val="accent1"/>
-            </a:solidFill>
-          </a:ln>
-        </p:spPr>
-        <p:style>
-          <a:lnRef idx="2">
-            <a:schemeClr val="accent1">
-              <a:shade val="50000"/>
-            </a:schemeClr>
-          </a:lnRef>
-          <a:fillRef idx="1">
-            <a:schemeClr val="accent1"/>
-          </a:fillRef>
-          <a:effectRef idx="0">
-            <a:schemeClr val="accent1"/>
-          </a:effectRef>
-          <a:fontRef idx="minor">
-            <a:schemeClr val="lt1"/>
-          </a:fontRef>
-        </p:style>
-        <p:txBody>
-          <a:bodyPr rtlCol="0" anchor="ctr"/>
-          <a:lstStyle/>
-          <a:p>
-            <a:pPr algn="ctr"/>
-            <a:r>
-              <a:rPr lang="en-GB" dirty="0">
-                <a:solidFill>
-                  <a:sysClr val="windowText" lastClr="000000"/>
-                </a:solidFill>
-              </a:rPr>
-              <a:t>To use when he finished serving a client</a:t>
-            </a:r>
-          </a:p>
-        </p:txBody>
-      </p:sp>
-      <p:pic>
-        <p:nvPicPr>
-          <p:cNvPr id="9" name="Immagine 8">
-            <a:extLst>
-              <a:ext uri="{FF2B5EF4-FFF2-40B4-BE49-F238E27FC236}">
-                <a16:creationId xmlns:a16="http://schemas.microsoft.com/office/drawing/2014/main" id="{5CC4146A-7444-4678-9A78-332E7822D2BD}"/>
-              </a:ext>
-            </a:extLst>
-          </p:cNvPr>
-          <p:cNvPicPr>
-            <a:picLocks noChangeAspect="1"/>
-          </p:cNvPicPr>
-          <p:nvPr/>
-        </p:nvPicPr>
-        <p:blipFill>
-          <a:blip r:embed="rId2"/>
-          <a:stretch>
-            <a:fillRect/>
-          </a:stretch>
-        </p:blipFill>
-        <p:spPr>
-          <a:xfrm>
-            <a:off x="1330097" y="2844104"/>
-            <a:ext cx="8789125" cy="1512257"/>
-          </a:xfrm>
-          <a:prstGeom prst="rect">
-            <a:avLst/>
-          </a:prstGeom>
-        </p:spPr>
-      </p:pic>
-      <p:cxnSp>
-        <p:nvCxnSpPr>
-          <p:cNvPr id="13" name="Straight Arrow Connector 12">
-            <a:extLst>
-              <a:ext uri="{FF2B5EF4-FFF2-40B4-BE49-F238E27FC236}">
-                <a16:creationId xmlns:a16="http://schemas.microsoft.com/office/drawing/2014/main" id="{4ACD3E0A-3371-40C9-9204-620568E2B3D7}"/>
-              </a:ext>
-            </a:extLst>
-          </p:cNvPr>
-          <p:cNvCxnSpPr>
-            <a:cxnSpLocks/>
-            <a:stCxn id="20" idx="0"/>
-          </p:cNvCxnSpPr>
-          <p:nvPr/>
-        </p:nvCxnSpPr>
-        <p:spPr>
-          <a:xfrm flipH="1" flipV="1">
-            <a:off x="9135122" y="4039340"/>
-            <a:ext cx="139325" cy="707684"/>
+            <a:off x="3606229" y="2300450"/>
+            <a:ext cx="2137025" cy="1244134"/>
           </a:xfrm>
           <a:prstGeom prst="straightConnector1">
             <a:avLst/>
@@ -4727,89 +5267,91 @@
             <p:ph idx="1"/>
           </p:nvPr>
         </p:nvSpPr>
-        <p:spPr/>
+        <p:spPr>
+          <a:xfrm>
+            <a:off x="1097280" y="2671280"/>
+            <a:ext cx="10058400" cy="3197813"/>
+          </a:xfrm>
+        </p:spPr>
         <p:txBody>
           <a:bodyPr/>
           <a:lstStyle/>
           <a:p>
-            <a:r>
-              <a:rPr lang="it-IT" dirty="0"/>
-              <a:t>The stories </a:t>
-            </a:r>
-            <a:r>
-              <a:rPr lang="it-IT" dirty="0" err="1"/>
-              <a:t>we</a:t>
-            </a:r>
-            <a:r>
-              <a:rPr lang="it-IT" dirty="0"/>
-              <a:t> </a:t>
-            </a:r>
-            <a:r>
-              <a:rPr lang="it-IT" dirty="0" err="1"/>
-              <a:t>implemented</a:t>
-            </a:r>
-            <a:r>
-              <a:rPr lang="it-IT" dirty="0"/>
-              <a:t> </a:t>
-            </a:r>
-            <a:r>
-              <a:rPr lang="it-IT" dirty="0" err="1"/>
-              <a:t>during</a:t>
-            </a:r>
-            <a:r>
-              <a:rPr lang="it-IT" dirty="0"/>
-              <a:t> </a:t>
-            </a:r>
-            <a:r>
-              <a:rPr lang="it-IT" dirty="0" err="1"/>
-              <a:t>this</a:t>
-            </a:r>
-            <a:r>
-              <a:rPr lang="it-IT" dirty="0"/>
-              <a:t> sprint </a:t>
-            </a:r>
-            <a:r>
-              <a:rPr lang="it-IT" dirty="0" err="1"/>
-              <a:t>where</a:t>
-            </a:r>
-            <a:r>
-              <a:rPr lang="it-IT" dirty="0"/>
-              <a:t>:</a:t>
-            </a:r>
-          </a:p>
-          <a:p>
-            <a:r>
-              <a:rPr lang="it-IT" sz="2800" dirty="0"/>
-              <a:t>- </a:t>
-            </a:r>
-            <a:r>
-              <a:rPr lang="en-US" sz="2800" i="0" dirty="0">
-                <a:effectLst/>
-                <a:latin typeface="Inter" panose="020B0502030000000004" pitchFamily="34" charset="0"/>
+            <a:pPr marL="457200" indent="-457200">
+              <a:buFont typeface="+mj-lt"/>
+              <a:buAutoNum type="arabicPeriod"/>
+            </a:pPr>
+            <a:r>
+              <a:rPr lang="en-US" sz="2800" dirty="0"/>
+              <a:t>As a customer </a:t>
+            </a:r>
+            <a:r>
+              <a:rPr lang="en-US" sz="2800" b="1" dirty="0">
+                <a:solidFill>
+                  <a:srgbClr val="E48312"/>
+                </a:solidFill>
               </a:rPr>
-              <a:t>As a customer I want to specify a service type So that I can be served later</a:t>
-            </a:r>
-          </a:p>
-          <a:p>
-            <a:r>
-              <a:rPr lang="it-IT" sz="2800" dirty="0"/>
-              <a:t>- </a:t>
-            </a:r>
-            <a:r>
-              <a:rPr lang="en-US" sz="2800" i="0" dirty="0">
-                <a:effectLst/>
-                <a:latin typeface="Inter" panose="020B0502030000000004" pitchFamily="34" charset="0"/>
+              <a:t>I want to specify a service type</a:t>
+            </a:r>
+            <a:r>
+              <a:rPr lang="en-US" sz="2800" dirty="0"/>
+              <a:t> So that </a:t>
+            </a:r>
+            <a:r>
+              <a:rPr lang="en-US" sz="2800" b="1" dirty="0">
+                <a:solidFill>
+                  <a:srgbClr val="E48312"/>
+                </a:solidFill>
               </a:rPr>
-              <a:t>As an officer I want to call the next client So that I can serve him</a:t>
-            </a:r>
-          </a:p>
-          <a:p>
-            <a:r>
-              <a:rPr lang="en-US" sz="2800" i="0" dirty="0">
-                <a:effectLst/>
-                <a:latin typeface="Inter" panose="020B0502030000000004" pitchFamily="34" charset="0"/>
+              <a:t>I can be served later</a:t>
+            </a:r>
+          </a:p>
+          <a:p>
+            <a:pPr marL="457200" indent="-457200">
+              <a:buFont typeface="+mj-lt"/>
+              <a:buAutoNum type="arabicPeriod"/>
+            </a:pPr>
+            <a:r>
+              <a:rPr lang="en-US" sz="2800" dirty="0"/>
+              <a:t>As an officer </a:t>
+            </a:r>
+            <a:r>
+              <a:rPr lang="en-US" sz="2800" b="1" dirty="0">
+                <a:solidFill>
+                  <a:srgbClr val="E48312"/>
+                </a:solidFill>
               </a:rPr>
-              <a:t>- As a client I want to see the current ticket number being served</a:t>
+              <a:t>I want to call the next client </a:t>
+            </a:r>
+            <a:r>
+              <a:rPr lang="en-US" sz="2800" dirty="0"/>
+              <a:t>So that </a:t>
+            </a:r>
+            <a:r>
+              <a:rPr lang="en-US" sz="2800" b="1" dirty="0">
+                <a:solidFill>
+                  <a:srgbClr val="E48312"/>
+                </a:solidFill>
+              </a:rPr>
+              <a:t>I can serve him</a:t>
+            </a:r>
+          </a:p>
+          <a:p>
+            <a:pPr marL="457200" indent="-457200">
+              <a:buFont typeface="+mj-lt"/>
+              <a:buAutoNum type="arabicPeriod"/>
+            </a:pPr>
+            <a:r>
+              <a:rPr lang="en-US" sz="2800" dirty="0"/>
+              <a:t>As a client </a:t>
+            </a:r>
+            <a:r>
+              <a:rPr lang="en-US" sz="2800" b="1" dirty="0">
+                <a:solidFill>
+                  <a:srgbClr val="E48312"/>
+                </a:solidFill>
+              </a:rPr>
+              <a:t>I want to see the current ticket number being served</a:t>
             </a:r>
           </a:p>
           <a:p>
@@ -4896,145 +5438,124 @@
             <p:ph idx="1"/>
           </p:nvPr>
         </p:nvSpPr>
-        <p:spPr/>
-        <p:txBody>
-          <a:bodyPr/>
-          <a:lstStyle/>
-          <a:p>
-            <a:r>
-              <a:rPr lang="it-IT" dirty="0"/>
-              <a:t>The stories </a:t>
-            </a:r>
-            <a:r>
-              <a:rPr lang="it-IT" dirty="0" err="1"/>
-              <a:t>we</a:t>
-            </a:r>
-            <a:r>
-              <a:rPr lang="it-IT" dirty="0"/>
-              <a:t> have </a:t>
-            </a:r>
-            <a:r>
-              <a:rPr lang="it-IT" dirty="0" err="1"/>
-              <a:t>chosen</a:t>
-            </a:r>
-            <a:r>
-              <a:rPr lang="it-IT" dirty="0"/>
-              <a:t> to </a:t>
-            </a:r>
-            <a:r>
-              <a:rPr lang="it-IT" dirty="0" err="1"/>
-              <a:t>not</a:t>
-            </a:r>
-            <a:r>
-              <a:rPr lang="it-IT" dirty="0"/>
-              <a:t> </a:t>
-            </a:r>
-            <a:r>
-              <a:rPr lang="it-IT" dirty="0" err="1"/>
-              <a:t>implement</a:t>
-            </a:r>
-            <a:r>
-              <a:rPr lang="it-IT" dirty="0"/>
-              <a:t> </a:t>
-            </a:r>
-            <a:r>
-              <a:rPr lang="it-IT" dirty="0" err="1"/>
-              <a:t>during</a:t>
-            </a:r>
-            <a:r>
-              <a:rPr lang="it-IT" dirty="0"/>
-              <a:t> the sprint </a:t>
-            </a:r>
-            <a:r>
-              <a:rPr lang="it-IT" dirty="0" err="1"/>
-              <a:t>where</a:t>
-            </a:r>
-            <a:r>
-              <a:rPr lang="it-IT" dirty="0"/>
-              <a:t> (</a:t>
-            </a:r>
-            <a:r>
-              <a:rPr lang="it-IT" dirty="0" err="1"/>
-              <a:t>not</a:t>
-            </a:r>
-            <a:r>
-              <a:rPr lang="it-IT" dirty="0"/>
-              <a:t> in order</a:t>
-            </a:r>
-            <a:r>
-              <a:rPr lang="it-IT" u="sng" dirty="0"/>
-              <a:t>):</a:t>
-            </a:r>
-          </a:p>
-          <a:p>
-            <a:r>
-              <a:rPr lang="it-IT" dirty="0"/>
-              <a:t>- </a:t>
-            </a:r>
-            <a:r>
-              <a:rPr lang="en-US" b="0" i="0" dirty="0">
+        <p:spPr>
+          <a:xfrm>
+            <a:off x="1066800" y="2240262"/>
+            <a:ext cx="10058400" cy="3554363"/>
+          </a:xfrm>
+        </p:spPr>
+        <p:txBody>
+          <a:bodyPr>
+            <a:normAutofit/>
+          </a:bodyPr>
+          <a:lstStyle/>
+          <a:p>
+            <a:pPr marL="457200" indent="-457200">
+              <a:buFont typeface="+mj-lt"/>
+              <a:buAutoNum type="arabicPeriod"/>
+            </a:pPr>
+            <a:r>
+              <a:rPr lang="en-US" sz="2400" b="0" i="0" dirty="0">
                 <a:effectLst/>
-                <a:latin typeface="Inter" panose="020B0502030000000004" pitchFamily="34" charset="0"/>
               </a:rPr>
-              <a:t>As an officer I want to see the length of the queues So that I can see how many people </a:t>
-            </a:r>
-            <a:r>
-              <a:rPr lang="en-US" b="0" i="0" dirty="0" err="1">
+              <a:t>As an officer </a:t>
+            </a:r>
+            <a:r>
+              <a:rPr lang="en-US" sz="2400" b="1" i="0" dirty="0">
                 <a:effectLst/>
-                <a:latin typeface="Inter" panose="020B0502030000000004" pitchFamily="34" charset="0"/>
               </a:rPr>
-              <a:t>i</a:t>
-            </a:r>
-            <a:r>
-              <a:rPr lang="en-US" b="0" i="0" dirty="0">
+              <a:t>I want to see the length of the queues</a:t>
+            </a:r>
+            <a:r>
+              <a:rPr lang="en-US" sz="2400" b="0" i="0" dirty="0">
                 <a:effectLst/>
-                <a:latin typeface="Inter" panose="020B0502030000000004" pitchFamily="34" charset="0"/>
               </a:rPr>
-              <a:t> have to serve</a:t>
-            </a:r>
-          </a:p>
-          <a:p>
-            <a:r>
-              <a:rPr lang="en-US" b="0" i="0" dirty="0">
+              <a:t> So that I can see how many people I have to serve</a:t>
+            </a:r>
+          </a:p>
+          <a:p>
+            <a:pPr marL="457200" indent="-457200">
+              <a:buFont typeface="+mj-lt"/>
+              <a:buAutoNum type="arabicPeriod"/>
+            </a:pPr>
+            <a:r>
+              <a:rPr lang="en-US" sz="2400" b="0" i="0" dirty="0">
                 <a:effectLst/>
-                <a:latin typeface="Inter" panose="020B0502030000000004" pitchFamily="34" charset="0"/>
               </a:rPr>
-              <a:t>- As a manager I want to see statistics So that I can evaluate the performances of the system</a:t>
-            </a:r>
-          </a:p>
-          <a:p>
-            <a:r>
-              <a:rPr lang="en-US" b="0" i="0" dirty="0">
+              <a:t>As a manager </a:t>
+            </a:r>
+            <a:r>
+              <a:rPr lang="en-US" sz="2400" b="1" i="0" dirty="0">
                 <a:effectLst/>
-                <a:latin typeface="Inter" panose="020B0502030000000004" pitchFamily="34" charset="0"/>
               </a:rPr>
-              <a:t>- As a client I want to see the number of people waiting for each type</a:t>
-            </a:r>
-          </a:p>
-          <a:p>
-            <a:r>
-              <a:rPr lang="en-US" b="0" i="0" dirty="0">
+              <a:t>I want to see statistics </a:t>
+            </a:r>
+            <a:r>
+              <a:rPr lang="en-US" sz="2400" b="0" i="0" dirty="0">
                 <a:effectLst/>
-                <a:latin typeface="Inter" panose="020B0502030000000004" pitchFamily="34" charset="0"/>
               </a:rPr>
-              <a:t>- As a client I want to be notified when my queue is updated So that I can check if it is my turn</a:t>
-            </a:r>
-          </a:p>
-          <a:p>
-            <a:r>
-              <a:rPr lang="it-IT" dirty="0"/>
-              <a:t>- </a:t>
-            </a:r>
-            <a:r>
-              <a:rPr lang="en-US" b="0" i="0" dirty="0">
+              <a:t>So that I can evaluate the performances of the system</a:t>
+            </a:r>
+          </a:p>
+          <a:p>
+            <a:pPr marL="457200" indent="-457200">
+              <a:buFont typeface="+mj-lt"/>
+              <a:buAutoNum type="arabicPeriod"/>
+            </a:pPr>
+            <a:r>
+              <a:rPr lang="en-US" sz="2400" b="0" i="0" dirty="0">
                 <a:effectLst/>
-                <a:latin typeface="Inter" panose="020B0502030000000004" pitchFamily="34" charset="0"/>
               </a:rPr>
-              <a:t>As a client I want to see my waiting time</a:t>
-            </a:r>
-          </a:p>
-          <a:p>
-            <a:endParaRPr lang="it-IT" dirty="0"/>
+              <a:t>As a client </a:t>
+            </a:r>
+            <a:r>
+              <a:rPr lang="en-US" sz="2400" b="1" i="0" dirty="0">
+                <a:effectLst/>
+              </a:rPr>
+              <a:t>I want to see the number of people waiting for each type</a:t>
+            </a:r>
+          </a:p>
+          <a:p>
+            <a:pPr marL="457200" indent="-457200">
+              <a:buFont typeface="+mj-lt"/>
+              <a:buAutoNum type="arabicPeriod"/>
+            </a:pPr>
+            <a:r>
+              <a:rPr lang="en-US" sz="2400" b="0" i="0" dirty="0">
+                <a:effectLst/>
+              </a:rPr>
+              <a:t>As a client </a:t>
+            </a:r>
+            <a:r>
+              <a:rPr lang="en-US" sz="2400" b="1" i="0" dirty="0">
+                <a:effectLst/>
+              </a:rPr>
+              <a:t>I want to be notified when my queue is updated </a:t>
+            </a:r>
+            <a:r>
+              <a:rPr lang="en-US" sz="2400" b="0" i="0" dirty="0">
+                <a:effectLst/>
+              </a:rPr>
+              <a:t>So that I can check if it is my turn</a:t>
+            </a:r>
+          </a:p>
+          <a:p>
+            <a:pPr marL="457200" indent="-457200">
+              <a:buFont typeface="+mj-lt"/>
+              <a:buAutoNum type="arabicPeriod"/>
+            </a:pPr>
+            <a:r>
+              <a:rPr lang="en-US" sz="2400" b="0" i="0" dirty="0">
+                <a:effectLst/>
+              </a:rPr>
+              <a:t>As a client </a:t>
+            </a:r>
+            <a:r>
+              <a:rPr lang="en-US" sz="2400" b="1" i="0" dirty="0">
+                <a:effectLst/>
+              </a:rPr>
+              <a:t>I want to see my waiting time</a:t>
+            </a:r>
           </a:p>
         </p:txBody>
       </p:sp>
@@ -5114,20 +5635,24 @@
           </p:cNvPicPr>
           <p:nvPr/>
         </p:nvPicPr>
-        <p:blipFill>
+        <p:blipFill rotWithShape="1">
           <a:blip r:embed="rId2"/>
-          <a:stretch>
-            <a:fillRect/>
-          </a:stretch>
+          <a:srcRect b="23346"/>
+          <a:stretch/>
         </p:blipFill>
         <p:spPr>
           <a:xfrm>
             <a:off x="1097280" y="3288504"/>
-            <a:ext cx="9888533" cy="1567180"/>
+            <a:ext cx="9888533" cy="1201303"/>
           </a:xfrm>
           <a:prstGeom prst="rect">
             <a:avLst/>
           </a:prstGeom>
+          <a:ln>
+            <a:solidFill>
+              <a:srgbClr val="E48312"/>
+            </a:solidFill>
+          </a:ln>
         </p:spPr>
       </p:pic>
       <p:sp>
@@ -5144,7 +5669,7 @@
         </p:nvSpPr>
         <p:spPr>
           <a:xfrm>
-            <a:off x="9358044" y="4556022"/>
+            <a:off x="9327222" y="5055499"/>
             <a:ext cx="1976063" cy="801384"/>
           </a:xfrm>
           <a:prstGeom prst="roundRect">
@@ -5181,7 +5706,7 @@
           <a:p>
             <a:pPr algn="ctr"/>
             <a:r>
-              <a:rPr lang="en-GB" dirty="0">
+              <a:rPr lang="en-GB" sz="2000" dirty="0">
                 <a:solidFill>
                   <a:sysClr val="windowText" lastClr="000000"/>
                 </a:solidFill>
@@ -5202,13 +5727,14 @@
           </p:cNvPr>
           <p:cNvCxnSpPr>
             <a:cxnSpLocks/>
+            <a:stCxn id="11" idx="0"/>
           </p:cNvCxnSpPr>
           <p:nvPr/>
         </p:nvCxnSpPr>
         <p:spPr>
           <a:xfrm flipV="1">
             <a:off x="10315254" y="3752633"/>
-            <a:ext cx="304800" cy="801102"/>
+            <a:ext cx="304800" cy="1302866"/>
           </a:xfrm>
           <a:prstGeom prst="straightConnector1">
             <a:avLst/>
@@ -5286,7 +5812,7 @@
           <a:p>
             <a:pPr algn="ctr"/>
             <a:r>
-              <a:rPr lang="en-GB" dirty="0">
+              <a:rPr lang="en-GB" sz="2000" dirty="0">
                 <a:solidFill>
                   <a:sysClr val="windowText" lastClr="000000"/>
                 </a:solidFill>
@@ -5310,7 +5836,7 @@
         </p:nvSpPr>
         <p:spPr>
           <a:xfrm>
-            <a:off x="1097280" y="4956714"/>
+            <a:off x="8483882" y="338008"/>
             <a:ext cx="2671282" cy="1116733"/>
           </a:xfrm>
           <a:prstGeom prst="roundRect">
@@ -5347,9 +5873,9 @@
           <a:p>
             <a:pPr algn="ctr"/>
             <a:r>
-              <a:rPr lang="en-GB" dirty="0">
+              <a:rPr lang="en-GB" sz="2400" dirty="0">
                 <a:solidFill>
-                  <a:sysClr val="windowText" lastClr="000000"/>
+                  <a:srgbClr val="BD582C"/>
                 </a:solidFill>
               </a:rPr>
               <a:t>You don’t need to login to be able to get a ticket</a:t>
@@ -5452,7 +5978,7 @@
           <a:p>
             <a:pPr algn="ctr"/>
             <a:r>
-              <a:rPr lang="en-GB" dirty="0">
+              <a:rPr lang="en-GB" sz="2000" dirty="0">
                 <a:solidFill>
                   <a:sysClr val="windowText" lastClr="000000"/>
                 </a:solidFill>
@@ -5620,7 +6146,7 @@
         </p:blipFill>
         <p:spPr>
           <a:xfrm>
-            <a:off x="989859" y="1846263"/>
+            <a:off x="1010408" y="1902364"/>
             <a:ext cx="9858653" cy="4199186"/>
           </a:xfrm>
           <a:prstGeom prst="rect">
@@ -5679,7 +6205,7 @@
           <a:p>
             <a:pPr algn="ctr"/>
             <a:r>
-              <a:rPr lang="en-GB" dirty="0">
+              <a:rPr lang="en-GB" sz="2000" dirty="0">
                 <a:solidFill>
                   <a:sysClr val="windowText" lastClr="000000"/>
                 </a:solidFill>
@@ -5784,6 +6310,67 @@
           <a:p>
             <a:pPr algn="ctr"/>
             <a:endParaRPr lang="it-IT"/>
+          </a:p>
+        </p:txBody>
+      </p:sp>
+      <p:sp>
+        <p:nvSpPr>
+          <p:cNvPr id="9" name="Rectangle: Rounded Corners 19">
+            <a:extLst>
+              <a:ext uri="{FF2B5EF4-FFF2-40B4-BE49-F238E27FC236}">
+                <a16:creationId xmlns:a16="http://schemas.microsoft.com/office/drawing/2014/main" id="{2346D110-4593-410F-BE7C-172F0DB37440}"/>
+              </a:ext>
+            </a:extLst>
+          </p:cNvPr>
+          <p:cNvSpPr/>
+          <p:nvPr/>
+        </p:nvSpPr>
+        <p:spPr>
+          <a:xfrm>
+            <a:off x="8537825" y="508641"/>
+            <a:ext cx="2556895" cy="871212"/>
+          </a:xfrm>
+          <a:prstGeom prst="roundRect">
+            <a:avLst/>
+          </a:prstGeom>
+          <a:solidFill>
+            <a:srgbClr val="FFFFFF"/>
+          </a:solidFill>
+          <a:ln>
+            <a:solidFill>
+              <a:schemeClr val="accent1"/>
+            </a:solidFill>
+          </a:ln>
+        </p:spPr>
+        <p:style>
+          <a:lnRef idx="2">
+            <a:schemeClr val="accent1">
+              <a:shade val="50000"/>
+            </a:schemeClr>
+          </a:lnRef>
+          <a:fillRef idx="1">
+            <a:schemeClr val="accent1"/>
+          </a:fillRef>
+          <a:effectRef idx="0">
+            <a:schemeClr val="accent1"/>
+          </a:effectRef>
+          <a:fontRef idx="minor">
+            <a:schemeClr val="lt1"/>
+          </a:fontRef>
+        </p:style>
+        <p:txBody>
+          <a:bodyPr rtlCol="0" anchor="ctr"/>
+          <a:lstStyle/>
+          <a:p>
+            <a:pPr algn="ctr"/>
+            <a:r>
+              <a:rPr lang="en-GB" sz="2400" dirty="0">
+                <a:solidFill>
+                  <a:srgbClr val="BD582C"/>
+                </a:solidFill>
+              </a:rPr>
+              <a:t>We chose to have 7 services</a:t>
+            </a:r>
           </a:p>
         </p:txBody>
       </p:sp>
@@ -5877,7 +6464,7 @@
         </p:blipFill>
         <p:spPr>
           <a:xfrm>
-            <a:off x="2022643" y="1893359"/>
+            <a:off x="1272630" y="1872810"/>
             <a:ext cx="7837170" cy="4228968"/>
           </a:xfrm>
           <a:prstGeom prst="rect">
@@ -5885,6 +6472,111 @@
           </a:prstGeom>
         </p:spPr>
       </p:pic>
+      <p:sp>
+        <p:nvSpPr>
+          <p:cNvPr id="5" name="Rectangle: Rounded Corners 19">
+            <a:extLst>
+              <a:ext uri="{FF2B5EF4-FFF2-40B4-BE49-F238E27FC236}">
+                <a16:creationId xmlns:a16="http://schemas.microsoft.com/office/drawing/2014/main" id="{38BDA87D-2A13-4C5D-8DDE-FFA1E1ABEE3B}"/>
+              </a:ext>
+            </a:extLst>
+          </p:cNvPr>
+          <p:cNvSpPr/>
+          <p:nvPr/>
+        </p:nvSpPr>
+        <p:spPr>
+          <a:xfrm>
+            <a:off x="9644055" y="2294628"/>
+            <a:ext cx="2304789" cy="880081"/>
+          </a:xfrm>
+          <a:prstGeom prst="roundRect">
+            <a:avLst/>
+          </a:prstGeom>
+          <a:solidFill>
+            <a:srgbClr val="FFFFFF"/>
+          </a:solidFill>
+          <a:ln>
+            <a:solidFill>
+              <a:schemeClr val="accent1"/>
+            </a:solidFill>
+          </a:ln>
+        </p:spPr>
+        <p:style>
+          <a:lnRef idx="2">
+            <a:schemeClr val="accent1">
+              <a:shade val="50000"/>
+            </a:schemeClr>
+          </a:lnRef>
+          <a:fillRef idx="1">
+            <a:schemeClr val="accent1"/>
+          </a:fillRef>
+          <a:effectRef idx="0">
+            <a:schemeClr val="accent1"/>
+          </a:effectRef>
+          <a:fontRef idx="minor">
+            <a:schemeClr val="lt1"/>
+          </a:fontRef>
+        </p:style>
+        <p:txBody>
+          <a:bodyPr rtlCol="0" anchor="ctr"/>
+          <a:lstStyle/>
+          <a:p>
+            <a:pPr algn="ctr"/>
+            <a:r>
+              <a:rPr lang="en-GB" sz="2000" dirty="0">
+                <a:solidFill>
+                  <a:sysClr val="windowText" lastClr="000000"/>
+                </a:solidFill>
+              </a:rPr>
+              <a:t>After the selection of one story</a:t>
+            </a:r>
+          </a:p>
+        </p:txBody>
+      </p:sp>
+      <p:cxnSp>
+        <p:nvCxnSpPr>
+          <p:cNvPr id="6" name="Straight Arrow Connector 5">
+            <a:extLst>
+              <a:ext uri="{FF2B5EF4-FFF2-40B4-BE49-F238E27FC236}">
+                <a16:creationId xmlns:a16="http://schemas.microsoft.com/office/drawing/2014/main" id="{A6038735-20F1-48F7-90C1-253DAAA7609E}"/>
+              </a:ext>
+            </a:extLst>
+          </p:cNvPr>
+          <p:cNvCxnSpPr>
+            <a:cxnSpLocks/>
+          </p:cNvCxnSpPr>
+          <p:nvPr/>
+        </p:nvCxnSpPr>
+        <p:spPr>
+          <a:xfrm flipH="1">
+            <a:off x="8856324" y="2695321"/>
+            <a:ext cx="787732" cy="0"/>
+          </a:xfrm>
+          <a:prstGeom prst="straightConnector1">
+            <a:avLst/>
+          </a:prstGeom>
+          <a:ln>
+            <a:solidFill>
+              <a:srgbClr val="E48312"/>
+            </a:solidFill>
+            <a:tailEnd type="triangle"/>
+          </a:ln>
+        </p:spPr>
+        <p:style>
+          <a:lnRef idx="1">
+            <a:schemeClr val="accent1"/>
+          </a:lnRef>
+          <a:fillRef idx="0">
+            <a:schemeClr val="accent1"/>
+          </a:fillRef>
+          <a:effectRef idx="0">
+            <a:schemeClr val="accent1"/>
+          </a:effectRef>
+          <a:fontRef idx="minor">
+            <a:schemeClr val="tx1"/>
+          </a:fontRef>
+        </p:style>
+      </p:cxnSp>
     </p:spTree>
     <p:extLst>
       <p:ext uri="{BB962C8B-B14F-4D97-AF65-F5344CB8AC3E}">
@@ -6006,8 +6698,8 @@
         </p:nvSpPr>
         <p:spPr>
           <a:xfrm>
-            <a:off x="1489753" y="5280917"/>
-            <a:ext cx="2352782" cy="801384"/>
+            <a:off x="1505165" y="5034336"/>
+            <a:ext cx="2352782" cy="1047965"/>
           </a:xfrm>
           <a:prstGeom prst="roundRect">
             <a:avLst/>
@@ -6043,21 +6735,13 @@
           <a:p>
             <a:pPr algn="ctr"/>
             <a:r>
-              <a:rPr lang="en-GB" dirty="0">
+              <a:rPr lang="en-GB" sz="2000" dirty="0">
                 <a:solidFill>
                   <a:sysClr val="windowText" lastClr="000000"/>
                 </a:solidFill>
               </a:rPr>
               <a:t>Ticket being served currently</a:t>
             </a:r>
-          </a:p>
-          <a:p>
-            <a:pPr algn="ctr"/>
-            <a:endParaRPr lang="en-GB" dirty="0">
-              <a:solidFill>
-                <a:sysClr val="windowText" lastClr="000000"/>
-              </a:solidFill>
-            </a:endParaRPr>
           </a:p>
         </p:txBody>
       </p:sp>
@@ -6075,8 +6759,8 @@
         </p:nvSpPr>
         <p:spPr>
           <a:xfrm>
-            <a:off x="8113503" y="5038703"/>
-            <a:ext cx="2352782" cy="961406"/>
+            <a:off x="7908020" y="4711485"/>
+            <a:ext cx="3547666" cy="1179346"/>
           </a:xfrm>
           <a:prstGeom prst="roundRect">
             <a:avLst/>
@@ -6112,9 +6796,9 @@
           <a:p>
             <a:pPr algn="ctr"/>
             <a:r>
-              <a:rPr lang="en-GB" dirty="0">
+              <a:rPr lang="en-GB" sz="2400" dirty="0">
                 <a:solidFill>
-                  <a:sysClr val="windowText" lastClr="000000"/>
+                  <a:srgbClr val="BD582C"/>
                 </a:solidFill>
               </a:rPr>
               <a:t>Anyone can access to that page without login</a:t>
@@ -6144,13 +6828,28 @@
         </p:blipFill>
         <p:spPr>
           <a:xfrm>
-            <a:off x="200025" y="2339050"/>
-            <a:ext cx="11791950" cy="1905000"/>
+            <a:off x="777490" y="2339051"/>
+            <a:ext cx="10678196" cy="1725072"/>
           </a:xfrm>
           <a:prstGeom prst="rect">
             <a:avLst/>
           </a:prstGeom>
-        </p:spPr>
+          <a:ln/>
+        </p:spPr>
+        <p:style>
+          <a:lnRef idx="2">
+            <a:schemeClr val="accent1"/>
+          </a:lnRef>
+          <a:fillRef idx="1">
+            <a:schemeClr val="lt1"/>
+          </a:fillRef>
+          <a:effectRef idx="0">
+            <a:schemeClr val="accent1"/>
+          </a:effectRef>
+          <a:fontRef idx="minor">
+            <a:schemeClr val="dk1"/>
+          </a:fontRef>
+        </p:style>
       </p:pic>
       <p:sp>
         <p:nvSpPr>
@@ -6166,7 +6865,7 @@
         </p:nvSpPr>
         <p:spPr>
           <a:xfrm>
-            <a:off x="9614518" y="3180275"/>
+            <a:off x="9172730" y="3108356"/>
             <a:ext cx="1162974" cy="400110"/>
           </a:xfrm>
           <a:prstGeom prst="rect">
@@ -6248,86 +6947,12 @@
                   <a:srgbClr val="BD582C"/>
                 </a:solidFill>
               </a:rPr>
-              <a:t>Login</a:t>
+              <a:t>Client waiting board</a:t>
             </a:r>
             <a:endParaRPr lang="en-GB" dirty="0"/>
           </a:p>
         </p:txBody>
       </p:sp>
-      <p:pic>
-        <p:nvPicPr>
-          <p:cNvPr id="4" name="Picture 3">
-            <a:extLst>
-              <a:ext uri="{FF2B5EF4-FFF2-40B4-BE49-F238E27FC236}">
-                <a16:creationId xmlns:a16="http://schemas.microsoft.com/office/drawing/2014/main" id="{5C30AAEA-16F8-45F9-8611-44502E229D4C}"/>
-              </a:ext>
-            </a:extLst>
-          </p:cNvPr>
-          <p:cNvPicPr>
-            <a:picLocks noChangeAspect="1"/>
-          </p:cNvPicPr>
-          <p:nvPr/>
-        </p:nvPicPr>
-        <p:blipFill>
-          <a:blip r:embed="rId2"/>
-          <a:stretch>
-            <a:fillRect/>
-          </a:stretch>
-        </p:blipFill>
-        <p:spPr>
-          <a:xfrm>
-            <a:off x="3111843" y="2184627"/>
-            <a:ext cx="8043837" cy="3893874"/>
-          </a:xfrm>
-          <a:prstGeom prst="rect">
-            <a:avLst/>
-          </a:prstGeom>
-        </p:spPr>
-      </p:pic>
-      <p:cxnSp>
-        <p:nvCxnSpPr>
-          <p:cNvPr id="6" name="Straight Arrow Connector 5">
-            <a:extLst>
-              <a:ext uri="{FF2B5EF4-FFF2-40B4-BE49-F238E27FC236}">
-                <a16:creationId xmlns:a16="http://schemas.microsoft.com/office/drawing/2014/main" id="{399AAA82-FD2D-4573-AE32-391BA7685CDE}"/>
-              </a:ext>
-            </a:extLst>
-          </p:cNvPr>
-          <p:cNvCxnSpPr>
-            <a:cxnSpLocks/>
-          </p:cNvCxnSpPr>
-          <p:nvPr/>
-        </p:nvCxnSpPr>
-        <p:spPr>
-          <a:xfrm>
-            <a:off x="2533003" y="3429000"/>
-            <a:ext cx="913157" cy="356686"/>
-          </a:xfrm>
-          <a:prstGeom prst="straightConnector1">
-            <a:avLst/>
-          </a:prstGeom>
-          <a:ln>
-            <a:solidFill>
-              <a:srgbClr val="E48312"/>
-            </a:solidFill>
-            <a:tailEnd type="triangle"/>
-          </a:ln>
-        </p:spPr>
-        <p:style>
-          <a:lnRef idx="1">
-            <a:schemeClr val="accent1"/>
-          </a:lnRef>
-          <a:fillRef idx="0">
-            <a:schemeClr val="accent1"/>
-          </a:fillRef>
-          <a:effectRef idx="0">
-            <a:schemeClr val="accent1"/>
-          </a:effectRef>
-          <a:fontRef idx="minor">
-            <a:schemeClr val="tx1"/>
-          </a:fontRef>
-        </p:style>
-      </p:cxnSp>
       <p:sp>
         <p:nvSpPr>
           <p:cNvPr id="7" name="Rectangle: Rounded Corners 6">
@@ -6342,8 +6967,8 @@
         </p:nvSpPr>
         <p:spPr>
           <a:xfrm>
-            <a:off x="1330097" y="3065381"/>
-            <a:ext cx="1202906" cy="801384"/>
+            <a:off x="5515557" y="1980531"/>
+            <a:ext cx="2676007" cy="850096"/>
           </a:xfrm>
           <a:prstGeom prst="roundRect">
             <a:avLst/>
@@ -6379,22 +7004,51 @@
           <a:p>
             <a:pPr algn="ctr"/>
             <a:r>
-              <a:rPr lang="en-GB" dirty="0">
+              <a:rPr lang="en-GB" sz="2000" dirty="0">
                 <a:solidFill>
                   <a:sysClr val="windowText" lastClr="000000"/>
                 </a:solidFill>
               </a:rPr>
-              <a:t>User email</a:t>
-            </a:r>
-          </a:p>
-        </p:txBody>
-      </p:sp>
+              <a:t>The service he is waiting for</a:t>
+            </a:r>
+          </a:p>
+        </p:txBody>
+      </p:sp>
+      <p:pic>
+        <p:nvPicPr>
+          <p:cNvPr id="8" name="Segnaposto contenuto 4">
+            <a:extLst>
+              <a:ext uri="{FF2B5EF4-FFF2-40B4-BE49-F238E27FC236}">
+                <a16:creationId xmlns:a16="http://schemas.microsoft.com/office/drawing/2014/main" id="{282A6990-B902-4B2F-8A17-3FEFBA769457}"/>
+              </a:ext>
+            </a:extLst>
+          </p:cNvPr>
+          <p:cNvPicPr>
+            <a:picLocks noGrp="1" noChangeAspect="1"/>
+          </p:cNvPicPr>
+          <p:nvPr>
+            <p:ph idx="1"/>
+          </p:nvPr>
+        </p:nvPicPr>
+        <p:blipFill>
+          <a:blip r:embed="rId2"/>
+          <a:stretch>
+            <a:fillRect/>
+          </a:stretch>
+        </p:blipFill>
+        <p:spPr>
+          <a:xfrm>
+            <a:off x="2586363" y="3045041"/>
+            <a:ext cx="7878862" cy="2395386"/>
+          </a:xfrm>
+        </p:spPr>
+      </p:pic>
       <p:cxnSp>
         <p:nvCxnSpPr>
-          <p:cNvPr id="13" name="Straight Arrow Connector 12">
+          <p:cNvPr id="10" name="Connettore 2 9">
             <a:extLst>
               <a:ext uri="{FF2B5EF4-FFF2-40B4-BE49-F238E27FC236}">
-                <a16:creationId xmlns:a16="http://schemas.microsoft.com/office/drawing/2014/main" id="{4ACD3E0A-3371-40C9-9204-620568E2B3D7}"/>
+                <a16:creationId xmlns:a16="http://schemas.microsoft.com/office/drawing/2014/main" id="{62AB498A-4E90-4C88-9571-8C938A63D5E1}"/>
               </a:ext>
             </a:extLst>
           </p:cNvPr>
@@ -6404,17 +7058,14 @@
           <p:nvPr/>
         </p:nvCxnSpPr>
         <p:spPr>
-          <a:xfrm flipV="1">
-            <a:off x="2533003" y="4834727"/>
-            <a:ext cx="891584" cy="390663"/>
+          <a:xfrm>
+            <a:off x="6833710" y="2830627"/>
+            <a:ext cx="0" cy="801384"/>
           </a:xfrm>
           <a:prstGeom prst="straightConnector1">
             <a:avLst/>
           </a:prstGeom>
           <a:ln>
-            <a:solidFill>
-              <a:srgbClr val="E48312"/>
-            </a:solidFill>
             <a:tailEnd type="triangle"/>
           </a:ln>
         </p:spPr>
@@ -6435,122 +7086,39 @@
       </p:cxnSp>
       <p:sp>
         <p:nvSpPr>
-          <p:cNvPr id="20" name="Rectangle: Rounded Corners 19">
+          <p:cNvPr id="6" name="CasellaDiTesto 5">
             <a:extLst>
               <a:ext uri="{FF2B5EF4-FFF2-40B4-BE49-F238E27FC236}">
-                <a16:creationId xmlns:a16="http://schemas.microsoft.com/office/drawing/2014/main" id="{BF64BEF2-217F-4E38-90FD-5FDC86A30826}"/>
+                <a16:creationId xmlns:a16="http://schemas.microsoft.com/office/drawing/2014/main" id="{312CB01A-E0F3-4744-BF99-E78C4A6E118E}"/>
               </a:ext>
             </a:extLst>
           </p:cNvPr>
-          <p:cNvSpPr/>
+          <p:cNvSpPr txBox="1"/>
           <p:nvPr/>
         </p:nvSpPr>
         <p:spPr>
           <a:xfrm>
-            <a:off x="1330097" y="4942350"/>
-            <a:ext cx="1202906" cy="801384"/>
-          </a:xfrm>
-          <a:prstGeom prst="roundRect">
+            <a:off x="8595978" y="4698583"/>
+            <a:ext cx="896644" cy="307777"/>
+          </a:xfrm>
+          <a:prstGeom prst="rect">
             <a:avLst/>
           </a:prstGeom>
           <a:solidFill>
-            <a:srgbClr val="FFFFFF"/>
+            <a:schemeClr val="bg1"/>
           </a:solidFill>
-          <a:ln>
-            <a:solidFill>
-              <a:schemeClr val="accent1"/>
-            </a:solidFill>
-          </a:ln>
-        </p:spPr>
-        <p:style>
-          <a:lnRef idx="2">
-            <a:schemeClr val="accent1">
-              <a:shade val="50000"/>
-            </a:schemeClr>
-          </a:lnRef>
-          <a:fillRef idx="1">
-            <a:schemeClr val="accent1"/>
-          </a:fillRef>
-          <a:effectRef idx="0">
-            <a:schemeClr val="accent1"/>
-          </a:effectRef>
-          <a:fontRef idx="minor">
-            <a:schemeClr val="lt1"/>
-          </a:fontRef>
-        </p:style>
-        <p:txBody>
-          <a:bodyPr rtlCol="0" anchor="ctr"/>
-          <a:lstStyle/>
-          <a:p>
-            <a:pPr algn="ctr"/>
-            <a:r>
-              <a:rPr lang="en-GB" dirty="0">
-                <a:solidFill>
-                  <a:sysClr val="windowText" lastClr="000000"/>
-                </a:solidFill>
+        </p:spPr>
+        <p:txBody>
+          <a:bodyPr wrap="square" rtlCol="0">
+            <a:spAutoFit/>
+          </a:bodyPr>
+          <a:lstStyle/>
+          <a:p>
+            <a:r>
+              <a:rPr lang="it-IT" sz="1400" b="1" dirty="0">
+                <a:latin typeface="Inter"/>
               </a:rPr>
-              <a:t>User password</a:t>
-            </a:r>
-          </a:p>
-        </p:txBody>
-      </p:sp>
-      <p:sp>
-        <p:nvSpPr>
-          <p:cNvPr id="24" name="Rectangle: Rounded Corners 23">
-            <a:extLst>
-              <a:ext uri="{FF2B5EF4-FFF2-40B4-BE49-F238E27FC236}">
-                <a16:creationId xmlns:a16="http://schemas.microsoft.com/office/drawing/2014/main" id="{F3339766-5C30-437A-9623-4BF142F5ADE0}"/>
-              </a:ext>
-            </a:extLst>
-          </p:cNvPr>
-          <p:cNvSpPr/>
-          <p:nvPr/>
-        </p:nvSpPr>
-        <p:spPr>
-          <a:xfrm>
-            <a:off x="8979613" y="433582"/>
-            <a:ext cx="2255601" cy="891784"/>
-          </a:xfrm>
-          <a:prstGeom prst="roundRect">
-            <a:avLst/>
-          </a:prstGeom>
-          <a:solidFill>
-            <a:srgbClr val="FFFFFF"/>
-          </a:solidFill>
-          <a:ln>
-            <a:solidFill>
-              <a:schemeClr val="accent1"/>
-            </a:solidFill>
-          </a:ln>
-        </p:spPr>
-        <p:style>
-          <a:lnRef idx="2">
-            <a:schemeClr val="accent1">
-              <a:shade val="50000"/>
-            </a:schemeClr>
-          </a:lnRef>
-          <a:fillRef idx="1">
-            <a:schemeClr val="accent1"/>
-          </a:fillRef>
-          <a:effectRef idx="0">
-            <a:schemeClr val="accent1"/>
-          </a:effectRef>
-          <a:fontRef idx="minor">
-            <a:schemeClr val="lt1"/>
-          </a:fontRef>
-        </p:style>
-        <p:txBody>
-          <a:bodyPr rtlCol="0" anchor="ctr"/>
-          <a:lstStyle/>
-          <a:p>
-            <a:pPr algn="ctr"/>
-            <a:r>
-              <a:rPr lang="en-GB" dirty="0">
-                <a:solidFill>
-                  <a:sysClr val="windowText" lastClr="000000"/>
-                </a:solidFill>
-              </a:rPr>
-              <a:t>The officers and the manager login here</a:t>
+              <a:t>Counter:</a:t>
             </a:r>
           </a:p>
         </p:txBody>
@@ -6558,7 +7126,7 @@
     </p:spTree>
     <p:extLst>
       <p:ext uri="{BB962C8B-B14F-4D97-AF65-F5344CB8AC3E}">
-        <p14:creationId xmlns:p14="http://schemas.microsoft.com/office/powerpoint/2010/main" val="3858183379"/>
+        <p14:creationId xmlns:p14="http://schemas.microsoft.com/office/powerpoint/2010/main" val="507141132"/>
       </p:ext>
     </p:extLst>
   </p:cSld>
@@ -6612,9 +7180,144 @@
                   <a:srgbClr val="BD582C"/>
                 </a:solidFill>
               </a:rPr>
-              <a:t>Login validation</a:t>
+              <a:t>Login</a:t>
             </a:r>
             <a:endParaRPr lang="en-GB" dirty="0"/>
+          </a:p>
+        </p:txBody>
+      </p:sp>
+      <p:pic>
+        <p:nvPicPr>
+          <p:cNvPr id="4" name="Picture 3">
+            <a:extLst>
+              <a:ext uri="{FF2B5EF4-FFF2-40B4-BE49-F238E27FC236}">
+                <a16:creationId xmlns:a16="http://schemas.microsoft.com/office/drawing/2014/main" id="{5C30AAEA-16F8-45F9-8611-44502E229D4C}"/>
+              </a:ext>
+            </a:extLst>
+          </p:cNvPr>
+          <p:cNvPicPr>
+            <a:picLocks noChangeAspect="1"/>
+          </p:cNvPicPr>
+          <p:nvPr/>
+        </p:nvPicPr>
+        <p:blipFill>
+          <a:blip r:embed="rId2"/>
+          <a:stretch>
+            <a:fillRect/>
+          </a:stretch>
+        </p:blipFill>
+        <p:spPr>
+          <a:xfrm>
+            <a:off x="3111843" y="2184627"/>
+            <a:ext cx="8043837" cy="3893874"/>
+          </a:xfrm>
+          <a:prstGeom prst="rect">
+            <a:avLst/>
+          </a:prstGeom>
+        </p:spPr>
+      </p:pic>
+      <p:cxnSp>
+        <p:nvCxnSpPr>
+          <p:cNvPr id="6" name="Straight Arrow Connector 5">
+            <a:extLst>
+              <a:ext uri="{FF2B5EF4-FFF2-40B4-BE49-F238E27FC236}">
+                <a16:creationId xmlns:a16="http://schemas.microsoft.com/office/drawing/2014/main" id="{399AAA82-FD2D-4573-AE32-391BA7685CDE}"/>
+              </a:ext>
+            </a:extLst>
+          </p:cNvPr>
+          <p:cNvCxnSpPr>
+            <a:cxnSpLocks/>
+          </p:cNvCxnSpPr>
+          <p:nvPr/>
+        </p:nvCxnSpPr>
+        <p:spPr>
+          <a:xfrm>
+            <a:off x="2533003" y="3429000"/>
+            <a:ext cx="913157" cy="356686"/>
+          </a:xfrm>
+          <a:prstGeom prst="straightConnector1">
+            <a:avLst/>
+          </a:prstGeom>
+          <a:ln>
+            <a:solidFill>
+              <a:srgbClr val="E48312"/>
+            </a:solidFill>
+            <a:tailEnd type="triangle"/>
+          </a:ln>
+        </p:spPr>
+        <p:style>
+          <a:lnRef idx="1">
+            <a:schemeClr val="accent1"/>
+          </a:lnRef>
+          <a:fillRef idx="0">
+            <a:schemeClr val="accent1"/>
+          </a:fillRef>
+          <a:effectRef idx="0">
+            <a:schemeClr val="accent1"/>
+          </a:effectRef>
+          <a:fontRef idx="minor">
+            <a:schemeClr val="tx1"/>
+          </a:fontRef>
+        </p:style>
+      </p:cxnSp>
+      <p:sp>
+        <p:nvSpPr>
+          <p:cNvPr id="7" name="Rectangle: Rounded Corners 6">
+            <a:extLst>
+              <a:ext uri="{FF2B5EF4-FFF2-40B4-BE49-F238E27FC236}">
+                <a16:creationId xmlns:a16="http://schemas.microsoft.com/office/drawing/2014/main" id="{20852C87-A218-4973-BA7B-8CEEE9A7C742}"/>
+              </a:ext>
+            </a:extLst>
+          </p:cNvPr>
+          <p:cNvSpPr/>
+          <p:nvPr/>
+        </p:nvSpPr>
+        <p:spPr>
+          <a:xfrm>
+            <a:off x="955497" y="3028308"/>
+            <a:ext cx="1577506" cy="801384"/>
+          </a:xfrm>
+          <a:prstGeom prst="roundRect">
+            <a:avLst/>
+          </a:prstGeom>
+          <a:solidFill>
+            <a:srgbClr val="FFFFFF"/>
+          </a:solidFill>
+          <a:ln>
+            <a:solidFill>
+              <a:schemeClr val="accent1"/>
+            </a:solidFill>
+          </a:ln>
+        </p:spPr>
+        <p:style>
+          <a:lnRef idx="2">
+            <a:schemeClr val="accent1">
+              <a:shade val="50000"/>
+            </a:schemeClr>
+          </a:lnRef>
+          <a:fillRef idx="1">
+            <a:schemeClr val="accent1"/>
+          </a:fillRef>
+          <a:effectRef idx="0">
+            <a:schemeClr val="accent1"/>
+          </a:effectRef>
+          <a:fontRef idx="minor">
+            <a:schemeClr val="lt1"/>
+          </a:fontRef>
+        </p:style>
+        <p:txBody>
+          <a:bodyPr rtlCol="0" anchor="ctr"/>
+          <a:lstStyle/>
+          <a:p>
+            <a:pPr algn="ctr"/>
+            <a:r>
+              <a:rPr lang="en-GB" sz="2000" dirty="0">
+                <a:solidFill>
+                  <a:sysClr val="windowText" lastClr="000000"/>
+                </a:solidFill>
+              </a:rPr>
+              <a:t>User email</a:t>
+            </a:r>
           </a:p>
         </p:txBody>
       </p:sp>
@@ -6676,8 +7379,8 @@
         </p:nvSpPr>
         <p:spPr>
           <a:xfrm>
-            <a:off x="1330096" y="4942350"/>
-            <a:ext cx="1804989" cy="801384"/>
+            <a:off x="852755" y="4942350"/>
+            <a:ext cx="1680248" cy="801384"/>
           </a:xfrm>
           <a:prstGeom prst="roundRect">
             <a:avLst/>
@@ -6713,23 +7416,12 @@
           <a:p>
             <a:pPr algn="ctr"/>
             <a:r>
-              <a:rPr lang="en-GB" dirty="0">
+              <a:rPr lang="en-GB" sz="2000" dirty="0">
                 <a:solidFill>
                   <a:sysClr val="windowText" lastClr="000000"/>
                 </a:solidFill>
               </a:rPr>
-              <a:t>Password</a:t>
-            </a:r>
-          </a:p>
-          <a:p>
-            <a:pPr algn="ctr"/>
-            <a:r>
-              <a:rPr lang="en-GB" dirty="0">
-                <a:solidFill>
-                  <a:sysClr val="windowText" lastClr="000000"/>
-                </a:solidFill>
-              </a:rPr>
-              <a:t>And email validation </a:t>
+              <a:t>User password</a:t>
             </a:r>
           </a:p>
         </p:txBody>
@@ -6748,8 +7440,8 @@
         </p:nvSpPr>
         <p:spPr>
           <a:xfrm>
-            <a:off x="8979613" y="433582"/>
-            <a:ext cx="2255601" cy="891784"/>
+            <a:off x="7921375" y="433582"/>
+            <a:ext cx="3313840" cy="1128090"/>
           </a:xfrm>
           <a:prstGeom prst="roundRect">
             <a:avLst/>
@@ -6785,50 +7477,20 @@
           <a:p>
             <a:pPr algn="ctr"/>
             <a:r>
-              <a:rPr lang="en-GB" dirty="0">
+              <a:rPr lang="en-GB" sz="2400" dirty="0">
                 <a:solidFill>
-                  <a:sysClr val="windowText" lastClr="000000"/>
+                  <a:srgbClr val="BD582C"/>
                 </a:solidFill>
               </a:rPr>
-              <a:t>The officers and the manager login here</a:t>
-            </a:r>
-          </a:p>
-        </p:txBody>
-      </p:sp>
-      <p:pic>
-        <p:nvPicPr>
-          <p:cNvPr id="5" name="Immagine 4">
-            <a:extLst>
-              <a:ext uri="{FF2B5EF4-FFF2-40B4-BE49-F238E27FC236}">
-                <a16:creationId xmlns:a16="http://schemas.microsoft.com/office/drawing/2014/main" id="{B4B21D80-D9E0-42BC-87FB-4FBAE723C9B7}"/>
-              </a:ext>
-            </a:extLst>
-          </p:cNvPr>
-          <p:cNvPicPr>
-            <a:picLocks noChangeAspect="1"/>
-          </p:cNvPicPr>
-          <p:nvPr/>
-        </p:nvPicPr>
-        <p:blipFill>
-          <a:blip r:embed="rId2"/>
-          <a:stretch>
-            <a:fillRect/>
-          </a:stretch>
-        </p:blipFill>
-        <p:spPr>
-          <a:xfrm>
-            <a:off x="3446160" y="1884339"/>
-            <a:ext cx="6753225" cy="3667125"/>
-          </a:xfrm>
-          <a:prstGeom prst="rect">
-            <a:avLst/>
-          </a:prstGeom>
-        </p:spPr>
-      </p:pic>
+              <a:t>Only the officers and the manager login here</a:t>
+            </a:r>
+          </a:p>
+        </p:txBody>
+      </p:sp>
     </p:spTree>
     <p:extLst>
       <p:ext uri="{BB962C8B-B14F-4D97-AF65-F5344CB8AC3E}">
-        <p14:creationId xmlns:p14="http://schemas.microsoft.com/office/powerpoint/2010/main" val="3217101325"/>
+        <p14:creationId xmlns:p14="http://schemas.microsoft.com/office/powerpoint/2010/main" val="3858183379"/>
       </p:ext>
     </p:extLst>
   </p:cSld>
@@ -7119,4 +7781,299 @@
     </a:ext>
   </a:extLst>
 </a:theme>
+</file>
+
+<file path=ppt/theme/theme2.xml><?xml version="1.0" encoding="utf-8"?>
+<a:theme xmlns:a="http://schemas.openxmlformats.org/drawingml/2006/main" name="Office Theme">
+  <a:themeElements>
+    <a:clrScheme name="Office">
+      <a:dk1>
+        <a:sysClr val="windowText" lastClr="000000"/>
+      </a:dk1>
+      <a:lt1>
+        <a:sysClr val="window" lastClr="FFFFFF"/>
+      </a:lt1>
+      <a:dk2>
+        <a:srgbClr val="44546A"/>
+      </a:dk2>
+      <a:lt2>
+        <a:srgbClr val="E7E6E6"/>
+      </a:lt2>
+      <a:accent1>
+        <a:srgbClr val="4472C4"/>
+      </a:accent1>
+      <a:accent2>
+        <a:srgbClr val="ED7D31"/>
+      </a:accent2>
+      <a:accent3>
+        <a:srgbClr val="A5A5A5"/>
+      </a:accent3>
+      <a:accent4>
+        <a:srgbClr val="FFC000"/>
+      </a:accent4>
+      <a:accent5>
+        <a:srgbClr val="5B9BD5"/>
+      </a:accent5>
+      <a:accent6>
+        <a:srgbClr val="70AD47"/>
+      </a:accent6>
+      <a:hlink>
+        <a:srgbClr val="0563C1"/>
+      </a:hlink>
+      <a:folHlink>
+        <a:srgbClr val="954F72"/>
+      </a:folHlink>
+    </a:clrScheme>
+    <a:fontScheme name="Office">
+      <a:majorFont>
+        <a:latin typeface="Calibri Light" panose="020F0302020204030204"/>
+        <a:ea typeface=""/>
+        <a:cs typeface=""/>
+        <a:font script="Jpan" typeface="游ゴシック Light"/>
+        <a:font script="Hang" typeface="맑은 고딕"/>
+        <a:font script="Hans" typeface="等线 Light"/>
+        <a:font script="Hant" typeface="新細明體"/>
+        <a:font script="Arab" typeface="Times New Roman"/>
+        <a:font script="Hebr" typeface="Times New Roman"/>
+        <a:font script="Thai" typeface="Angsana New"/>
+        <a:font script="Ethi" typeface="Nyala"/>
+        <a:font script="Beng" typeface="Vrinda"/>
+        <a:font script="Gujr" typeface="Shruti"/>
+        <a:font script="Khmr" typeface="MoolBoran"/>
+        <a:font script="Knda" typeface="Tunga"/>
+        <a:font script="Guru" typeface="Raavi"/>
+        <a:font script="Cans" typeface="Euphemia"/>
+        <a:font script="Cher" typeface="Plantagenet Cherokee"/>
+        <a:font script="Yiii" typeface="Microsoft Yi Baiti"/>
+        <a:font script="Tibt" typeface="Microsoft Himalaya"/>
+        <a:font script="Thaa" typeface="MV Boli"/>
+        <a:font script="Deva" typeface="Mangal"/>
+        <a:font script="Telu" typeface="Gautami"/>
+        <a:font script="Taml" typeface="Latha"/>
+        <a:font script="Syrc" typeface="Estrangelo Edessa"/>
+        <a:font script="Orya" typeface="Kalinga"/>
+        <a:font script="Mlym" typeface="Kartika"/>
+        <a:font script="Laoo" typeface="DokChampa"/>
+        <a:font script="Sinh" typeface="Iskoola Pota"/>
+        <a:font script="Mong" typeface="Mongolian Baiti"/>
+        <a:font script="Viet" typeface="Times New Roman"/>
+        <a:font script="Uigh" typeface="Microsoft Uighur"/>
+        <a:font script="Geor" typeface="Sylfaen"/>
+        <a:font script="Armn" typeface="Arial"/>
+        <a:font script="Bugi" typeface="Leelawadee UI"/>
+        <a:font script="Bopo" typeface="Microsoft JhengHei"/>
+        <a:font script="Java" typeface="Javanese Text"/>
+        <a:font script="Lisu" typeface="Segoe UI"/>
+        <a:font script="Mymr" typeface="Myanmar Text"/>
+        <a:font script="Nkoo" typeface="Ebrima"/>
+        <a:font script="Olck" typeface="Nirmala UI"/>
+        <a:font script="Osma" typeface="Ebrima"/>
+        <a:font script="Phag" typeface="Phagspa"/>
+        <a:font script="Syrn" typeface="Estrangelo Edessa"/>
+        <a:font script="Syrj" typeface="Estrangelo Edessa"/>
+        <a:font script="Syre" typeface="Estrangelo Edessa"/>
+        <a:font script="Sora" typeface="Nirmala UI"/>
+        <a:font script="Tale" typeface="Microsoft Tai Le"/>
+        <a:font script="Talu" typeface="Microsoft New Tai Lue"/>
+        <a:font script="Tfng" typeface="Ebrima"/>
+      </a:majorFont>
+      <a:minorFont>
+        <a:latin typeface="Calibri" panose="020F0502020204030204"/>
+        <a:ea typeface=""/>
+        <a:cs typeface=""/>
+        <a:font script="Jpan" typeface="游ゴシック"/>
+        <a:font script="Hang" typeface="맑은 고딕"/>
+        <a:font script="Hans" typeface="等线"/>
+        <a:font script="Hant" typeface="新細明體"/>
+        <a:font script="Arab" typeface="Arial"/>
+        <a:font script="Hebr" typeface="Arial"/>
+        <a:font script="Thai" typeface="Cordia New"/>
+        <a:font script="Ethi" typeface="Nyala"/>
+        <a:font script="Beng" typeface="Vrinda"/>
+        <a:font script="Gujr" typeface="Shruti"/>
+        <a:font script="Khmr" typeface="DaunPenh"/>
+        <a:font script="Knda" typeface="Tunga"/>
+        <a:font script="Guru" typeface="Raavi"/>
+        <a:font script="Cans" typeface="Euphemia"/>
+        <a:font script="Cher" typeface="Plantagenet Cherokee"/>
+        <a:font script="Yiii" typeface="Microsoft Yi Baiti"/>
+        <a:font script="Tibt" typeface="Microsoft Himalaya"/>
+        <a:font script="Thaa" typeface="MV Boli"/>
+        <a:font script="Deva" typeface="Mangal"/>
+        <a:font script="Telu" typeface="Gautami"/>
+        <a:font script="Taml" typeface="Latha"/>
+        <a:font script="Syrc" typeface="Estrangelo Edessa"/>
+        <a:font script="Orya" typeface="Kalinga"/>
+        <a:font script="Mlym" typeface="Kartika"/>
+        <a:font script="Laoo" typeface="DokChampa"/>
+        <a:font script="Sinh" typeface="Iskoola Pota"/>
+        <a:font script="Mong" typeface="Mongolian Baiti"/>
+        <a:font script="Viet" typeface="Arial"/>
+        <a:font script="Uigh" typeface="Microsoft Uighur"/>
+        <a:font script="Geor" typeface="Sylfaen"/>
+        <a:font script="Armn" typeface="Arial"/>
+        <a:font script="Bugi" typeface="Leelawadee UI"/>
+        <a:font script="Bopo" typeface="Microsoft JhengHei"/>
+        <a:font script="Java" typeface="Javanese Text"/>
+        <a:font script="Lisu" typeface="Segoe UI"/>
+        <a:font script="Mymr" typeface="Myanmar Text"/>
+        <a:font script="Nkoo" typeface="Ebrima"/>
+        <a:font script="Olck" typeface="Nirmala UI"/>
+        <a:font script="Osma" typeface="Ebrima"/>
+        <a:font script="Phag" typeface="Phagspa"/>
+        <a:font script="Syrn" typeface="Estrangelo Edessa"/>
+        <a:font script="Syrj" typeface="Estrangelo Edessa"/>
+        <a:font script="Syre" typeface="Estrangelo Edessa"/>
+        <a:font script="Sora" typeface="Nirmala UI"/>
+        <a:font script="Tale" typeface="Microsoft Tai Le"/>
+        <a:font script="Talu" typeface="Microsoft New Tai Lue"/>
+        <a:font script="Tfng" typeface="Ebrima"/>
+      </a:minorFont>
+    </a:fontScheme>
+    <a:fmtScheme name="Office">
+      <a:fillStyleLst>
+        <a:solidFill>
+          <a:schemeClr val="phClr"/>
+        </a:solidFill>
+        <a:gradFill rotWithShape="1">
+          <a:gsLst>
+            <a:gs pos="0">
+              <a:schemeClr val="phClr">
+                <a:lumMod val="110000"/>
+                <a:satMod val="105000"/>
+                <a:tint val="67000"/>
+              </a:schemeClr>
+            </a:gs>
+            <a:gs pos="50000">
+              <a:schemeClr val="phClr">
+                <a:lumMod val="105000"/>
+                <a:satMod val="103000"/>
+                <a:tint val="73000"/>
+              </a:schemeClr>
+            </a:gs>
+            <a:gs pos="100000">
+              <a:schemeClr val="phClr">
+                <a:lumMod val="105000"/>
+                <a:satMod val="109000"/>
+                <a:tint val="81000"/>
+              </a:schemeClr>
+            </a:gs>
+          </a:gsLst>
+          <a:lin ang="5400000" scaled="0"/>
+        </a:gradFill>
+        <a:gradFill rotWithShape="1">
+          <a:gsLst>
+            <a:gs pos="0">
+              <a:schemeClr val="phClr">
+                <a:satMod val="103000"/>
+                <a:lumMod val="102000"/>
+                <a:tint val="94000"/>
+              </a:schemeClr>
+            </a:gs>
+            <a:gs pos="50000">
+              <a:schemeClr val="phClr">
+                <a:satMod val="110000"/>
+                <a:lumMod val="100000"/>
+                <a:shade val="100000"/>
+              </a:schemeClr>
+            </a:gs>
+            <a:gs pos="100000">
+              <a:schemeClr val="phClr">
+                <a:lumMod val="99000"/>
+                <a:satMod val="120000"/>
+                <a:shade val="78000"/>
+              </a:schemeClr>
+            </a:gs>
+          </a:gsLst>
+          <a:lin ang="5400000" scaled="0"/>
+        </a:gradFill>
+      </a:fillStyleLst>
+      <a:lnStyleLst>
+        <a:ln w="6350" cap="flat" cmpd="sng" algn="ctr">
+          <a:solidFill>
+            <a:schemeClr val="phClr"/>
+          </a:solidFill>
+          <a:prstDash val="solid"/>
+          <a:miter lim="800000"/>
+        </a:ln>
+        <a:ln w="12700" cap="flat" cmpd="sng" algn="ctr">
+          <a:solidFill>
+            <a:schemeClr val="phClr"/>
+          </a:solidFill>
+          <a:prstDash val="solid"/>
+          <a:miter lim="800000"/>
+        </a:ln>
+        <a:ln w="19050" cap="flat" cmpd="sng" algn="ctr">
+          <a:solidFill>
+            <a:schemeClr val="phClr"/>
+          </a:solidFill>
+          <a:prstDash val="solid"/>
+          <a:miter lim="800000"/>
+        </a:ln>
+      </a:lnStyleLst>
+      <a:effectStyleLst>
+        <a:effectStyle>
+          <a:effectLst/>
+        </a:effectStyle>
+        <a:effectStyle>
+          <a:effectLst/>
+        </a:effectStyle>
+        <a:effectStyle>
+          <a:effectLst>
+            <a:outerShdw blurRad="57150" dist="19050" dir="5400000" algn="ctr" rotWithShape="0">
+              <a:srgbClr val="000000">
+                <a:alpha val="63000"/>
+              </a:srgbClr>
+            </a:outerShdw>
+          </a:effectLst>
+        </a:effectStyle>
+      </a:effectStyleLst>
+      <a:bgFillStyleLst>
+        <a:solidFill>
+          <a:schemeClr val="phClr"/>
+        </a:solidFill>
+        <a:solidFill>
+          <a:schemeClr val="phClr">
+            <a:tint val="95000"/>
+            <a:satMod val="170000"/>
+          </a:schemeClr>
+        </a:solidFill>
+        <a:gradFill rotWithShape="1">
+          <a:gsLst>
+            <a:gs pos="0">
+              <a:schemeClr val="phClr">
+                <a:tint val="93000"/>
+                <a:satMod val="150000"/>
+                <a:shade val="98000"/>
+                <a:lumMod val="102000"/>
+              </a:schemeClr>
+            </a:gs>
+            <a:gs pos="50000">
+              <a:schemeClr val="phClr">
+                <a:tint val="98000"/>
+                <a:satMod val="130000"/>
+                <a:shade val="90000"/>
+                <a:lumMod val="103000"/>
+              </a:schemeClr>
+            </a:gs>
+            <a:gs pos="100000">
+              <a:schemeClr val="phClr">
+                <a:shade val="63000"/>
+                <a:satMod val="120000"/>
+              </a:schemeClr>
+            </a:gs>
+          </a:gsLst>
+          <a:lin ang="5400000" scaled="0"/>
+        </a:gradFill>
+      </a:bgFillStyleLst>
+    </a:fmtScheme>
+  </a:themeElements>
+  <a:objectDefaults/>
+  <a:extraClrSchemeLst/>
+  <a:extLst>
+    <a:ext uri="{05A4C25C-085E-4340-85A3-A5531E510DB2}">
+      <thm15:themeFamily xmlns:thm15="http://schemas.microsoft.com/office/thememl/2012/main" name="Office Theme" id="{62F939B6-93AF-4DB8-9C6B-D6C7DFDC589F}" vid="{4A3C46E8-61CC-4603-A589-7422A47A8E4A}"/>
+    </a:ext>
+  </a:extLst>
+</a:theme>
 </file>
--- a/PresentationW1.pptx
+++ b/PresentationW1.pptx
@@ -208,7 +208,7 @@
           <a:p>
             <a:fld id="{314F6EEB-D563-49C4-B49C-62F84641FA35}" type="datetimeFigureOut">
               <a:rPr lang="en-GB" smtClean="0"/>
-              <a:t>19/10/2021</a:t>
+              <a:t>21/10/2021</a:t>
             </a:fld>
             <a:endParaRPr lang="en-GB"/>
           </a:p>
@@ -809,7 +809,7 @@
           <a:p>
             <a:fld id="{1C3789C9-914D-4922-9317-B202C6AB7D8A}" type="datetimeFigureOut">
               <a:rPr lang="en-GB" smtClean="0"/>
-              <a:t>19/10/2021</a:t>
+              <a:t>21/10/2021</a:t>
             </a:fld>
             <a:endParaRPr lang="en-GB"/>
           </a:p>
@@ -1017,7 +1017,7 @@
           <a:p>
             <a:fld id="{1C3789C9-914D-4922-9317-B202C6AB7D8A}" type="datetimeFigureOut">
               <a:rPr lang="en-GB" smtClean="0"/>
-              <a:t>19/10/2021</a:t>
+              <a:t>21/10/2021</a:t>
             </a:fld>
             <a:endParaRPr lang="en-GB"/>
           </a:p>
@@ -1273,7 +1273,7 @@
           <a:p>
             <a:fld id="{1C3789C9-914D-4922-9317-B202C6AB7D8A}" type="datetimeFigureOut">
               <a:rPr lang="en-GB" smtClean="0"/>
-              <a:t>19/10/2021</a:t>
+              <a:t>21/10/2021</a:t>
             </a:fld>
             <a:endParaRPr lang="en-GB"/>
           </a:p>
@@ -1447,7 +1447,7 @@
           <a:p>
             <a:fld id="{1C3789C9-914D-4922-9317-B202C6AB7D8A}" type="datetimeFigureOut">
               <a:rPr lang="en-GB" smtClean="0"/>
-              <a:t>19/10/2021</a:t>
+              <a:t>21/10/2021</a:t>
             </a:fld>
             <a:endParaRPr lang="en-GB"/>
           </a:p>
@@ -1790,7 +1790,7 @@
           <a:p>
             <a:fld id="{1C3789C9-914D-4922-9317-B202C6AB7D8A}" type="datetimeFigureOut">
               <a:rPr lang="en-GB" smtClean="0"/>
-              <a:t>19/10/2021</a:t>
+              <a:t>21/10/2021</a:t>
             </a:fld>
             <a:endParaRPr lang="en-GB"/>
           </a:p>
@@ -2065,7 +2065,7 @@
           <a:p>
             <a:fld id="{1C3789C9-914D-4922-9317-B202C6AB7D8A}" type="datetimeFigureOut">
               <a:rPr lang="en-GB" smtClean="0"/>
-              <a:t>19/10/2021</a:t>
+              <a:t>21/10/2021</a:t>
             </a:fld>
             <a:endParaRPr lang="en-GB"/>
           </a:p>
@@ -2444,7 +2444,7 @@
           <a:p>
             <a:fld id="{1C3789C9-914D-4922-9317-B202C6AB7D8A}" type="datetimeFigureOut">
               <a:rPr lang="en-GB" smtClean="0"/>
-              <a:t>19/10/2021</a:t>
+              <a:t>21/10/2021</a:t>
             </a:fld>
             <a:endParaRPr lang="en-GB"/>
           </a:p>
@@ -2562,7 +2562,7 @@
           <a:p>
             <a:fld id="{1C3789C9-914D-4922-9317-B202C6AB7D8A}" type="datetimeFigureOut">
               <a:rPr lang="en-GB" smtClean="0"/>
-              <a:t>19/10/2021</a:t>
+              <a:t>21/10/2021</a:t>
             </a:fld>
             <a:endParaRPr lang="en-GB"/>
           </a:p>
@@ -2733,7 +2733,7 @@
           <a:p>
             <a:fld id="{1C3789C9-914D-4922-9317-B202C6AB7D8A}" type="datetimeFigureOut">
               <a:rPr lang="en-GB" smtClean="0"/>
-              <a:t>19/10/2021</a:t>
+              <a:t>21/10/2021</a:t>
             </a:fld>
             <a:endParaRPr lang="en-GB"/>
           </a:p>
@@ -3087,7 +3087,7 @@
           <a:p>
             <a:fld id="{1C3789C9-914D-4922-9317-B202C6AB7D8A}" type="datetimeFigureOut">
               <a:rPr lang="en-GB" smtClean="0"/>
-              <a:t>19/10/2021</a:t>
+              <a:t>21/10/2021</a:t>
             </a:fld>
             <a:endParaRPr lang="en-GB"/>
           </a:p>
@@ -3469,7 +3469,7 @@
           <a:p>
             <a:fld id="{1C3789C9-914D-4922-9317-B202C6AB7D8A}" type="datetimeFigureOut">
               <a:rPr lang="en-GB" smtClean="0"/>
-              <a:t>19/10/2021</a:t>
+              <a:t>21/10/2021</a:t>
             </a:fld>
             <a:endParaRPr lang="en-GB"/>
           </a:p>
@@ -3756,7 +3756,7 @@
           <a:p>
             <a:fld id="{1C3789C9-914D-4922-9317-B202C6AB7D8A}" type="datetimeFigureOut">
               <a:rPr lang="en-GB" smtClean="0"/>
-              <a:t>19/10/2021</a:t>
+              <a:t>21/10/2021</a:t>
             </a:fld>
             <a:endParaRPr lang="en-GB"/>
           </a:p>
@@ -5269,12 +5269,14 @@
         </p:nvSpPr>
         <p:spPr>
           <a:xfrm>
-            <a:off x="1097280" y="2671280"/>
-            <a:ext cx="10058400" cy="3197813"/>
-          </a:xfrm>
-        </p:spPr>
-        <p:txBody>
-          <a:bodyPr/>
+            <a:off x="685800" y="2361037"/>
+            <a:ext cx="10439400" cy="3484592"/>
+          </a:xfrm>
+        </p:spPr>
+        <p:txBody>
+          <a:bodyPr>
+            <a:normAutofit lnSpcReduction="10000"/>
+          </a:bodyPr>
           <a:lstStyle/>
           <a:p>
             <a:pPr marL="457200" indent="-457200">
@@ -5282,11 +5284,11 @@
               <a:buAutoNum type="arabicPeriod"/>
             </a:pPr>
             <a:r>
-              <a:rPr lang="en-US" sz="2800" dirty="0"/>
+              <a:rPr lang="en-US" sz="3200" dirty="0"/>
               <a:t>As a customer </a:t>
             </a:r>
             <a:r>
-              <a:rPr lang="en-US" sz="2800" b="1" dirty="0">
+              <a:rPr lang="en-US" sz="3200" b="1" dirty="0">
                 <a:solidFill>
                   <a:srgbClr val="E48312"/>
                 </a:solidFill>
@@ -5294,17 +5296,38 @@
               <a:t>I want to specify a service type</a:t>
             </a:r>
             <a:r>
-              <a:rPr lang="en-US" sz="2800" dirty="0"/>
+              <a:rPr lang="en-US" sz="3200" dirty="0"/>
               <a:t> So that </a:t>
             </a:r>
             <a:r>
-              <a:rPr lang="en-US" sz="2800" b="1" dirty="0">
+              <a:rPr lang="en-US" sz="3200" b="1" dirty="0">
                 <a:solidFill>
                   <a:srgbClr val="E48312"/>
                 </a:solidFill>
               </a:rPr>
-              <a:t>I can be served later</a:t>
-            </a:r>
+              <a:t>I can be served later </a:t>
+            </a:r>
+            <a:r>
+              <a:rPr lang="en-US" sz="3200" b="1" dirty="0">
+                <a:solidFill>
+                  <a:schemeClr val="tx1"/>
+                </a:solidFill>
+              </a:rPr>
+              <a:t>- </a:t>
+            </a:r>
+            <a:r>
+              <a:rPr lang="en-US" sz="2800" b="1" dirty="0">
+                <a:solidFill>
+                  <a:schemeClr val="tx1"/>
+                </a:solidFill>
+              </a:rPr>
+              <a:t>Done</a:t>
+            </a:r>
+            <a:endParaRPr lang="en-US" sz="2800" b="1" dirty="0">
+              <a:solidFill>
+                <a:srgbClr val="E48312"/>
+              </a:solidFill>
+            </a:endParaRPr>
           </a:p>
           <a:p>
             <a:pPr marL="457200" indent="-457200">
@@ -5312,11 +5335,11 @@
               <a:buAutoNum type="arabicPeriod"/>
             </a:pPr>
             <a:r>
-              <a:rPr lang="en-US" sz="2800" dirty="0"/>
+              <a:rPr lang="en-US" sz="3200" dirty="0"/>
               <a:t>As an officer </a:t>
             </a:r>
             <a:r>
-              <a:rPr lang="en-US" sz="2800" b="1" dirty="0">
+              <a:rPr lang="en-US" sz="3200" b="1" dirty="0">
                 <a:solidFill>
                   <a:srgbClr val="E48312"/>
                 </a:solidFill>
@@ -5324,17 +5347,38 @@
               <a:t>I want to call the next client </a:t>
             </a:r>
             <a:r>
-              <a:rPr lang="en-US" sz="2800" dirty="0"/>
+              <a:rPr lang="en-US" sz="3200" dirty="0"/>
               <a:t>So that </a:t>
             </a:r>
             <a:r>
-              <a:rPr lang="en-US" sz="2800" b="1" dirty="0">
+              <a:rPr lang="en-US" sz="3200" b="1" dirty="0">
                 <a:solidFill>
                   <a:srgbClr val="E48312"/>
                 </a:solidFill>
               </a:rPr>
-              <a:t>I can serve him</a:t>
-            </a:r>
+              <a:t>I can serve him </a:t>
+            </a:r>
+            <a:r>
+              <a:rPr lang="en-US" sz="3200" b="1" dirty="0">
+                <a:solidFill>
+                  <a:schemeClr val="tx1"/>
+                </a:solidFill>
+              </a:rPr>
+              <a:t>– </a:t>
+            </a:r>
+            <a:r>
+              <a:rPr lang="en-US" sz="2800" b="1" dirty="0">
+                <a:solidFill>
+                  <a:schemeClr val="tx1"/>
+                </a:solidFill>
+              </a:rPr>
+              <a:t>Partially completed (only one officer implemented + a part of the ticket selection algorithm is missing)</a:t>
+            </a:r>
+            <a:endParaRPr lang="en-US" sz="2800" b="1" dirty="0">
+              <a:solidFill>
+                <a:srgbClr val="E48312"/>
+              </a:solidFill>
+            </a:endParaRPr>
           </a:p>
           <a:p>
             <a:pPr marL="457200" indent="-457200">
@@ -5342,17 +5386,49 @@
               <a:buAutoNum type="arabicPeriod"/>
             </a:pPr>
             <a:r>
-              <a:rPr lang="en-US" sz="2800" dirty="0"/>
+              <a:rPr lang="en-US" sz="3200" dirty="0"/>
               <a:t>As a client </a:t>
             </a:r>
             <a:r>
-              <a:rPr lang="en-US" sz="2800" b="1" dirty="0">
+              <a:rPr lang="en-US" sz="3200" b="1" dirty="0">
                 <a:solidFill>
                   <a:srgbClr val="E48312"/>
                 </a:solidFill>
               </a:rPr>
-              <a:t>I want to see the current ticket number being served</a:t>
-            </a:r>
+              <a:t>I want to see the current ticket number being served </a:t>
+            </a:r>
+            <a:r>
+              <a:rPr lang="en-US" sz="3200" b="1" dirty="0">
+                <a:solidFill>
+                  <a:schemeClr val="tx1"/>
+                </a:solidFill>
+              </a:rPr>
+              <a:t>– </a:t>
+            </a:r>
+            <a:r>
+              <a:rPr lang="en-US" sz="2800" b="1" dirty="0">
+                <a:solidFill>
+                  <a:schemeClr val="tx1"/>
+                </a:solidFill>
+              </a:rPr>
+              <a:t>Done but only for one counter</a:t>
+            </a:r>
+            <a:endParaRPr lang="en-US" sz="2800" b="1" dirty="0">
+              <a:solidFill>
+                <a:srgbClr val="E48312"/>
+              </a:solidFill>
+            </a:endParaRPr>
+          </a:p>
+          <a:p>
+            <a:pPr marL="457200" indent="-457200">
+              <a:buFont typeface="+mj-lt"/>
+              <a:buAutoNum type="arabicPeriod"/>
+            </a:pPr>
+            <a:endParaRPr lang="en-US" sz="2800" b="1" dirty="0">
+              <a:solidFill>
+                <a:srgbClr val="E48312"/>
+              </a:solidFill>
+            </a:endParaRPr>
           </a:p>
           <a:p>
             <a:endParaRPr lang="it-IT" dirty="0"/>
@@ -5373,7 +5449,7 @@
 </file>
 
 <file path=ppt/slides/slide3.xml><?xml version="1.0" encoding="utf-8"?>
-<p:sld xmlns:a="http://schemas.openxmlformats.org/drawingml/2006/main" xmlns:r="http://schemas.openxmlformats.org/officeDocument/2006/relationships" xmlns:p="http://schemas.openxmlformats.org/presentationml/2006/main">
+<p:sld xmlns:a="http://schemas.openxmlformats.org/drawingml/2006/main" xmlns:r="http://schemas.openxmlformats.org/officeDocument/2006/relationships" xmlns:p="http://schemas.openxmlformats.org/presentationml/2006/main" show="0">
   <p:cSld>
     <p:spTree>
       <p:nvGrpSpPr>

--- a/PresentationW1.pptx
+++ b/PresentationW1.pptx
@@ -5,21 +5,20 @@
     <p:sldMasterId id="2147483660" r:id="rId1"/>
   </p:sldMasterIdLst>
   <p:notesMasterIdLst>
-    <p:notesMasterId r:id="rId14"/>
+    <p:notesMasterId r:id="rId13"/>
   </p:notesMasterIdLst>
   <p:sldIdLst>
     <p:sldId id="256" r:id="rId2"/>
     <p:sldId id="264" r:id="rId3"/>
-    <p:sldId id="265" r:id="rId4"/>
-    <p:sldId id="257" r:id="rId5"/>
-    <p:sldId id="266" r:id="rId6"/>
-    <p:sldId id="267" r:id="rId7"/>
-    <p:sldId id="258" r:id="rId8"/>
-    <p:sldId id="263" r:id="rId9"/>
-    <p:sldId id="259" r:id="rId10"/>
-    <p:sldId id="268" r:id="rId11"/>
-    <p:sldId id="261" r:id="rId12"/>
-    <p:sldId id="269" r:id="rId13"/>
+    <p:sldId id="257" r:id="rId4"/>
+    <p:sldId id="266" r:id="rId5"/>
+    <p:sldId id="267" r:id="rId6"/>
+    <p:sldId id="258" r:id="rId7"/>
+    <p:sldId id="263" r:id="rId8"/>
+    <p:sldId id="259" r:id="rId9"/>
+    <p:sldId id="268" r:id="rId10"/>
+    <p:sldId id="261" r:id="rId11"/>
+    <p:sldId id="269" r:id="rId12"/>
   </p:sldIdLst>
   <p:sldSz cx="12192000" cy="6858000"/>
   <p:notesSz cx="6858000" cy="9144000"/>
@@ -4542,215 +4541,6 @@
                   <a:srgbClr val="BD582C"/>
                 </a:solidFill>
               </a:rPr>
-              <a:t>Login validation</a:t>
-            </a:r>
-            <a:endParaRPr lang="en-GB" dirty="0"/>
-          </a:p>
-        </p:txBody>
-      </p:sp>
-      <p:cxnSp>
-        <p:nvCxnSpPr>
-          <p:cNvPr id="13" name="Straight Arrow Connector 12">
-            <a:extLst>
-              <a:ext uri="{FF2B5EF4-FFF2-40B4-BE49-F238E27FC236}">
-                <a16:creationId xmlns:a16="http://schemas.microsoft.com/office/drawing/2014/main" id="{4ACD3E0A-3371-40C9-9204-620568E2B3D7}"/>
-              </a:ext>
-            </a:extLst>
-          </p:cNvPr>
-          <p:cNvCxnSpPr>
-            <a:cxnSpLocks/>
-          </p:cNvCxnSpPr>
-          <p:nvPr/>
-        </p:nvCxnSpPr>
-        <p:spPr>
-          <a:xfrm flipV="1">
-            <a:off x="2533003" y="4834727"/>
-            <a:ext cx="891584" cy="390663"/>
-          </a:xfrm>
-          <a:prstGeom prst="straightConnector1">
-            <a:avLst/>
-          </a:prstGeom>
-          <a:ln>
-            <a:solidFill>
-              <a:srgbClr val="E48312"/>
-            </a:solidFill>
-            <a:tailEnd type="triangle"/>
-          </a:ln>
-        </p:spPr>
-        <p:style>
-          <a:lnRef idx="1">
-            <a:schemeClr val="accent1"/>
-          </a:lnRef>
-          <a:fillRef idx="0">
-            <a:schemeClr val="accent1"/>
-          </a:fillRef>
-          <a:effectRef idx="0">
-            <a:schemeClr val="accent1"/>
-          </a:effectRef>
-          <a:fontRef idx="minor">
-            <a:schemeClr val="tx1"/>
-          </a:fontRef>
-        </p:style>
-      </p:cxnSp>
-      <p:sp>
-        <p:nvSpPr>
-          <p:cNvPr id="20" name="Rectangle: Rounded Corners 19">
-            <a:extLst>
-              <a:ext uri="{FF2B5EF4-FFF2-40B4-BE49-F238E27FC236}">
-                <a16:creationId xmlns:a16="http://schemas.microsoft.com/office/drawing/2014/main" id="{BF64BEF2-217F-4E38-90FD-5FDC86A30826}"/>
-              </a:ext>
-            </a:extLst>
-          </p:cNvPr>
-          <p:cNvSpPr/>
-          <p:nvPr/>
-        </p:nvSpPr>
-        <p:spPr>
-          <a:xfrm>
-            <a:off x="811658" y="4834727"/>
-            <a:ext cx="2167137" cy="970172"/>
-          </a:xfrm>
-          <a:prstGeom prst="roundRect">
-            <a:avLst/>
-          </a:prstGeom>
-          <a:solidFill>
-            <a:srgbClr val="FFFFFF"/>
-          </a:solidFill>
-          <a:ln>
-            <a:solidFill>
-              <a:schemeClr val="accent1"/>
-            </a:solidFill>
-          </a:ln>
-        </p:spPr>
-        <p:style>
-          <a:lnRef idx="2">
-            <a:schemeClr val="accent1">
-              <a:shade val="50000"/>
-            </a:schemeClr>
-          </a:lnRef>
-          <a:fillRef idx="1">
-            <a:schemeClr val="accent1"/>
-          </a:fillRef>
-          <a:effectRef idx="0">
-            <a:schemeClr val="accent1"/>
-          </a:effectRef>
-          <a:fontRef idx="minor">
-            <a:schemeClr val="lt1"/>
-          </a:fontRef>
-        </p:style>
-        <p:txBody>
-          <a:bodyPr rtlCol="0" anchor="ctr"/>
-          <a:lstStyle/>
-          <a:p>
-            <a:pPr algn="ctr"/>
-            <a:r>
-              <a:rPr lang="en-GB" sz="2000" dirty="0">
-                <a:solidFill>
-                  <a:sysClr val="windowText" lastClr="000000"/>
-                </a:solidFill>
-              </a:rPr>
-              <a:t>Password</a:t>
-            </a:r>
-          </a:p>
-          <a:p>
-            <a:pPr algn="ctr"/>
-            <a:r>
-              <a:rPr lang="en-GB" sz="2000" dirty="0">
-                <a:solidFill>
-                  <a:sysClr val="windowText" lastClr="000000"/>
-                </a:solidFill>
-              </a:rPr>
-              <a:t>and email validation </a:t>
-            </a:r>
-          </a:p>
-        </p:txBody>
-      </p:sp>
-      <p:pic>
-        <p:nvPicPr>
-          <p:cNvPr id="5" name="Immagine 4">
-            <a:extLst>
-              <a:ext uri="{FF2B5EF4-FFF2-40B4-BE49-F238E27FC236}">
-                <a16:creationId xmlns:a16="http://schemas.microsoft.com/office/drawing/2014/main" id="{B4B21D80-D9E0-42BC-87FB-4FBAE723C9B7}"/>
-              </a:ext>
-            </a:extLst>
-          </p:cNvPr>
-          <p:cNvPicPr>
-            <a:picLocks noChangeAspect="1"/>
-          </p:cNvPicPr>
-          <p:nvPr/>
-        </p:nvPicPr>
-        <p:blipFill>
-          <a:blip r:embed="rId2"/>
-          <a:stretch>
-            <a:fillRect/>
-          </a:stretch>
-        </p:blipFill>
-        <p:spPr>
-          <a:xfrm>
-            <a:off x="3446160" y="1884339"/>
-            <a:ext cx="6753225" cy="3667125"/>
-          </a:xfrm>
-          <a:prstGeom prst="rect">
-            <a:avLst/>
-          </a:prstGeom>
-        </p:spPr>
-      </p:pic>
-    </p:spTree>
-    <p:extLst>
-      <p:ext uri="{BB962C8B-B14F-4D97-AF65-F5344CB8AC3E}">
-        <p14:creationId xmlns:p14="http://schemas.microsoft.com/office/powerpoint/2010/main" val="3217101325"/>
-      </p:ext>
-    </p:extLst>
-  </p:cSld>
-  <p:clrMapOvr>
-    <a:masterClrMapping/>
-  </p:clrMapOvr>
-</p:sld>
-</file>
-
-<file path=ppt/slides/slide11.xml><?xml version="1.0" encoding="utf-8"?>
-<p:sld xmlns:a="http://schemas.openxmlformats.org/drawingml/2006/main" xmlns:r="http://schemas.openxmlformats.org/officeDocument/2006/relationships" xmlns:p="http://schemas.openxmlformats.org/presentationml/2006/main">
-  <p:cSld>
-    <p:spTree>
-      <p:nvGrpSpPr>
-        <p:cNvPr id="1" name=""/>
-        <p:cNvGrpSpPr/>
-        <p:nvPr/>
-      </p:nvGrpSpPr>
-      <p:grpSpPr>
-        <a:xfrm>
-          <a:off x="0" y="0"/>
-          <a:ext cx="0" cy="0"/>
-          <a:chOff x="0" y="0"/>
-          <a:chExt cx="0" cy="0"/>
-        </a:xfrm>
-      </p:grpSpPr>
-      <p:sp>
-        <p:nvSpPr>
-          <p:cNvPr id="2" name="Titre 1">
-            <a:extLst>
-              <a:ext uri="{FF2B5EF4-FFF2-40B4-BE49-F238E27FC236}">
-                <a16:creationId xmlns:a16="http://schemas.microsoft.com/office/drawing/2014/main" id="{7BBA3497-EFC3-4064-9E14-1C8FB32354C4}"/>
-              </a:ext>
-            </a:extLst>
-          </p:cNvPr>
-          <p:cNvSpPr>
-            <a:spLocks noGrp="1"/>
-          </p:cNvSpPr>
-          <p:nvPr>
-            <p:ph type="title"/>
-          </p:nvPr>
-        </p:nvSpPr>
-        <p:spPr/>
-        <p:txBody>
-          <a:bodyPr/>
-          <a:lstStyle/>
-          <a:p>
-            <a:r>
-              <a:rPr lang="en-GB" b="1" dirty="0">
-                <a:solidFill>
-                  <a:srgbClr val="BD582C"/>
-                </a:solidFill>
-              </a:rPr>
               <a:t>Officers page</a:t>
             </a:r>
             <a:endParaRPr lang="en-GB" dirty="0"/>
@@ -5116,7 +4906,7 @@
 </p:sld>
 </file>
 
-<file path=ppt/slides/slide12.xml><?xml version="1.0" encoding="utf-8"?>
+<file path=ppt/slides/slide11.xml><?xml version="1.0" encoding="utf-8"?>
 <p:sld xmlns:a="http://schemas.openxmlformats.org/drawingml/2006/main" xmlns:r="http://schemas.openxmlformats.org/officeDocument/2006/relationships" xmlns:p="http://schemas.openxmlformats.org/presentationml/2006/main">
   <p:cSld>
     <p:spTree>
@@ -5449,7 +5239,7 @@
 </file>
 
 <file path=ppt/slides/slide3.xml><?xml version="1.0" encoding="utf-8"?>
-<p:sld xmlns:a="http://schemas.openxmlformats.org/drawingml/2006/main" xmlns:r="http://schemas.openxmlformats.org/officeDocument/2006/relationships" xmlns:p="http://schemas.openxmlformats.org/presentationml/2006/main" show="0">
+<p:sld xmlns:a="http://schemas.openxmlformats.org/drawingml/2006/main" xmlns:r="http://schemas.openxmlformats.org/officeDocument/2006/relationships" xmlns:p="http://schemas.openxmlformats.org/presentationml/2006/main">
   <p:cSld>
     <p:spTree>
       <p:nvGrpSpPr>
@@ -5467,10 +5257,10 @@
       </p:grpSpPr>
       <p:sp>
         <p:nvSpPr>
-          <p:cNvPr id="2" name="Titolo 1">
+          <p:cNvPr id="2" name="Titre 1">
             <a:extLst>
               <a:ext uri="{FF2B5EF4-FFF2-40B4-BE49-F238E27FC236}">
-                <a16:creationId xmlns:a16="http://schemas.microsoft.com/office/drawing/2014/main" id="{AB885A50-C2C1-4064-B8CE-8501325B7C6B}"/>
+                <a16:creationId xmlns:a16="http://schemas.microsoft.com/office/drawing/2014/main" id="{808241B3-E99F-4055-81A4-37A351140ADB}"/>
               </a:ext>
             </a:extLst>
           </p:cNvPr>
@@ -5492,153 +5282,426 @@
                   <a:srgbClr val="BD582C"/>
                 </a:solidFill>
               </a:rPr>
-              <a:t>Stories not implemented</a:t>
-            </a:r>
-            <a:endParaRPr lang="it-IT" dirty="0"/>
-          </a:p>
-        </p:txBody>
-      </p:sp>
-      <p:sp>
-        <p:nvSpPr>
-          <p:cNvPr id="3" name="Segnaposto contenuto 2">
+              <a:t>Main Page</a:t>
+            </a:r>
+          </a:p>
+        </p:txBody>
+      </p:sp>
+      <p:pic>
+        <p:nvPicPr>
+          <p:cNvPr id="5" name="Image 4">
             <a:extLst>
               <a:ext uri="{FF2B5EF4-FFF2-40B4-BE49-F238E27FC236}">
-                <a16:creationId xmlns:a16="http://schemas.microsoft.com/office/drawing/2014/main" id="{6524BB1C-E76D-4C55-A92D-0D1B7A4CCB23}"/>
+                <a16:creationId xmlns:a16="http://schemas.microsoft.com/office/drawing/2014/main" id="{113CB94B-8365-4D94-9658-F76667346170}"/>
               </a:ext>
             </a:extLst>
           </p:cNvPr>
-          <p:cNvSpPr>
-            <a:spLocks noGrp="1"/>
-          </p:cNvSpPr>
-          <p:nvPr>
-            <p:ph idx="1"/>
-          </p:nvPr>
-        </p:nvSpPr>
-        <p:spPr>
-          <a:xfrm>
-            <a:off x="1066800" y="2240262"/>
-            <a:ext cx="10058400" cy="3554363"/>
-          </a:xfrm>
-        </p:spPr>
-        <p:txBody>
-          <a:bodyPr>
-            <a:normAutofit/>
-          </a:bodyPr>
-          <a:lstStyle/>
-          <a:p>
-            <a:pPr marL="457200" indent="-457200">
-              <a:buFont typeface="+mj-lt"/>
-              <a:buAutoNum type="arabicPeriod"/>
-            </a:pPr>
-            <a:r>
-              <a:rPr lang="en-US" sz="2400" b="0" i="0" dirty="0">
-                <a:effectLst/>
+          <p:cNvPicPr>
+            <a:picLocks noChangeAspect="1"/>
+          </p:cNvPicPr>
+          <p:nvPr/>
+        </p:nvPicPr>
+        <p:blipFill rotWithShape="1">
+          <a:blip r:embed="rId2"/>
+          <a:srcRect b="23346"/>
+          <a:stretch/>
+        </p:blipFill>
+        <p:spPr>
+          <a:xfrm>
+            <a:off x="1097280" y="3288504"/>
+            <a:ext cx="9888533" cy="1201303"/>
+          </a:xfrm>
+          <a:prstGeom prst="rect">
+            <a:avLst/>
+          </a:prstGeom>
+          <a:ln>
+            <a:solidFill>
+              <a:srgbClr val="E48312"/>
+            </a:solidFill>
+          </a:ln>
+        </p:spPr>
+      </p:pic>
+      <p:sp>
+        <p:nvSpPr>
+          <p:cNvPr id="11" name="Rectangle: Rounded Corners 10">
+            <a:extLst>
+              <a:ext uri="{FF2B5EF4-FFF2-40B4-BE49-F238E27FC236}">
+                <a16:creationId xmlns:a16="http://schemas.microsoft.com/office/drawing/2014/main" id="{518E96E9-4ABF-4596-A8D0-A2BB60ADAACB}"/>
+              </a:ext>
+            </a:extLst>
+          </p:cNvPr>
+          <p:cNvSpPr/>
+          <p:nvPr/>
+        </p:nvSpPr>
+        <p:spPr>
+          <a:xfrm>
+            <a:off x="9327222" y="5055499"/>
+            <a:ext cx="1976063" cy="801384"/>
+          </a:xfrm>
+          <a:prstGeom prst="roundRect">
+            <a:avLst/>
+          </a:prstGeom>
+          <a:solidFill>
+            <a:srgbClr val="FFFFFF"/>
+          </a:solidFill>
+          <a:ln>
+            <a:solidFill>
+              <a:schemeClr val="accent1"/>
+            </a:solidFill>
+          </a:ln>
+        </p:spPr>
+        <p:style>
+          <a:lnRef idx="2">
+            <a:schemeClr val="accent1">
+              <a:shade val="50000"/>
+            </a:schemeClr>
+          </a:lnRef>
+          <a:fillRef idx="1">
+            <a:schemeClr val="accent1"/>
+          </a:fillRef>
+          <a:effectRef idx="0">
+            <a:schemeClr val="accent1"/>
+          </a:effectRef>
+          <a:fontRef idx="minor">
+            <a:schemeClr val="lt1"/>
+          </a:fontRef>
+        </p:style>
+        <p:txBody>
+          <a:bodyPr rtlCol="0" anchor="ctr"/>
+          <a:lstStyle/>
+          <a:p>
+            <a:pPr algn="ctr"/>
+            <a:r>
+              <a:rPr lang="en-GB" sz="2000" dirty="0">
+                <a:solidFill>
+                  <a:sysClr val="windowText" lastClr="000000"/>
+                </a:solidFill>
               </a:rPr>
-              <a:t>As an officer </a:t>
-            </a:r>
-            <a:r>
-              <a:rPr lang="en-US" sz="2400" b="1" i="0" dirty="0">
-                <a:effectLst/>
+              <a:t>Button to login</a:t>
+            </a:r>
+          </a:p>
+        </p:txBody>
+      </p:sp>
+      <p:cxnSp>
+        <p:nvCxnSpPr>
+          <p:cNvPr id="14" name="Straight Arrow Connector 13">
+            <a:extLst>
+              <a:ext uri="{FF2B5EF4-FFF2-40B4-BE49-F238E27FC236}">
+                <a16:creationId xmlns:a16="http://schemas.microsoft.com/office/drawing/2014/main" id="{3E366314-3995-464E-8DBF-862188ACB522}"/>
+              </a:ext>
+            </a:extLst>
+          </p:cNvPr>
+          <p:cNvCxnSpPr>
+            <a:cxnSpLocks/>
+            <a:stCxn id="11" idx="0"/>
+          </p:cNvCxnSpPr>
+          <p:nvPr/>
+        </p:nvCxnSpPr>
+        <p:spPr>
+          <a:xfrm flipV="1">
+            <a:off x="10315254" y="3752633"/>
+            <a:ext cx="304800" cy="1302866"/>
+          </a:xfrm>
+          <a:prstGeom prst="straightConnector1">
+            <a:avLst/>
+          </a:prstGeom>
+          <a:ln>
+            <a:solidFill>
+              <a:srgbClr val="E48312"/>
+            </a:solidFill>
+            <a:tailEnd type="triangle"/>
+          </a:ln>
+        </p:spPr>
+        <p:style>
+          <a:lnRef idx="1">
+            <a:schemeClr val="accent1"/>
+          </a:lnRef>
+          <a:fillRef idx="0">
+            <a:schemeClr val="accent1"/>
+          </a:fillRef>
+          <a:effectRef idx="0">
+            <a:schemeClr val="accent1"/>
+          </a:effectRef>
+          <a:fontRef idx="minor">
+            <a:schemeClr val="tx1"/>
+          </a:fontRef>
+        </p:style>
+      </p:cxnSp>
+      <p:sp>
+        <p:nvSpPr>
+          <p:cNvPr id="16" name="Rectangle: Rounded Corners 15">
+            <a:extLst>
+              <a:ext uri="{FF2B5EF4-FFF2-40B4-BE49-F238E27FC236}">
+                <a16:creationId xmlns:a16="http://schemas.microsoft.com/office/drawing/2014/main" id="{B5D66743-9611-41FA-A69A-52C385A3FFF6}"/>
+              </a:ext>
+            </a:extLst>
+          </p:cNvPr>
+          <p:cNvSpPr/>
+          <p:nvPr/>
+        </p:nvSpPr>
+        <p:spPr>
+          <a:xfrm>
+            <a:off x="6619296" y="2113015"/>
+            <a:ext cx="2166136" cy="801384"/>
+          </a:xfrm>
+          <a:prstGeom prst="roundRect">
+            <a:avLst/>
+          </a:prstGeom>
+          <a:solidFill>
+            <a:srgbClr val="FFFFFF"/>
+          </a:solidFill>
+          <a:ln>
+            <a:solidFill>
+              <a:schemeClr val="accent1"/>
+            </a:solidFill>
+          </a:ln>
+        </p:spPr>
+        <p:style>
+          <a:lnRef idx="2">
+            <a:schemeClr val="accent1">
+              <a:shade val="50000"/>
+            </a:schemeClr>
+          </a:lnRef>
+          <a:fillRef idx="1">
+            <a:schemeClr val="accent1"/>
+          </a:fillRef>
+          <a:effectRef idx="0">
+            <a:schemeClr val="accent1"/>
+          </a:effectRef>
+          <a:fontRef idx="minor">
+            <a:schemeClr val="lt1"/>
+          </a:fontRef>
+        </p:style>
+        <p:txBody>
+          <a:bodyPr rtlCol="0" anchor="ctr"/>
+          <a:lstStyle/>
+          <a:p>
+            <a:pPr algn="ctr"/>
+            <a:r>
+              <a:rPr lang="en-GB" sz="2000" dirty="0">
+                <a:solidFill>
+                  <a:sysClr val="windowText" lastClr="000000"/>
+                </a:solidFill>
               </a:rPr>
-              <a:t>I want to see the length of the queues</a:t>
-            </a:r>
-            <a:r>
-              <a:rPr lang="en-US" sz="2400" b="0" i="0" dirty="0">
-                <a:effectLst/>
+              <a:t>To get to the tickets queue</a:t>
+            </a:r>
+          </a:p>
+        </p:txBody>
+      </p:sp>
+      <p:sp>
+        <p:nvSpPr>
+          <p:cNvPr id="17" name="Rectangle: Rounded Corners 16">
+            <a:extLst>
+              <a:ext uri="{FF2B5EF4-FFF2-40B4-BE49-F238E27FC236}">
+                <a16:creationId xmlns:a16="http://schemas.microsoft.com/office/drawing/2014/main" id="{E9D2B8CC-DA94-4032-82E7-DFA146C59FC3}"/>
+              </a:ext>
+            </a:extLst>
+          </p:cNvPr>
+          <p:cNvSpPr/>
+          <p:nvPr/>
+        </p:nvSpPr>
+        <p:spPr>
+          <a:xfrm>
+            <a:off x="8483882" y="338008"/>
+            <a:ext cx="2671282" cy="1116733"/>
+          </a:xfrm>
+          <a:prstGeom prst="roundRect">
+            <a:avLst/>
+          </a:prstGeom>
+          <a:solidFill>
+            <a:srgbClr val="FFFFFF"/>
+          </a:solidFill>
+          <a:ln>
+            <a:solidFill>
+              <a:schemeClr val="accent1"/>
+            </a:solidFill>
+          </a:ln>
+        </p:spPr>
+        <p:style>
+          <a:lnRef idx="2">
+            <a:schemeClr val="accent1">
+              <a:shade val="50000"/>
+            </a:schemeClr>
+          </a:lnRef>
+          <a:fillRef idx="1">
+            <a:schemeClr val="accent1"/>
+          </a:fillRef>
+          <a:effectRef idx="0">
+            <a:schemeClr val="accent1"/>
+          </a:effectRef>
+          <a:fontRef idx="minor">
+            <a:schemeClr val="lt1"/>
+          </a:fontRef>
+        </p:style>
+        <p:txBody>
+          <a:bodyPr rtlCol="0" anchor="ctr"/>
+          <a:lstStyle/>
+          <a:p>
+            <a:pPr algn="ctr"/>
+            <a:r>
+              <a:rPr lang="en-GB" sz="2400" dirty="0">
+                <a:solidFill>
+                  <a:srgbClr val="BD582C"/>
+                </a:solidFill>
               </a:rPr>
-              <a:t> So that I can see how many people I have to serve</a:t>
-            </a:r>
-          </a:p>
-          <a:p>
-            <a:pPr marL="457200" indent="-457200">
-              <a:buFont typeface="+mj-lt"/>
-              <a:buAutoNum type="arabicPeriod"/>
-            </a:pPr>
-            <a:r>
-              <a:rPr lang="en-US" sz="2400" b="0" i="0" dirty="0">
-                <a:effectLst/>
+              <a:t>You don’t need to login to be able to get a ticket</a:t>
+            </a:r>
+          </a:p>
+        </p:txBody>
+      </p:sp>
+      <p:cxnSp>
+        <p:nvCxnSpPr>
+          <p:cNvPr id="18" name="Straight Arrow Connector 17">
+            <a:extLst>
+              <a:ext uri="{FF2B5EF4-FFF2-40B4-BE49-F238E27FC236}">
+                <a16:creationId xmlns:a16="http://schemas.microsoft.com/office/drawing/2014/main" id="{2F28D607-D66F-4D58-B522-4E8470D5C051}"/>
+              </a:ext>
+            </a:extLst>
+          </p:cNvPr>
+          <p:cNvCxnSpPr>
+            <a:cxnSpLocks/>
+          </p:cNvCxnSpPr>
+          <p:nvPr/>
+        </p:nvCxnSpPr>
+        <p:spPr>
+          <a:xfrm flipH="1">
+            <a:off x="6458419" y="2914399"/>
+            <a:ext cx="321753" cy="496619"/>
+          </a:xfrm>
+          <a:prstGeom prst="straightConnector1">
+            <a:avLst/>
+          </a:prstGeom>
+          <a:ln>
+            <a:solidFill>
+              <a:srgbClr val="E48312"/>
+            </a:solidFill>
+            <a:tailEnd type="triangle"/>
+          </a:ln>
+        </p:spPr>
+        <p:style>
+          <a:lnRef idx="1">
+            <a:schemeClr val="accent1"/>
+          </a:lnRef>
+          <a:fillRef idx="0">
+            <a:schemeClr val="accent1"/>
+          </a:fillRef>
+          <a:effectRef idx="0">
+            <a:schemeClr val="accent1"/>
+          </a:effectRef>
+          <a:fontRef idx="minor">
+            <a:schemeClr val="tx1"/>
+          </a:fontRef>
+        </p:style>
+      </p:cxnSp>
+      <p:sp>
+        <p:nvSpPr>
+          <p:cNvPr id="20" name="Rectangle: Rounded Corners 19">
+            <a:extLst>
+              <a:ext uri="{FF2B5EF4-FFF2-40B4-BE49-F238E27FC236}">
+                <a16:creationId xmlns:a16="http://schemas.microsoft.com/office/drawing/2014/main" id="{3F896A70-EADD-4D1D-8671-25F8BE18E76C}"/>
+              </a:ext>
+            </a:extLst>
+          </p:cNvPr>
+          <p:cNvSpPr/>
+          <p:nvPr/>
+        </p:nvSpPr>
+        <p:spPr>
+          <a:xfrm>
+            <a:off x="3502973" y="2130108"/>
+            <a:ext cx="2166136" cy="801384"/>
+          </a:xfrm>
+          <a:prstGeom prst="roundRect">
+            <a:avLst/>
+          </a:prstGeom>
+          <a:solidFill>
+            <a:srgbClr val="FFFFFF"/>
+          </a:solidFill>
+          <a:ln>
+            <a:solidFill>
+              <a:schemeClr val="accent1"/>
+            </a:solidFill>
+          </a:ln>
+        </p:spPr>
+        <p:style>
+          <a:lnRef idx="2">
+            <a:schemeClr val="accent1">
+              <a:shade val="50000"/>
+            </a:schemeClr>
+          </a:lnRef>
+          <a:fillRef idx="1">
+            <a:schemeClr val="accent1"/>
+          </a:fillRef>
+          <a:effectRef idx="0">
+            <a:schemeClr val="accent1"/>
+          </a:effectRef>
+          <a:fontRef idx="minor">
+            <a:schemeClr val="lt1"/>
+          </a:fontRef>
+        </p:style>
+        <p:txBody>
+          <a:bodyPr rtlCol="0" anchor="ctr"/>
+          <a:lstStyle/>
+          <a:p>
+            <a:pPr algn="ctr"/>
+            <a:r>
+              <a:rPr lang="en-GB" sz="2000" dirty="0">
+                <a:solidFill>
+                  <a:sysClr val="windowText" lastClr="000000"/>
+                </a:solidFill>
               </a:rPr>
-              <a:t>As a manager </a:t>
-            </a:r>
-            <a:r>
-              <a:rPr lang="en-US" sz="2400" b="1" i="0" dirty="0">
-                <a:effectLst/>
-              </a:rPr>
-              <a:t>I want to see statistics </a:t>
-            </a:r>
-            <a:r>
-              <a:rPr lang="en-US" sz="2400" b="0" i="0" dirty="0">
-                <a:effectLst/>
-              </a:rPr>
-              <a:t>So that I can evaluate the performances of the system</a:t>
-            </a:r>
-          </a:p>
-          <a:p>
-            <a:pPr marL="457200" indent="-457200">
-              <a:buFont typeface="+mj-lt"/>
-              <a:buAutoNum type="arabicPeriod"/>
-            </a:pPr>
-            <a:r>
-              <a:rPr lang="en-US" sz="2400" b="0" i="0" dirty="0">
-                <a:effectLst/>
-              </a:rPr>
-              <a:t>As a client </a:t>
-            </a:r>
-            <a:r>
-              <a:rPr lang="en-US" sz="2400" b="1" i="0" dirty="0">
-                <a:effectLst/>
-              </a:rPr>
-              <a:t>I want to see the number of people waiting for each type</a:t>
-            </a:r>
-          </a:p>
-          <a:p>
-            <a:pPr marL="457200" indent="-457200">
-              <a:buFont typeface="+mj-lt"/>
-              <a:buAutoNum type="arabicPeriod"/>
-            </a:pPr>
-            <a:r>
-              <a:rPr lang="en-US" sz="2400" b="0" i="0" dirty="0">
-                <a:effectLst/>
-              </a:rPr>
-              <a:t>As a client </a:t>
-            </a:r>
-            <a:r>
-              <a:rPr lang="en-US" sz="2400" b="1" i="0" dirty="0">
-                <a:effectLst/>
-              </a:rPr>
-              <a:t>I want to be notified when my queue is updated </a:t>
-            </a:r>
-            <a:r>
-              <a:rPr lang="en-US" sz="2400" b="0" i="0" dirty="0">
-                <a:effectLst/>
-              </a:rPr>
-              <a:t>So that I can check if it is my turn</a:t>
-            </a:r>
-          </a:p>
-          <a:p>
-            <a:pPr marL="457200" indent="-457200">
-              <a:buFont typeface="+mj-lt"/>
-              <a:buAutoNum type="arabicPeriod"/>
-            </a:pPr>
-            <a:r>
-              <a:rPr lang="en-US" sz="2400" b="0" i="0" dirty="0">
-                <a:effectLst/>
-              </a:rPr>
-              <a:t>As a client </a:t>
-            </a:r>
-            <a:r>
-              <a:rPr lang="en-US" sz="2400" b="1" i="0" dirty="0">
-                <a:effectLst/>
-              </a:rPr>
-              <a:t>I want to see my waiting time</a:t>
-            </a:r>
-          </a:p>
-        </p:txBody>
-      </p:sp>
+              <a:t>To get a ticket (current page)</a:t>
+            </a:r>
+          </a:p>
+        </p:txBody>
+      </p:sp>
+      <p:cxnSp>
+        <p:nvCxnSpPr>
+          <p:cNvPr id="21" name="Straight Arrow Connector 20">
+            <a:extLst>
+              <a:ext uri="{FF2B5EF4-FFF2-40B4-BE49-F238E27FC236}">
+                <a16:creationId xmlns:a16="http://schemas.microsoft.com/office/drawing/2014/main" id="{C226148A-F9B2-472E-BE0E-B672A27DE3D3}"/>
+              </a:ext>
+            </a:extLst>
+          </p:cNvPr>
+          <p:cNvCxnSpPr>
+            <a:cxnSpLocks/>
+          </p:cNvCxnSpPr>
+          <p:nvPr/>
+        </p:nvCxnSpPr>
+        <p:spPr>
+          <a:xfrm>
+            <a:off x="5331772" y="2914399"/>
+            <a:ext cx="434600" cy="496619"/>
+          </a:xfrm>
+          <a:prstGeom prst="straightConnector1">
+            <a:avLst/>
+          </a:prstGeom>
+          <a:ln>
+            <a:solidFill>
+              <a:srgbClr val="E48312"/>
+            </a:solidFill>
+            <a:tailEnd type="triangle"/>
+          </a:ln>
+        </p:spPr>
+        <p:style>
+          <a:lnRef idx="1">
+            <a:schemeClr val="accent1"/>
+          </a:lnRef>
+          <a:fillRef idx="0">
+            <a:schemeClr val="accent1"/>
+          </a:fillRef>
+          <a:effectRef idx="0">
+            <a:schemeClr val="accent1"/>
+          </a:effectRef>
+          <a:fontRef idx="minor">
+            <a:schemeClr val="tx1"/>
+          </a:fontRef>
+        </p:style>
+      </p:cxnSp>
     </p:spTree>
     <p:extLst>
       <p:ext uri="{BB962C8B-B14F-4D97-AF65-F5344CB8AC3E}">
-        <p14:creationId xmlns:p14="http://schemas.microsoft.com/office/powerpoint/2010/main" val="3725848095"/>
+        <p14:creationId xmlns:p14="http://schemas.microsoft.com/office/powerpoint/2010/main" val="2332484343"/>
       </p:ext>
     </p:extLst>
   </p:cSld>
@@ -5667,10 +5730,10 @@
       </p:grpSpPr>
       <p:sp>
         <p:nvSpPr>
-          <p:cNvPr id="2" name="Titre 1">
+          <p:cNvPr id="2" name="Titolo 1">
             <a:extLst>
               <a:ext uri="{FF2B5EF4-FFF2-40B4-BE49-F238E27FC236}">
-                <a16:creationId xmlns:a16="http://schemas.microsoft.com/office/drawing/2014/main" id="{808241B3-E99F-4055-81A4-37A351140ADB}"/>
+                <a16:creationId xmlns:a16="http://schemas.microsoft.com/office/drawing/2014/main" id="{41E9B62B-B983-41B8-9FA2-D97B8B62FC55}"/>
               </a:ext>
             </a:extLst>
           </p:cNvPr>
@@ -5692,17 +5755,47 @@
                   <a:srgbClr val="BD582C"/>
                 </a:solidFill>
               </a:rPr>
-              <a:t>Main Page</a:t>
-            </a:r>
+              <a:t>Ticket </a:t>
+            </a:r>
+            <a:endParaRPr lang="it-IT" dirty="0"/>
           </a:p>
         </p:txBody>
       </p:sp>
       <p:pic>
         <p:nvPicPr>
-          <p:cNvPr id="5" name="Image 4">
+          <p:cNvPr id="7" name="Segnaposto contenuto 6">
             <a:extLst>
               <a:ext uri="{FF2B5EF4-FFF2-40B4-BE49-F238E27FC236}">
-                <a16:creationId xmlns:a16="http://schemas.microsoft.com/office/drawing/2014/main" id="{113CB94B-8365-4D94-9658-F76667346170}"/>
+                <a16:creationId xmlns:a16="http://schemas.microsoft.com/office/drawing/2014/main" id="{DEB542C7-726B-43FA-BC8D-60B6F7312B52}"/>
+              </a:ext>
+            </a:extLst>
+          </p:cNvPr>
+          <p:cNvPicPr>
+            <a:picLocks noGrp="1" noChangeAspect="1"/>
+          </p:cNvPicPr>
+          <p:nvPr>
+            <p:ph idx="1"/>
+          </p:nvPr>
+        </p:nvPicPr>
+        <p:blipFill>
+          <a:blip r:embed="rId2"/>
+          <a:stretch>
+            <a:fillRect/>
+          </a:stretch>
+        </p:blipFill>
+        <p:spPr>
+          <a:xfrm>
+            <a:off x="1734004" y="1846263"/>
+            <a:ext cx="8784317" cy="4022725"/>
+          </a:xfrm>
+        </p:spPr>
+      </p:pic>
+      <p:pic>
+        <p:nvPicPr>
+          <p:cNvPr id="5" name="Immagine 4">
+            <a:extLst>
+              <a:ext uri="{FF2B5EF4-FFF2-40B4-BE49-F238E27FC236}">
+                <a16:creationId xmlns:a16="http://schemas.microsoft.com/office/drawing/2014/main" id="{964C3139-A762-42E4-8DA1-A1B2C30BCC0B}"/>
               </a:ext>
             </a:extLst>
           </p:cNvPr>
@@ -5711,32 +5804,28 @@
           </p:cNvPicPr>
           <p:nvPr/>
         </p:nvPicPr>
-        <p:blipFill rotWithShape="1">
-          <a:blip r:embed="rId2"/>
-          <a:srcRect b="23346"/>
-          <a:stretch/>
+        <p:blipFill>
+          <a:blip r:embed="rId3"/>
+          <a:stretch>
+            <a:fillRect/>
+          </a:stretch>
         </p:blipFill>
         <p:spPr>
           <a:xfrm>
-            <a:off x="1097280" y="3288504"/>
-            <a:ext cx="9888533" cy="1201303"/>
+            <a:off x="1010408" y="1902364"/>
+            <a:ext cx="9858653" cy="4199186"/>
           </a:xfrm>
           <a:prstGeom prst="rect">
             <a:avLst/>
           </a:prstGeom>
-          <a:ln>
-            <a:solidFill>
-              <a:srgbClr val="E48312"/>
-            </a:solidFill>
-          </a:ln>
         </p:spPr>
       </p:pic>
       <p:sp>
         <p:nvSpPr>
-          <p:cNvPr id="11" name="Rectangle: Rounded Corners 10">
+          <p:cNvPr id="8" name="Rectangle: Rounded Corners 19">
             <a:extLst>
               <a:ext uri="{FF2B5EF4-FFF2-40B4-BE49-F238E27FC236}">
-                <a16:creationId xmlns:a16="http://schemas.microsoft.com/office/drawing/2014/main" id="{518E96E9-4ABF-4596-A8D0-A2BB60ADAACB}"/>
+                <a16:creationId xmlns:a16="http://schemas.microsoft.com/office/drawing/2014/main" id="{0FDB200B-B268-4038-85AA-474B541F3360}"/>
               </a:ext>
             </a:extLst>
           </p:cNvPr>
@@ -5745,8 +5834,8 @@
         </p:nvSpPr>
         <p:spPr>
           <a:xfrm>
-            <a:off x="9327222" y="5055499"/>
-            <a:ext cx="1976063" cy="801384"/>
+            <a:off x="9633185" y="4955636"/>
+            <a:ext cx="2166136" cy="801384"/>
           </a:xfrm>
           <a:prstGeom prst="roundRect">
             <a:avLst/>
@@ -5787,38 +5876,37 @@
                   <a:sysClr val="windowText" lastClr="000000"/>
                 </a:solidFill>
               </a:rPr>
-              <a:t>Button to login</a:t>
+              <a:t>Get a ticket for that service type</a:t>
             </a:r>
           </a:p>
         </p:txBody>
       </p:sp>
       <p:cxnSp>
         <p:nvCxnSpPr>
-          <p:cNvPr id="14" name="Straight Arrow Connector 13">
+          <p:cNvPr id="15" name="Connettore a gomito 14">
             <a:extLst>
               <a:ext uri="{FF2B5EF4-FFF2-40B4-BE49-F238E27FC236}">
-                <a16:creationId xmlns:a16="http://schemas.microsoft.com/office/drawing/2014/main" id="{3E366314-3995-464E-8DBF-862188ACB522}"/>
+                <a16:creationId xmlns:a16="http://schemas.microsoft.com/office/drawing/2014/main" id="{6DE76749-4A32-44D8-8918-AC768A709FBB}"/>
               </a:ext>
             </a:extLst>
           </p:cNvPr>
           <p:cNvCxnSpPr>
             <a:cxnSpLocks/>
-            <a:stCxn id="11" idx="0"/>
+            <a:stCxn id="8" idx="0"/>
           </p:cNvCxnSpPr>
           <p:nvPr/>
         </p:nvCxnSpPr>
         <p:spPr>
-          <a:xfrm flipV="1">
-            <a:off x="10315254" y="3752633"/>
-            <a:ext cx="304800" cy="1302866"/>
-          </a:xfrm>
-          <a:prstGeom prst="straightConnector1">
-            <a:avLst/>
+          <a:xfrm rot="16200000" flipV="1">
+            <a:off x="9170594" y="3409977"/>
+            <a:ext cx="2008250" cy="1083068"/>
+          </a:xfrm>
+          <a:prstGeom prst="bentConnector3">
+            <a:avLst>
+              <a:gd name="adj1" fmla="val 99953"/>
+            </a:avLst>
           </a:prstGeom>
           <a:ln>
-            <a:solidFill>
-              <a:srgbClr val="E48312"/>
-            </a:solidFill>
             <a:tailEnd type="triangle"/>
           </a:ln>
         </p:spPr>
@@ -5839,10 +5927,10 @@
       </p:cxnSp>
       <p:sp>
         <p:nvSpPr>
-          <p:cNvPr id="16" name="Rectangle: Rounded Corners 15">
+          <p:cNvPr id="3" name="Rettangolo 2">
             <a:extLst>
               <a:ext uri="{FF2B5EF4-FFF2-40B4-BE49-F238E27FC236}">
-                <a16:creationId xmlns:a16="http://schemas.microsoft.com/office/drawing/2014/main" id="{B5D66743-9611-41FA-A69A-52C385A3FFF6}"/>
+                <a16:creationId xmlns:a16="http://schemas.microsoft.com/office/drawing/2014/main" id="{DA998134-5F75-4198-BA06-7CE52827E18B}"/>
               </a:ext>
             </a:extLst>
           </p:cNvPr>
@@ -5851,8 +5939,62 @@
         </p:nvSpPr>
         <p:spPr>
           <a:xfrm>
-            <a:off x="6619296" y="2113015"/>
-            <a:ext cx="2166136" cy="801384"/>
+            <a:off x="2698812" y="2574524"/>
+            <a:ext cx="1225118" cy="221942"/>
+          </a:xfrm>
+          <a:prstGeom prst="rect">
+            <a:avLst/>
+          </a:prstGeom>
+          <a:solidFill>
+            <a:schemeClr val="bg1"/>
+          </a:solidFill>
+          <a:ln>
+            <a:solidFill>
+              <a:schemeClr val="bg1"/>
+            </a:solidFill>
+          </a:ln>
+        </p:spPr>
+        <p:style>
+          <a:lnRef idx="2">
+            <a:schemeClr val="accent1">
+              <a:shade val="50000"/>
+            </a:schemeClr>
+          </a:lnRef>
+          <a:fillRef idx="1">
+            <a:schemeClr val="accent1"/>
+          </a:fillRef>
+          <a:effectRef idx="0">
+            <a:schemeClr val="accent1"/>
+          </a:effectRef>
+          <a:fontRef idx="minor">
+            <a:schemeClr val="lt1"/>
+          </a:fontRef>
+        </p:style>
+        <p:txBody>
+          <a:bodyPr rtlCol="0" anchor="ctr"/>
+          <a:lstStyle/>
+          <a:p>
+            <a:pPr algn="ctr"/>
+            <a:endParaRPr lang="it-IT"/>
+          </a:p>
+        </p:txBody>
+      </p:sp>
+      <p:sp>
+        <p:nvSpPr>
+          <p:cNvPr id="9" name="Rectangle: Rounded Corners 19">
+            <a:extLst>
+              <a:ext uri="{FF2B5EF4-FFF2-40B4-BE49-F238E27FC236}">
+                <a16:creationId xmlns:a16="http://schemas.microsoft.com/office/drawing/2014/main" id="{2346D110-4593-410F-BE7C-172F0DB37440}"/>
+              </a:ext>
+            </a:extLst>
+          </p:cNvPr>
+          <p:cNvSpPr/>
+          <p:nvPr/>
+        </p:nvSpPr>
+        <p:spPr>
+          <a:xfrm>
+            <a:off x="8537825" y="508641"/>
+            <a:ext cx="2556895" cy="871212"/>
           </a:xfrm>
           <a:prstGeom prst="roundRect">
             <a:avLst/>
@@ -5888,230 +6030,20 @@
           <a:p>
             <a:pPr algn="ctr"/>
             <a:r>
-              <a:rPr lang="en-GB" sz="2000" dirty="0">
-                <a:solidFill>
-                  <a:sysClr val="windowText" lastClr="000000"/>
-                </a:solidFill>
-              </a:rPr>
-              <a:t>To get to the tickets queue</a:t>
-            </a:r>
-          </a:p>
-        </p:txBody>
-      </p:sp>
-      <p:sp>
-        <p:nvSpPr>
-          <p:cNvPr id="17" name="Rectangle: Rounded Corners 16">
-            <a:extLst>
-              <a:ext uri="{FF2B5EF4-FFF2-40B4-BE49-F238E27FC236}">
-                <a16:creationId xmlns:a16="http://schemas.microsoft.com/office/drawing/2014/main" id="{E9D2B8CC-DA94-4032-82E7-DFA146C59FC3}"/>
-              </a:ext>
-            </a:extLst>
-          </p:cNvPr>
-          <p:cNvSpPr/>
-          <p:nvPr/>
-        </p:nvSpPr>
-        <p:spPr>
-          <a:xfrm>
-            <a:off x="8483882" y="338008"/>
-            <a:ext cx="2671282" cy="1116733"/>
-          </a:xfrm>
-          <a:prstGeom prst="roundRect">
-            <a:avLst/>
-          </a:prstGeom>
-          <a:solidFill>
-            <a:srgbClr val="FFFFFF"/>
-          </a:solidFill>
-          <a:ln>
-            <a:solidFill>
-              <a:schemeClr val="accent1"/>
-            </a:solidFill>
-          </a:ln>
-        </p:spPr>
-        <p:style>
-          <a:lnRef idx="2">
-            <a:schemeClr val="accent1">
-              <a:shade val="50000"/>
-            </a:schemeClr>
-          </a:lnRef>
-          <a:fillRef idx="1">
-            <a:schemeClr val="accent1"/>
-          </a:fillRef>
-          <a:effectRef idx="0">
-            <a:schemeClr val="accent1"/>
-          </a:effectRef>
-          <a:fontRef idx="minor">
-            <a:schemeClr val="lt1"/>
-          </a:fontRef>
-        </p:style>
-        <p:txBody>
-          <a:bodyPr rtlCol="0" anchor="ctr"/>
-          <a:lstStyle/>
-          <a:p>
-            <a:pPr algn="ctr"/>
-            <a:r>
               <a:rPr lang="en-GB" sz="2400" dirty="0">
                 <a:solidFill>
                   <a:srgbClr val="BD582C"/>
                 </a:solidFill>
               </a:rPr>
-              <a:t>You don’t need to login to be able to get a ticket</a:t>
-            </a:r>
-          </a:p>
-        </p:txBody>
-      </p:sp>
-      <p:cxnSp>
-        <p:nvCxnSpPr>
-          <p:cNvPr id="18" name="Straight Arrow Connector 17">
-            <a:extLst>
-              <a:ext uri="{FF2B5EF4-FFF2-40B4-BE49-F238E27FC236}">
-                <a16:creationId xmlns:a16="http://schemas.microsoft.com/office/drawing/2014/main" id="{2F28D607-D66F-4D58-B522-4E8470D5C051}"/>
-              </a:ext>
-            </a:extLst>
-          </p:cNvPr>
-          <p:cNvCxnSpPr>
-            <a:cxnSpLocks/>
-          </p:cNvCxnSpPr>
-          <p:nvPr/>
-        </p:nvCxnSpPr>
-        <p:spPr>
-          <a:xfrm flipH="1">
-            <a:off x="6458419" y="2914399"/>
-            <a:ext cx="321753" cy="496619"/>
-          </a:xfrm>
-          <a:prstGeom prst="straightConnector1">
-            <a:avLst/>
-          </a:prstGeom>
-          <a:ln>
-            <a:solidFill>
-              <a:srgbClr val="E48312"/>
-            </a:solidFill>
-            <a:tailEnd type="triangle"/>
-          </a:ln>
-        </p:spPr>
-        <p:style>
-          <a:lnRef idx="1">
-            <a:schemeClr val="accent1"/>
-          </a:lnRef>
-          <a:fillRef idx="0">
-            <a:schemeClr val="accent1"/>
-          </a:fillRef>
-          <a:effectRef idx="0">
-            <a:schemeClr val="accent1"/>
-          </a:effectRef>
-          <a:fontRef idx="minor">
-            <a:schemeClr val="tx1"/>
-          </a:fontRef>
-        </p:style>
-      </p:cxnSp>
-      <p:sp>
-        <p:nvSpPr>
-          <p:cNvPr id="20" name="Rectangle: Rounded Corners 19">
-            <a:extLst>
-              <a:ext uri="{FF2B5EF4-FFF2-40B4-BE49-F238E27FC236}">
-                <a16:creationId xmlns:a16="http://schemas.microsoft.com/office/drawing/2014/main" id="{3F896A70-EADD-4D1D-8671-25F8BE18E76C}"/>
-              </a:ext>
-            </a:extLst>
-          </p:cNvPr>
-          <p:cNvSpPr/>
-          <p:nvPr/>
-        </p:nvSpPr>
-        <p:spPr>
-          <a:xfrm>
-            <a:off x="3502973" y="2130108"/>
-            <a:ext cx="2166136" cy="801384"/>
-          </a:xfrm>
-          <a:prstGeom prst="roundRect">
-            <a:avLst/>
-          </a:prstGeom>
-          <a:solidFill>
-            <a:srgbClr val="FFFFFF"/>
-          </a:solidFill>
-          <a:ln>
-            <a:solidFill>
-              <a:schemeClr val="accent1"/>
-            </a:solidFill>
-          </a:ln>
-        </p:spPr>
-        <p:style>
-          <a:lnRef idx="2">
-            <a:schemeClr val="accent1">
-              <a:shade val="50000"/>
-            </a:schemeClr>
-          </a:lnRef>
-          <a:fillRef idx="1">
-            <a:schemeClr val="accent1"/>
-          </a:fillRef>
-          <a:effectRef idx="0">
-            <a:schemeClr val="accent1"/>
-          </a:effectRef>
-          <a:fontRef idx="minor">
-            <a:schemeClr val="lt1"/>
-          </a:fontRef>
-        </p:style>
-        <p:txBody>
-          <a:bodyPr rtlCol="0" anchor="ctr"/>
-          <a:lstStyle/>
-          <a:p>
-            <a:pPr algn="ctr"/>
-            <a:r>
-              <a:rPr lang="en-GB" sz="2000" dirty="0">
-                <a:solidFill>
-                  <a:sysClr val="windowText" lastClr="000000"/>
-                </a:solidFill>
-              </a:rPr>
-              <a:t>To get a ticket (current page)</a:t>
-            </a:r>
-          </a:p>
-        </p:txBody>
-      </p:sp>
-      <p:cxnSp>
-        <p:nvCxnSpPr>
-          <p:cNvPr id="21" name="Straight Arrow Connector 20">
-            <a:extLst>
-              <a:ext uri="{FF2B5EF4-FFF2-40B4-BE49-F238E27FC236}">
-                <a16:creationId xmlns:a16="http://schemas.microsoft.com/office/drawing/2014/main" id="{C226148A-F9B2-472E-BE0E-B672A27DE3D3}"/>
-              </a:ext>
-            </a:extLst>
-          </p:cNvPr>
-          <p:cNvCxnSpPr>
-            <a:cxnSpLocks/>
-          </p:cNvCxnSpPr>
-          <p:nvPr/>
-        </p:nvCxnSpPr>
-        <p:spPr>
-          <a:xfrm>
-            <a:off x="5331772" y="2914399"/>
-            <a:ext cx="434600" cy="496619"/>
-          </a:xfrm>
-          <a:prstGeom prst="straightConnector1">
-            <a:avLst/>
-          </a:prstGeom>
-          <a:ln>
-            <a:solidFill>
-              <a:srgbClr val="E48312"/>
-            </a:solidFill>
-            <a:tailEnd type="triangle"/>
-          </a:ln>
-        </p:spPr>
-        <p:style>
-          <a:lnRef idx="1">
-            <a:schemeClr val="accent1"/>
-          </a:lnRef>
-          <a:fillRef idx="0">
-            <a:schemeClr val="accent1"/>
-          </a:fillRef>
-          <a:effectRef idx="0">
-            <a:schemeClr val="accent1"/>
-          </a:effectRef>
-          <a:fontRef idx="minor">
-            <a:schemeClr val="tx1"/>
-          </a:fontRef>
-        </p:style>
-      </p:cxnSp>
+              <a:t>We chose to have 7 services</a:t>
+            </a:r>
+          </a:p>
+        </p:txBody>
+      </p:sp>
     </p:spTree>
     <p:extLst>
       <p:ext uri="{BB962C8B-B14F-4D97-AF65-F5344CB8AC3E}">
-        <p14:creationId xmlns:p14="http://schemas.microsoft.com/office/powerpoint/2010/main" val="2332484343"/>
+        <p14:creationId xmlns:p14="http://schemas.microsoft.com/office/powerpoint/2010/main" val="3924243675"/>
       </p:ext>
     </p:extLst>
   </p:cSld>
@@ -6154,7 +6086,12 @@
             <p:ph type="title"/>
           </p:nvPr>
         </p:nvSpPr>
-        <p:spPr/>
+        <p:spPr>
+          <a:xfrm>
+            <a:off x="1097280" y="286603"/>
+            <a:ext cx="10058400" cy="1418372"/>
+          </a:xfrm>
+        </p:spPr>
         <p:txBody>
           <a:bodyPr/>
           <a:lstStyle/>
@@ -6165,7 +6102,7 @@
                   <a:srgbClr val="BD582C"/>
                 </a:solidFill>
               </a:rPr>
-              <a:t>Ticket </a:t>
+              <a:t>Ticket selected </a:t>
             </a:r>
             <a:endParaRPr lang="it-IT" dirty="0"/>
           </a:p>
@@ -6173,39 +6110,10 @@
       </p:sp>
       <p:pic>
         <p:nvPicPr>
-          <p:cNvPr id="7" name="Segnaposto contenuto 6">
+          <p:cNvPr id="4" name="Immagine 3">
             <a:extLst>
               <a:ext uri="{FF2B5EF4-FFF2-40B4-BE49-F238E27FC236}">
-                <a16:creationId xmlns:a16="http://schemas.microsoft.com/office/drawing/2014/main" id="{DEB542C7-726B-43FA-BC8D-60B6F7312B52}"/>
-              </a:ext>
-            </a:extLst>
-          </p:cNvPr>
-          <p:cNvPicPr>
-            <a:picLocks noGrp="1" noChangeAspect="1"/>
-          </p:cNvPicPr>
-          <p:nvPr>
-            <p:ph idx="1"/>
-          </p:nvPr>
-        </p:nvPicPr>
-        <p:blipFill>
-          <a:blip r:embed="rId2"/>
-          <a:stretch>
-            <a:fillRect/>
-          </a:stretch>
-        </p:blipFill>
-        <p:spPr>
-          <a:xfrm>
-            <a:off x="1734004" y="1846263"/>
-            <a:ext cx="8784317" cy="4022725"/>
-          </a:xfrm>
-        </p:spPr>
-      </p:pic>
-      <p:pic>
-        <p:nvPicPr>
-          <p:cNvPr id="5" name="Immagine 4">
-            <a:extLst>
-              <a:ext uri="{FF2B5EF4-FFF2-40B4-BE49-F238E27FC236}">
-                <a16:creationId xmlns:a16="http://schemas.microsoft.com/office/drawing/2014/main" id="{964C3139-A762-42E4-8DA1-A1B2C30BCC0B}"/>
+                <a16:creationId xmlns:a16="http://schemas.microsoft.com/office/drawing/2014/main" id="{0A6E77B3-244C-476B-A88F-0451957FC2FB}"/>
               </a:ext>
             </a:extLst>
           </p:cNvPr>
@@ -6215,15 +6123,15 @@
           <p:nvPr/>
         </p:nvPicPr>
         <p:blipFill>
-          <a:blip r:embed="rId3"/>
+          <a:blip r:embed="rId2"/>
           <a:stretch>
             <a:fillRect/>
           </a:stretch>
         </p:blipFill>
         <p:spPr>
           <a:xfrm>
-            <a:off x="1010408" y="1902364"/>
-            <a:ext cx="9858653" cy="4199186"/>
+            <a:off x="1272630" y="1872810"/>
+            <a:ext cx="7837170" cy="4228968"/>
           </a:xfrm>
           <a:prstGeom prst="rect">
             <a:avLst/>
@@ -6232,10 +6140,10 @@
       </p:pic>
       <p:sp>
         <p:nvSpPr>
-          <p:cNvPr id="8" name="Rectangle: Rounded Corners 19">
+          <p:cNvPr id="5" name="Rectangle: Rounded Corners 19">
             <a:extLst>
               <a:ext uri="{FF2B5EF4-FFF2-40B4-BE49-F238E27FC236}">
-                <a16:creationId xmlns:a16="http://schemas.microsoft.com/office/drawing/2014/main" id="{0FDB200B-B268-4038-85AA-474B541F3360}"/>
+                <a16:creationId xmlns:a16="http://schemas.microsoft.com/office/drawing/2014/main" id="{38BDA87D-2A13-4C5D-8DDE-FFA1E1ABEE3B}"/>
               </a:ext>
             </a:extLst>
           </p:cNvPr>
@@ -6244,8 +6152,8 @@
         </p:nvSpPr>
         <p:spPr>
           <a:xfrm>
-            <a:off x="9633185" y="4955636"/>
-            <a:ext cx="2166136" cy="801384"/>
+            <a:off x="9644055" y="2294628"/>
+            <a:ext cx="2304789" cy="880081"/>
           </a:xfrm>
           <a:prstGeom prst="roundRect">
             <a:avLst/>
@@ -6286,37 +6194,37 @@
                   <a:sysClr val="windowText" lastClr="000000"/>
                 </a:solidFill>
               </a:rPr>
-              <a:t>Get a ticket for that service type</a:t>
+              <a:t>After the selection of one story</a:t>
             </a:r>
           </a:p>
         </p:txBody>
       </p:sp>
       <p:cxnSp>
         <p:nvCxnSpPr>
-          <p:cNvPr id="15" name="Connettore a gomito 14">
+          <p:cNvPr id="6" name="Straight Arrow Connector 5">
             <a:extLst>
               <a:ext uri="{FF2B5EF4-FFF2-40B4-BE49-F238E27FC236}">
-                <a16:creationId xmlns:a16="http://schemas.microsoft.com/office/drawing/2014/main" id="{6DE76749-4A32-44D8-8918-AC768A709FBB}"/>
+                <a16:creationId xmlns:a16="http://schemas.microsoft.com/office/drawing/2014/main" id="{A6038735-20F1-48F7-90C1-253DAAA7609E}"/>
               </a:ext>
             </a:extLst>
           </p:cNvPr>
           <p:cNvCxnSpPr>
             <a:cxnSpLocks/>
-            <a:stCxn id="8" idx="0"/>
           </p:cNvCxnSpPr>
           <p:nvPr/>
         </p:nvCxnSpPr>
         <p:spPr>
-          <a:xfrm rot="16200000" flipV="1">
-            <a:off x="9170594" y="3409977"/>
-            <a:ext cx="2008250" cy="1083068"/>
-          </a:xfrm>
-          <a:prstGeom prst="bentConnector3">
-            <a:avLst>
-              <a:gd name="adj1" fmla="val 99953"/>
-            </a:avLst>
+          <a:xfrm flipH="1">
+            <a:off x="8856324" y="2695321"/>
+            <a:ext cx="787732" cy="0"/>
+          </a:xfrm>
+          <a:prstGeom prst="straightConnector1">
+            <a:avLst/>
           </a:prstGeom>
           <a:ln>
+            <a:solidFill>
+              <a:srgbClr val="E48312"/>
+            </a:solidFill>
             <a:tailEnd type="triangle"/>
           </a:ln>
         </p:spPr>
@@ -6335,125 +6243,10 @@
           </a:fontRef>
         </p:style>
       </p:cxnSp>
-      <p:sp>
-        <p:nvSpPr>
-          <p:cNvPr id="3" name="Rettangolo 2">
-            <a:extLst>
-              <a:ext uri="{FF2B5EF4-FFF2-40B4-BE49-F238E27FC236}">
-                <a16:creationId xmlns:a16="http://schemas.microsoft.com/office/drawing/2014/main" id="{DA998134-5F75-4198-BA06-7CE52827E18B}"/>
-              </a:ext>
-            </a:extLst>
-          </p:cNvPr>
-          <p:cNvSpPr/>
-          <p:nvPr/>
-        </p:nvSpPr>
-        <p:spPr>
-          <a:xfrm>
-            <a:off x="2698812" y="2574524"/>
-            <a:ext cx="1225118" cy="221942"/>
-          </a:xfrm>
-          <a:prstGeom prst="rect">
-            <a:avLst/>
-          </a:prstGeom>
-          <a:solidFill>
-            <a:schemeClr val="bg1"/>
-          </a:solidFill>
-          <a:ln>
-            <a:solidFill>
-              <a:schemeClr val="bg1"/>
-            </a:solidFill>
-          </a:ln>
-        </p:spPr>
-        <p:style>
-          <a:lnRef idx="2">
-            <a:schemeClr val="accent1">
-              <a:shade val="50000"/>
-            </a:schemeClr>
-          </a:lnRef>
-          <a:fillRef idx="1">
-            <a:schemeClr val="accent1"/>
-          </a:fillRef>
-          <a:effectRef idx="0">
-            <a:schemeClr val="accent1"/>
-          </a:effectRef>
-          <a:fontRef idx="minor">
-            <a:schemeClr val="lt1"/>
-          </a:fontRef>
-        </p:style>
-        <p:txBody>
-          <a:bodyPr rtlCol="0" anchor="ctr"/>
-          <a:lstStyle/>
-          <a:p>
-            <a:pPr algn="ctr"/>
-            <a:endParaRPr lang="it-IT"/>
-          </a:p>
-        </p:txBody>
-      </p:sp>
-      <p:sp>
-        <p:nvSpPr>
-          <p:cNvPr id="9" name="Rectangle: Rounded Corners 19">
-            <a:extLst>
-              <a:ext uri="{FF2B5EF4-FFF2-40B4-BE49-F238E27FC236}">
-                <a16:creationId xmlns:a16="http://schemas.microsoft.com/office/drawing/2014/main" id="{2346D110-4593-410F-BE7C-172F0DB37440}"/>
-              </a:ext>
-            </a:extLst>
-          </p:cNvPr>
-          <p:cNvSpPr/>
-          <p:nvPr/>
-        </p:nvSpPr>
-        <p:spPr>
-          <a:xfrm>
-            <a:off x="8537825" y="508641"/>
-            <a:ext cx="2556895" cy="871212"/>
-          </a:xfrm>
-          <a:prstGeom prst="roundRect">
-            <a:avLst/>
-          </a:prstGeom>
-          <a:solidFill>
-            <a:srgbClr val="FFFFFF"/>
-          </a:solidFill>
-          <a:ln>
-            <a:solidFill>
-              <a:schemeClr val="accent1"/>
-            </a:solidFill>
-          </a:ln>
-        </p:spPr>
-        <p:style>
-          <a:lnRef idx="2">
-            <a:schemeClr val="accent1">
-              <a:shade val="50000"/>
-            </a:schemeClr>
-          </a:lnRef>
-          <a:fillRef idx="1">
-            <a:schemeClr val="accent1"/>
-          </a:fillRef>
-          <a:effectRef idx="0">
-            <a:schemeClr val="accent1"/>
-          </a:effectRef>
-          <a:fontRef idx="minor">
-            <a:schemeClr val="lt1"/>
-          </a:fontRef>
-        </p:style>
-        <p:txBody>
-          <a:bodyPr rtlCol="0" anchor="ctr"/>
-          <a:lstStyle/>
-          <a:p>
-            <a:pPr algn="ctr"/>
-            <a:r>
-              <a:rPr lang="en-GB" sz="2400" dirty="0">
-                <a:solidFill>
-                  <a:srgbClr val="BD582C"/>
-                </a:solidFill>
-              </a:rPr>
-              <a:t>We chose to have 7 services</a:t>
-            </a:r>
-          </a:p>
-        </p:txBody>
-      </p:sp>
     </p:spTree>
     <p:extLst>
       <p:ext uri="{BB962C8B-B14F-4D97-AF65-F5344CB8AC3E}">
-        <p14:creationId xmlns:p14="http://schemas.microsoft.com/office/powerpoint/2010/main" val="3924243675"/>
+        <p14:creationId xmlns:p14="http://schemas.microsoft.com/office/powerpoint/2010/main" val="2202928162"/>
       </p:ext>
     </p:extLst>
   </p:cSld>
@@ -6482,10 +6275,10 @@
       </p:grpSpPr>
       <p:sp>
         <p:nvSpPr>
-          <p:cNvPr id="2" name="Titolo 1">
+          <p:cNvPr id="2" name="Titre 1">
             <a:extLst>
               <a:ext uri="{FF2B5EF4-FFF2-40B4-BE49-F238E27FC236}">
-                <a16:creationId xmlns:a16="http://schemas.microsoft.com/office/drawing/2014/main" id="{41E9B62B-B983-41B8-9FA2-D97B8B62FC55}"/>
+                <a16:creationId xmlns:a16="http://schemas.microsoft.com/office/drawing/2014/main" id="{7BBA3497-EFC3-4064-9E14-1C8FB32354C4}"/>
               </a:ext>
             </a:extLst>
           </p:cNvPr>
@@ -6496,12 +6289,7 @@
             <p:ph type="title"/>
           </p:nvPr>
         </p:nvSpPr>
-        <p:spPr>
-          <a:xfrm>
-            <a:off x="1097280" y="286603"/>
-            <a:ext cx="10058400" cy="1418372"/>
-          </a:xfrm>
-        </p:spPr>
+        <p:spPr/>
         <p:txBody>
           <a:bodyPr/>
           <a:lstStyle/>
@@ -6512,9 +6300,175 @@
                   <a:srgbClr val="BD582C"/>
                 </a:solidFill>
               </a:rPr>
-              <a:t>Ticket selected </a:t>
-            </a:r>
-            <a:endParaRPr lang="it-IT" dirty="0"/>
+              <a:t>Board</a:t>
+            </a:r>
+            <a:endParaRPr lang="en-GB" dirty="0"/>
+          </a:p>
+        </p:txBody>
+      </p:sp>
+      <p:cxnSp>
+        <p:nvCxnSpPr>
+          <p:cNvPr id="7" name="Straight Arrow Connector 6">
+            <a:extLst>
+              <a:ext uri="{FF2B5EF4-FFF2-40B4-BE49-F238E27FC236}">
+                <a16:creationId xmlns:a16="http://schemas.microsoft.com/office/drawing/2014/main" id="{9C65229F-736A-4510-82DE-EF67CBE8C7BC}"/>
+              </a:ext>
+            </a:extLst>
+          </p:cNvPr>
+          <p:cNvCxnSpPr>
+            <a:cxnSpLocks/>
+          </p:cNvCxnSpPr>
+          <p:nvPr/>
+        </p:nvCxnSpPr>
+        <p:spPr>
+          <a:xfrm flipV="1">
+            <a:off x="2681556" y="4232953"/>
+            <a:ext cx="308224" cy="1047965"/>
+          </a:xfrm>
+          <a:prstGeom prst="straightConnector1">
+            <a:avLst/>
+          </a:prstGeom>
+          <a:ln>
+            <a:solidFill>
+              <a:srgbClr val="E48312"/>
+            </a:solidFill>
+            <a:tailEnd type="triangle"/>
+          </a:ln>
+        </p:spPr>
+        <p:style>
+          <a:lnRef idx="1">
+            <a:schemeClr val="accent1"/>
+          </a:lnRef>
+          <a:fillRef idx="0">
+            <a:schemeClr val="accent1"/>
+          </a:fillRef>
+          <a:effectRef idx="0">
+            <a:schemeClr val="accent1"/>
+          </a:effectRef>
+          <a:fontRef idx="minor">
+            <a:schemeClr val="tx1"/>
+          </a:fontRef>
+        </p:style>
+      </p:cxnSp>
+      <p:sp>
+        <p:nvSpPr>
+          <p:cNvPr id="10" name="Rectangle: Rounded Corners 9">
+            <a:extLst>
+              <a:ext uri="{FF2B5EF4-FFF2-40B4-BE49-F238E27FC236}">
+                <a16:creationId xmlns:a16="http://schemas.microsoft.com/office/drawing/2014/main" id="{D3191408-5736-4059-8297-A0C9439D1450}"/>
+              </a:ext>
+            </a:extLst>
+          </p:cNvPr>
+          <p:cNvSpPr/>
+          <p:nvPr/>
+        </p:nvSpPr>
+        <p:spPr>
+          <a:xfrm>
+            <a:off x="1505165" y="5034336"/>
+            <a:ext cx="2352782" cy="1047965"/>
+          </a:xfrm>
+          <a:prstGeom prst="roundRect">
+            <a:avLst/>
+          </a:prstGeom>
+          <a:solidFill>
+            <a:srgbClr val="FFFFFF"/>
+          </a:solidFill>
+          <a:ln>
+            <a:solidFill>
+              <a:schemeClr val="accent1"/>
+            </a:solidFill>
+          </a:ln>
+        </p:spPr>
+        <p:style>
+          <a:lnRef idx="2">
+            <a:schemeClr val="accent1">
+              <a:shade val="50000"/>
+            </a:schemeClr>
+          </a:lnRef>
+          <a:fillRef idx="1">
+            <a:schemeClr val="accent1"/>
+          </a:fillRef>
+          <a:effectRef idx="0">
+            <a:schemeClr val="accent1"/>
+          </a:effectRef>
+          <a:fontRef idx="minor">
+            <a:schemeClr val="lt1"/>
+          </a:fontRef>
+        </p:style>
+        <p:txBody>
+          <a:bodyPr rtlCol="0" anchor="ctr"/>
+          <a:lstStyle/>
+          <a:p>
+            <a:pPr algn="ctr"/>
+            <a:r>
+              <a:rPr lang="en-GB" sz="2000" dirty="0">
+                <a:solidFill>
+                  <a:sysClr val="windowText" lastClr="000000"/>
+                </a:solidFill>
+              </a:rPr>
+              <a:t>Ticket being served currently</a:t>
+            </a:r>
+          </a:p>
+        </p:txBody>
+      </p:sp>
+      <p:sp>
+        <p:nvSpPr>
+          <p:cNvPr id="12" name="Rectangle: Rounded Corners 11">
+            <a:extLst>
+              <a:ext uri="{FF2B5EF4-FFF2-40B4-BE49-F238E27FC236}">
+                <a16:creationId xmlns:a16="http://schemas.microsoft.com/office/drawing/2014/main" id="{785CFA20-28D1-4395-9DEB-62093EF93BB5}"/>
+              </a:ext>
+            </a:extLst>
+          </p:cNvPr>
+          <p:cNvSpPr/>
+          <p:nvPr/>
+        </p:nvSpPr>
+        <p:spPr>
+          <a:xfrm>
+            <a:off x="7908020" y="4711485"/>
+            <a:ext cx="3547666" cy="1179346"/>
+          </a:xfrm>
+          <a:prstGeom prst="roundRect">
+            <a:avLst/>
+          </a:prstGeom>
+          <a:solidFill>
+            <a:srgbClr val="FFFFFF"/>
+          </a:solidFill>
+          <a:ln>
+            <a:solidFill>
+              <a:schemeClr val="accent1"/>
+            </a:solidFill>
+          </a:ln>
+        </p:spPr>
+        <p:style>
+          <a:lnRef idx="2">
+            <a:schemeClr val="accent1">
+              <a:shade val="50000"/>
+            </a:schemeClr>
+          </a:lnRef>
+          <a:fillRef idx="1">
+            <a:schemeClr val="accent1"/>
+          </a:fillRef>
+          <a:effectRef idx="0">
+            <a:schemeClr val="accent1"/>
+          </a:effectRef>
+          <a:fontRef idx="minor">
+            <a:schemeClr val="lt1"/>
+          </a:fontRef>
+        </p:style>
+        <p:txBody>
+          <a:bodyPr rtlCol="0" anchor="ctr"/>
+          <a:lstStyle/>
+          <a:p>
+            <a:pPr algn="ctr"/>
+            <a:r>
+              <a:rPr lang="en-GB" sz="2400" dirty="0">
+                <a:solidFill>
+                  <a:srgbClr val="BD582C"/>
+                </a:solidFill>
+              </a:rPr>
+              <a:t>Anyone can access to that page without login</a:t>
+            </a:r>
           </a:p>
         </p:txBody>
       </p:sp>
@@ -6523,7 +6477,7 @@
           <p:cNvPr id="4" name="Immagine 3">
             <a:extLst>
               <a:ext uri="{FF2B5EF4-FFF2-40B4-BE49-F238E27FC236}">
-                <a16:creationId xmlns:a16="http://schemas.microsoft.com/office/drawing/2014/main" id="{0A6E77B3-244C-476B-A88F-0451957FC2FB}"/>
+                <a16:creationId xmlns:a16="http://schemas.microsoft.com/office/drawing/2014/main" id="{77203EA3-CA8E-4F2E-9A10-6CD9A0D02BA1}"/>
               </a:ext>
             </a:extLst>
           </p:cNvPr>
@@ -6540,123 +6494,72 @@
         </p:blipFill>
         <p:spPr>
           <a:xfrm>
-            <a:off x="1272630" y="1872810"/>
-            <a:ext cx="7837170" cy="4228968"/>
+            <a:off x="777490" y="2339051"/>
+            <a:ext cx="10678196" cy="1725072"/>
           </a:xfrm>
           <a:prstGeom prst="rect">
             <a:avLst/>
           </a:prstGeom>
-        </p:spPr>
+          <a:ln/>
+        </p:spPr>
+        <p:style>
+          <a:lnRef idx="2">
+            <a:schemeClr val="accent1"/>
+          </a:lnRef>
+          <a:fillRef idx="1">
+            <a:schemeClr val="lt1"/>
+          </a:fillRef>
+          <a:effectRef idx="0">
+            <a:schemeClr val="accent1"/>
+          </a:effectRef>
+          <a:fontRef idx="minor">
+            <a:schemeClr val="dk1"/>
+          </a:fontRef>
+        </p:style>
       </p:pic>
       <p:sp>
         <p:nvSpPr>
-          <p:cNvPr id="5" name="Rectangle: Rounded Corners 19">
+          <p:cNvPr id="3" name="CasellaDiTesto 2">
             <a:extLst>
               <a:ext uri="{FF2B5EF4-FFF2-40B4-BE49-F238E27FC236}">
-                <a16:creationId xmlns:a16="http://schemas.microsoft.com/office/drawing/2014/main" id="{38BDA87D-2A13-4C5D-8DDE-FFA1E1ABEE3B}"/>
+                <a16:creationId xmlns:a16="http://schemas.microsoft.com/office/drawing/2014/main" id="{082B075C-D0F0-47E9-B30E-4BC18471C22F}"/>
               </a:ext>
             </a:extLst>
           </p:cNvPr>
-          <p:cNvSpPr/>
+          <p:cNvSpPr txBox="1"/>
           <p:nvPr/>
         </p:nvSpPr>
         <p:spPr>
           <a:xfrm>
-            <a:off x="9644055" y="2294628"/>
-            <a:ext cx="2304789" cy="880081"/>
-          </a:xfrm>
-          <a:prstGeom prst="roundRect">
+            <a:off x="9172730" y="3108356"/>
+            <a:ext cx="1162974" cy="400110"/>
+          </a:xfrm>
+          <a:prstGeom prst="rect">
             <a:avLst/>
           </a:prstGeom>
           <a:solidFill>
-            <a:srgbClr val="FFFFFF"/>
+            <a:schemeClr val="bg1"/>
           </a:solidFill>
-          <a:ln>
-            <a:solidFill>
-              <a:schemeClr val="accent1"/>
-            </a:solidFill>
-          </a:ln>
-        </p:spPr>
-        <p:style>
-          <a:lnRef idx="2">
-            <a:schemeClr val="accent1">
-              <a:shade val="50000"/>
-            </a:schemeClr>
-          </a:lnRef>
-          <a:fillRef idx="1">
-            <a:schemeClr val="accent1"/>
-          </a:fillRef>
-          <a:effectRef idx="0">
-            <a:schemeClr val="accent1"/>
-          </a:effectRef>
-          <a:fontRef idx="minor">
-            <a:schemeClr val="lt1"/>
-          </a:fontRef>
-        </p:style>
-        <p:txBody>
-          <a:bodyPr rtlCol="0" anchor="ctr"/>
-          <a:lstStyle/>
-          <a:p>
-            <a:pPr algn="ctr"/>
-            <a:r>
-              <a:rPr lang="en-GB" sz="2000" dirty="0">
-                <a:solidFill>
-                  <a:sysClr val="windowText" lastClr="000000"/>
-                </a:solidFill>
+        </p:spPr>
+        <p:txBody>
+          <a:bodyPr wrap="square" rtlCol="0">
+            <a:spAutoFit/>
+          </a:bodyPr>
+          <a:lstStyle/>
+          <a:p>
+            <a:r>
+              <a:rPr lang="it-IT" sz="2000" b="1" dirty="0">
+                <a:latin typeface="Inter"/>
               </a:rPr>
-              <a:t>After the selection of one story</a:t>
-            </a:r>
-          </a:p>
-        </p:txBody>
-      </p:sp>
-      <p:cxnSp>
-        <p:nvCxnSpPr>
-          <p:cNvPr id="6" name="Straight Arrow Connector 5">
-            <a:extLst>
-              <a:ext uri="{FF2B5EF4-FFF2-40B4-BE49-F238E27FC236}">
-                <a16:creationId xmlns:a16="http://schemas.microsoft.com/office/drawing/2014/main" id="{A6038735-20F1-48F7-90C1-253DAAA7609E}"/>
-              </a:ext>
-            </a:extLst>
-          </p:cNvPr>
-          <p:cNvCxnSpPr>
-            <a:cxnSpLocks/>
-          </p:cNvCxnSpPr>
-          <p:nvPr/>
-        </p:nvCxnSpPr>
-        <p:spPr>
-          <a:xfrm flipH="1">
-            <a:off x="8856324" y="2695321"/>
-            <a:ext cx="787732" cy="0"/>
-          </a:xfrm>
-          <a:prstGeom prst="straightConnector1">
-            <a:avLst/>
-          </a:prstGeom>
-          <a:ln>
-            <a:solidFill>
-              <a:srgbClr val="E48312"/>
-            </a:solidFill>
-            <a:tailEnd type="triangle"/>
-          </a:ln>
-        </p:spPr>
-        <p:style>
-          <a:lnRef idx="1">
-            <a:schemeClr val="accent1"/>
-          </a:lnRef>
-          <a:fillRef idx="0">
-            <a:schemeClr val="accent1"/>
-          </a:fillRef>
-          <a:effectRef idx="0">
-            <a:schemeClr val="accent1"/>
-          </a:effectRef>
-          <a:fontRef idx="minor">
-            <a:schemeClr val="tx1"/>
-          </a:fontRef>
-        </p:style>
-      </p:cxnSp>
+              <a:t>Counter:</a:t>
+            </a:r>
+          </a:p>
+        </p:txBody>
+      </p:sp>
     </p:spTree>
     <p:extLst>
       <p:ext uri="{BB962C8B-B14F-4D97-AF65-F5344CB8AC3E}">
-        <p14:creationId xmlns:p14="http://schemas.microsoft.com/office/powerpoint/2010/main" val="2202928162"/>
+        <p14:creationId xmlns:p14="http://schemas.microsoft.com/office/powerpoint/2010/main" val="2994410576"/>
       </p:ext>
     </p:extLst>
   </p:cSld>
@@ -6710,62 +6613,18 @@
                   <a:srgbClr val="BD582C"/>
                 </a:solidFill>
               </a:rPr>
-              <a:t>Board</a:t>
+              <a:t>Client waiting board</a:t>
             </a:r>
             <a:endParaRPr lang="en-GB" dirty="0"/>
           </a:p>
         </p:txBody>
       </p:sp>
-      <p:cxnSp>
-        <p:nvCxnSpPr>
-          <p:cNvPr id="7" name="Straight Arrow Connector 6">
+      <p:sp>
+        <p:nvSpPr>
+          <p:cNvPr id="7" name="Rectangle: Rounded Corners 6">
             <a:extLst>
               <a:ext uri="{FF2B5EF4-FFF2-40B4-BE49-F238E27FC236}">
-                <a16:creationId xmlns:a16="http://schemas.microsoft.com/office/drawing/2014/main" id="{9C65229F-736A-4510-82DE-EF67CBE8C7BC}"/>
-              </a:ext>
-            </a:extLst>
-          </p:cNvPr>
-          <p:cNvCxnSpPr>
-            <a:cxnSpLocks/>
-          </p:cNvCxnSpPr>
-          <p:nvPr/>
-        </p:nvCxnSpPr>
-        <p:spPr>
-          <a:xfrm flipV="1">
-            <a:off x="2681556" y="4232953"/>
-            <a:ext cx="308224" cy="1047965"/>
-          </a:xfrm>
-          <a:prstGeom prst="straightConnector1">
-            <a:avLst/>
-          </a:prstGeom>
-          <a:ln>
-            <a:solidFill>
-              <a:srgbClr val="E48312"/>
-            </a:solidFill>
-            <a:tailEnd type="triangle"/>
-          </a:ln>
-        </p:spPr>
-        <p:style>
-          <a:lnRef idx="1">
-            <a:schemeClr val="accent1"/>
-          </a:lnRef>
-          <a:fillRef idx="0">
-            <a:schemeClr val="accent1"/>
-          </a:fillRef>
-          <a:effectRef idx="0">
-            <a:schemeClr val="accent1"/>
-          </a:effectRef>
-          <a:fontRef idx="minor">
-            <a:schemeClr val="tx1"/>
-          </a:fontRef>
-        </p:style>
-      </p:cxnSp>
-      <p:sp>
-        <p:nvSpPr>
-          <p:cNvPr id="10" name="Rectangle: Rounded Corners 9">
-            <a:extLst>
-              <a:ext uri="{FF2B5EF4-FFF2-40B4-BE49-F238E27FC236}">
-                <a16:creationId xmlns:a16="http://schemas.microsoft.com/office/drawing/2014/main" id="{D3191408-5736-4059-8297-A0C9439D1450}"/>
+                <a16:creationId xmlns:a16="http://schemas.microsoft.com/office/drawing/2014/main" id="{20852C87-A218-4973-BA7B-8CEEE9A7C742}"/>
               </a:ext>
             </a:extLst>
           </p:cNvPr>
@@ -6774,8 +6633,8 @@
         </p:nvSpPr>
         <p:spPr>
           <a:xfrm>
-            <a:off x="1505165" y="5034336"/>
-            <a:ext cx="2352782" cy="1047965"/>
+            <a:off x="5515557" y="1980531"/>
+            <a:ext cx="2676007" cy="850096"/>
           </a:xfrm>
           <a:prstGeom prst="roundRect">
             <a:avLst/>
@@ -6816,85 +6675,26 @@
                   <a:sysClr val="windowText" lastClr="000000"/>
                 </a:solidFill>
               </a:rPr>
-              <a:t>Ticket being served currently</a:t>
-            </a:r>
-          </a:p>
-        </p:txBody>
-      </p:sp>
-      <p:sp>
-        <p:nvSpPr>
-          <p:cNvPr id="12" name="Rectangle: Rounded Corners 11">
+              <a:t>The service he is waiting for</a:t>
+            </a:r>
+          </a:p>
+        </p:txBody>
+      </p:sp>
+      <p:pic>
+        <p:nvPicPr>
+          <p:cNvPr id="8" name="Segnaposto contenuto 4">
             <a:extLst>
               <a:ext uri="{FF2B5EF4-FFF2-40B4-BE49-F238E27FC236}">
-                <a16:creationId xmlns:a16="http://schemas.microsoft.com/office/drawing/2014/main" id="{785CFA20-28D1-4395-9DEB-62093EF93BB5}"/>
-              </a:ext>
-            </a:extLst>
-          </p:cNvPr>
-          <p:cNvSpPr/>
-          <p:nvPr/>
-        </p:nvSpPr>
-        <p:spPr>
-          <a:xfrm>
-            <a:off x="7908020" y="4711485"/>
-            <a:ext cx="3547666" cy="1179346"/>
-          </a:xfrm>
-          <a:prstGeom prst="roundRect">
-            <a:avLst/>
-          </a:prstGeom>
-          <a:solidFill>
-            <a:srgbClr val="FFFFFF"/>
-          </a:solidFill>
-          <a:ln>
-            <a:solidFill>
-              <a:schemeClr val="accent1"/>
-            </a:solidFill>
-          </a:ln>
-        </p:spPr>
-        <p:style>
-          <a:lnRef idx="2">
-            <a:schemeClr val="accent1">
-              <a:shade val="50000"/>
-            </a:schemeClr>
-          </a:lnRef>
-          <a:fillRef idx="1">
-            <a:schemeClr val="accent1"/>
-          </a:fillRef>
-          <a:effectRef idx="0">
-            <a:schemeClr val="accent1"/>
-          </a:effectRef>
-          <a:fontRef idx="minor">
-            <a:schemeClr val="lt1"/>
-          </a:fontRef>
-        </p:style>
-        <p:txBody>
-          <a:bodyPr rtlCol="0" anchor="ctr"/>
-          <a:lstStyle/>
-          <a:p>
-            <a:pPr algn="ctr"/>
-            <a:r>
-              <a:rPr lang="en-GB" sz="2400" dirty="0">
-                <a:solidFill>
-                  <a:srgbClr val="BD582C"/>
-                </a:solidFill>
-              </a:rPr>
-              <a:t>Anyone can access to that page without login</a:t>
-            </a:r>
-          </a:p>
-        </p:txBody>
-      </p:sp>
-      <p:pic>
-        <p:nvPicPr>
-          <p:cNvPr id="4" name="Immagine 3">
-            <a:extLst>
-              <a:ext uri="{FF2B5EF4-FFF2-40B4-BE49-F238E27FC236}">
-                <a16:creationId xmlns:a16="http://schemas.microsoft.com/office/drawing/2014/main" id="{77203EA3-CA8E-4F2E-9A10-6CD9A0D02BA1}"/>
+                <a16:creationId xmlns:a16="http://schemas.microsoft.com/office/drawing/2014/main" id="{282A6990-B902-4B2F-8A17-3FEFBA769457}"/>
               </a:ext>
             </a:extLst>
           </p:cNvPr>
           <p:cNvPicPr>
-            <a:picLocks noChangeAspect="1"/>
+            <a:picLocks noGrp="1" noChangeAspect="1"/>
           </p:cNvPicPr>
-          <p:nvPr/>
+          <p:nvPr>
+            <p:ph idx="1"/>
+          </p:nvPr>
         </p:nvPicPr>
         <p:blipFill>
           <a:blip r:embed="rId2"/>
@@ -6904,35 +6704,58 @@
         </p:blipFill>
         <p:spPr>
           <a:xfrm>
-            <a:off x="777490" y="2339051"/>
-            <a:ext cx="10678196" cy="1725072"/>
-          </a:xfrm>
-          <a:prstGeom prst="rect">
+            <a:off x="2586363" y="3045041"/>
+            <a:ext cx="7878862" cy="2395386"/>
+          </a:xfrm>
+        </p:spPr>
+      </p:pic>
+      <p:cxnSp>
+        <p:nvCxnSpPr>
+          <p:cNvPr id="10" name="Connettore 2 9">
+            <a:extLst>
+              <a:ext uri="{FF2B5EF4-FFF2-40B4-BE49-F238E27FC236}">
+                <a16:creationId xmlns:a16="http://schemas.microsoft.com/office/drawing/2014/main" id="{62AB498A-4E90-4C88-9571-8C938A63D5E1}"/>
+              </a:ext>
+            </a:extLst>
+          </p:cNvPr>
+          <p:cNvCxnSpPr>
+            <a:cxnSpLocks/>
+          </p:cNvCxnSpPr>
+          <p:nvPr/>
+        </p:nvCxnSpPr>
+        <p:spPr>
+          <a:xfrm>
+            <a:off x="6833710" y="2830627"/>
+            <a:ext cx="0" cy="801384"/>
+          </a:xfrm>
+          <a:prstGeom prst="straightConnector1">
             <a:avLst/>
           </a:prstGeom>
-          <a:ln/>
+          <a:ln>
+            <a:tailEnd type="triangle"/>
+          </a:ln>
         </p:spPr>
         <p:style>
-          <a:lnRef idx="2">
+          <a:lnRef idx="1">
             <a:schemeClr val="accent1"/>
           </a:lnRef>
-          <a:fillRef idx="1">
-            <a:schemeClr val="lt1"/>
+          <a:fillRef idx="0">
+            <a:schemeClr val="accent1"/>
           </a:fillRef>
           <a:effectRef idx="0">
             <a:schemeClr val="accent1"/>
           </a:effectRef>
           <a:fontRef idx="minor">
-            <a:schemeClr val="dk1"/>
+            <a:schemeClr val="tx1"/>
           </a:fontRef>
         </p:style>
-      </p:pic>
-      <p:sp>
-        <p:nvSpPr>
-          <p:cNvPr id="3" name="CasellaDiTesto 2">
+      </p:cxnSp>
+      <p:sp>
+        <p:nvSpPr>
+          <p:cNvPr id="6" name="CasellaDiTesto 5">
             <a:extLst>
               <a:ext uri="{FF2B5EF4-FFF2-40B4-BE49-F238E27FC236}">
-                <a16:creationId xmlns:a16="http://schemas.microsoft.com/office/drawing/2014/main" id="{082B075C-D0F0-47E9-B30E-4BC18471C22F}"/>
+                <a16:creationId xmlns:a16="http://schemas.microsoft.com/office/drawing/2014/main" id="{312CB01A-E0F3-4744-BF99-E78C4A6E118E}"/>
               </a:ext>
             </a:extLst>
           </p:cNvPr>
@@ -6941,8 +6764,8 @@
         </p:nvSpPr>
         <p:spPr>
           <a:xfrm>
-            <a:off x="9172730" y="3108356"/>
-            <a:ext cx="1162974" cy="400110"/>
+            <a:off x="8595978" y="4698583"/>
+            <a:ext cx="896644" cy="307777"/>
           </a:xfrm>
           <a:prstGeom prst="rect">
             <a:avLst/>
@@ -6958,7 +6781,7 @@
           <a:lstStyle/>
           <a:p>
             <a:r>
-              <a:rPr lang="it-IT" sz="2000" b="1" dirty="0">
+              <a:rPr lang="it-IT" sz="1400" b="1" dirty="0">
                 <a:latin typeface="Inter"/>
               </a:rPr>
               <a:t>Counter:</a:t>
@@ -6969,7 +6792,7 @@
     </p:spTree>
     <p:extLst>
       <p:ext uri="{BB962C8B-B14F-4D97-AF65-F5344CB8AC3E}">
-        <p14:creationId xmlns:p14="http://schemas.microsoft.com/office/powerpoint/2010/main" val="2994410576"/>
+        <p14:creationId xmlns:p14="http://schemas.microsoft.com/office/powerpoint/2010/main" val="507141132"/>
       </p:ext>
     </p:extLst>
   </p:cSld>
@@ -7023,12 +6846,86 @@
                   <a:srgbClr val="BD582C"/>
                 </a:solidFill>
               </a:rPr>
-              <a:t>Client waiting board</a:t>
+              <a:t>Login</a:t>
             </a:r>
             <a:endParaRPr lang="en-GB" dirty="0"/>
           </a:p>
         </p:txBody>
       </p:sp>
+      <p:pic>
+        <p:nvPicPr>
+          <p:cNvPr id="4" name="Picture 3">
+            <a:extLst>
+              <a:ext uri="{FF2B5EF4-FFF2-40B4-BE49-F238E27FC236}">
+                <a16:creationId xmlns:a16="http://schemas.microsoft.com/office/drawing/2014/main" id="{5C30AAEA-16F8-45F9-8611-44502E229D4C}"/>
+              </a:ext>
+            </a:extLst>
+          </p:cNvPr>
+          <p:cNvPicPr>
+            <a:picLocks noChangeAspect="1"/>
+          </p:cNvPicPr>
+          <p:nvPr/>
+        </p:nvPicPr>
+        <p:blipFill>
+          <a:blip r:embed="rId2"/>
+          <a:stretch>
+            <a:fillRect/>
+          </a:stretch>
+        </p:blipFill>
+        <p:spPr>
+          <a:xfrm>
+            <a:off x="3111843" y="2184627"/>
+            <a:ext cx="8043837" cy="3893874"/>
+          </a:xfrm>
+          <a:prstGeom prst="rect">
+            <a:avLst/>
+          </a:prstGeom>
+        </p:spPr>
+      </p:pic>
+      <p:cxnSp>
+        <p:nvCxnSpPr>
+          <p:cNvPr id="6" name="Straight Arrow Connector 5">
+            <a:extLst>
+              <a:ext uri="{FF2B5EF4-FFF2-40B4-BE49-F238E27FC236}">
+                <a16:creationId xmlns:a16="http://schemas.microsoft.com/office/drawing/2014/main" id="{399AAA82-FD2D-4573-AE32-391BA7685CDE}"/>
+              </a:ext>
+            </a:extLst>
+          </p:cNvPr>
+          <p:cNvCxnSpPr>
+            <a:cxnSpLocks/>
+          </p:cNvCxnSpPr>
+          <p:nvPr/>
+        </p:nvCxnSpPr>
+        <p:spPr>
+          <a:xfrm>
+            <a:off x="2533003" y="3429000"/>
+            <a:ext cx="913157" cy="356686"/>
+          </a:xfrm>
+          <a:prstGeom prst="straightConnector1">
+            <a:avLst/>
+          </a:prstGeom>
+          <a:ln>
+            <a:solidFill>
+              <a:srgbClr val="E48312"/>
+            </a:solidFill>
+            <a:tailEnd type="triangle"/>
+          </a:ln>
+        </p:spPr>
+        <p:style>
+          <a:lnRef idx="1">
+            <a:schemeClr val="accent1"/>
+          </a:lnRef>
+          <a:fillRef idx="0">
+            <a:schemeClr val="accent1"/>
+          </a:fillRef>
+          <a:effectRef idx="0">
+            <a:schemeClr val="accent1"/>
+          </a:effectRef>
+          <a:fontRef idx="minor">
+            <a:schemeClr val="tx1"/>
+          </a:fontRef>
+        </p:style>
+      </p:cxnSp>
       <p:sp>
         <p:nvSpPr>
           <p:cNvPr id="7" name="Rectangle: Rounded Corners 6">
@@ -7043,8 +6940,8 @@
         </p:nvSpPr>
         <p:spPr>
           <a:xfrm>
-            <a:off x="5515557" y="1980531"/>
-            <a:ext cx="2676007" cy="850096"/>
+            <a:off x="955497" y="3028308"/>
+            <a:ext cx="1577506" cy="801384"/>
           </a:xfrm>
           <a:prstGeom prst="roundRect">
             <a:avLst/>
@@ -7085,46 +6982,17 @@
                   <a:sysClr val="windowText" lastClr="000000"/>
                 </a:solidFill>
               </a:rPr>
-              <a:t>The service he is waiting for</a:t>
-            </a:r>
-          </a:p>
-        </p:txBody>
-      </p:sp>
-      <p:pic>
-        <p:nvPicPr>
-          <p:cNvPr id="8" name="Segnaposto contenuto 4">
+              <a:t>User email</a:t>
+            </a:r>
+          </a:p>
+        </p:txBody>
+      </p:sp>
+      <p:cxnSp>
+        <p:nvCxnSpPr>
+          <p:cNvPr id="13" name="Straight Arrow Connector 12">
             <a:extLst>
               <a:ext uri="{FF2B5EF4-FFF2-40B4-BE49-F238E27FC236}">
-                <a16:creationId xmlns:a16="http://schemas.microsoft.com/office/drawing/2014/main" id="{282A6990-B902-4B2F-8A17-3FEFBA769457}"/>
-              </a:ext>
-            </a:extLst>
-          </p:cNvPr>
-          <p:cNvPicPr>
-            <a:picLocks noGrp="1" noChangeAspect="1"/>
-          </p:cNvPicPr>
-          <p:nvPr>
-            <p:ph idx="1"/>
-          </p:nvPr>
-        </p:nvPicPr>
-        <p:blipFill>
-          <a:blip r:embed="rId2"/>
-          <a:stretch>
-            <a:fillRect/>
-          </a:stretch>
-        </p:blipFill>
-        <p:spPr>
-          <a:xfrm>
-            <a:off x="2586363" y="3045041"/>
-            <a:ext cx="7878862" cy="2395386"/>
-          </a:xfrm>
-        </p:spPr>
-      </p:pic>
-      <p:cxnSp>
-        <p:nvCxnSpPr>
-          <p:cNvPr id="10" name="Connettore 2 9">
-            <a:extLst>
-              <a:ext uri="{FF2B5EF4-FFF2-40B4-BE49-F238E27FC236}">
-                <a16:creationId xmlns:a16="http://schemas.microsoft.com/office/drawing/2014/main" id="{62AB498A-4E90-4C88-9571-8C938A63D5E1}"/>
+                <a16:creationId xmlns:a16="http://schemas.microsoft.com/office/drawing/2014/main" id="{4ACD3E0A-3371-40C9-9204-620568E2B3D7}"/>
               </a:ext>
             </a:extLst>
           </p:cNvPr>
@@ -7134,14 +7002,17 @@
           <p:nvPr/>
         </p:nvCxnSpPr>
         <p:spPr>
-          <a:xfrm>
-            <a:off x="6833710" y="2830627"/>
-            <a:ext cx="0" cy="801384"/>
+          <a:xfrm flipV="1">
+            <a:off x="2533003" y="4834727"/>
+            <a:ext cx="891584" cy="390663"/>
           </a:xfrm>
           <a:prstGeom prst="straightConnector1">
             <a:avLst/>
           </a:prstGeom>
           <a:ln>
+            <a:solidFill>
+              <a:srgbClr val="E48312"/>
+            </a:solidFill>
             <a:tailEnd type="triangle"/>
           </a:ln>
         </p:spPr>
@@ -7162,39 +7033,122 @@
       </p:cxnSp>
       <p:sp>
         <p:nvSpPr>
-          <p:cNvPr id="6" name="CasellaDiTesto 5">
+          <p:cNvPr id="20" name="Rectangle: Rounded Corners 19">
             <a:extLst>
               <a:ext uri="{FF2B5EF4-FFF2-40B4-BE49-F238E27FC236}">
-                <a16:creationId xmlns:a16="http://schemas.microsoft.com/office/drawing/2014/main" id="{312CB01A-E0F3-4744-BF99-E78C4A6E118E}"/>
+                <a16:creationId xmlns:a16="http://schemas.microsoft.com/office/drawing/2014/main" id="{BF64BEF2-217F-4E38-90FD-5FDC86A30826}"/>
               </a:ext>
             </a:extLst>
           </p:cNvPr>
-          <p:cNvSpPr txBox="1"/>
+          <p:cNvSpPr/>
           <p:nvPr/>
         </p:nvSpPr>
         <p:spPr>
           <a:xfrm>
-            <a:off x="8595978" y="4698583"/>
-            <a:ext cx="896644" cy="307777"/>
-          </a:xfrm>
-          <a:prstGeom prst="rect">
+            <a:off x="852755" y="4942350"/>
+            <a:ext cx="1680248" cy="801384"/>
+          </a:xfrm>
+          <a:prstGeom prst="roundRect">
             <a:avLst/>
           </a:prstGeom>
           <a:solidFill>
-            <a:schemeClr val="bg1"/>
+            <a:srgbClr val="FFFFFF"/>
           </a:solidFill>
-        </p:spPr>
-        <p:txBody>
-          <a:bodyPr wrap="square" rtlCol="0">
-            <a:spAutoFit/>
-          </a:bodyPr>
-          <a:lstStyle/>
-          <a:p>
-            <a:r>
-              <a:rPr lang="it-IT" sz="1400" b="1" dirty="0">
-                <a:latin typeface="Inter"/>
+          <a:ln>
+            <a:solidFill>
+              <a:schemeClr val="accent1"/>
+            </a:solidFill>
+          </a:ln>
+        </p:spPr>
+        <p:style>
+          <a:lnRef idx="2">
+            <a:schemeClr val="accent1">
+              <a:shade val="50000"/>
+            </a:schemeClr>
+          </a:lnRef>
+          <a:fillRef idx="1">
+            <a:schemeClr val="accent1"/>
+          </a:fillRef>
+          <a:effectRef idx="0">
+            <a:schemeClr val="accent1"/>
+          </a:effectRef>
+          <a:fontRef idx="minor">
+            <a:schemeClr val="lt1"/>
+          </a:fontRef>
+        </p:style>
+        <p:txBody>
+          <a:bodyPr rtlCol="0" anchor="ctr"/>
+          <a:lstStyle/>
+          <a:p>
+            <a:pPr algn="ctr"/>
+            <a:r>
+              <a:rPr lang="en-GB" sz="2000" dirty="0">
+                <a:solidFill>
+                  <a:sysClr val="windowText" lastClr="000000"/>
+                </a:solidFill>
               </a:rPr>
-              <a:t>Counter:</a:t>
+              <a:t>User password</a:t>
+            </a:r>
+          </a:p>
+        </p:txBody>
+      </p:sp>
+      <p:sp>
+        <p:nvSpPr>
+          <p:cNvPr id="24" name="Rectangle: Rounded Corners 23">
+            <a:extLst>
+              <a:ext uri="{FF2B5EF4-FFF2-40B4-BE49-F238E27FC236}">
+                <a16:creationId xmlns:a16="http://schemas.microsoft.com/office/drawing/2014/main" id="{F3339766-5C30-437A-9623-4BF142F5ADE0}"/>
+              </a:ext>
+            </a:extLst>
+          </p:cNvPr>
+          <p:cNvSpPr/>
+          <p:nvPr/>
+        </p:nvSpPr>
+        <p:spPr>
+          <a:xfrm>
+            <a:off x="7921375" y="433582"/>
+            <a:ext cx="3313840" cy="1128090"/>
+          </a:xfrm>
+          <a:prstGeom prst="roundRect">
+            <a:avLst/>
+          </a:prstGeom>
+          <a:solidFill>
+            <a:srgbClr val="FFFFFF"/>
+          </a:solidFill>
+          <a:ln>
+            <a:solidFill>
+              <a:schemeClr val="accent1"/>
+            </a:solidFill>
+          </a:ln>
+        </p:spPr>
+        <p:style>
+          <a:lnRef idx="2">
+            <a:schemeClr val="accent1">
+              <a:shade val="50000"/>
+            </a:schemeClr>
+          </a:lnRef>
+          <a:fillRef idx="1">
+            <a:schemeClr val="accent1"/>
+          </a:fillRef>
+          <a:effectRef idx="0">
+            <a:schemeClr val="accent1"/>
+          </a:effectRef>
+          <a:fontRef idx="minor">
+            <a:schemeClr val="lt1"/>
+          </a:fontRef>
+        </p:style>
+        <p:txBody>
+          <a:bodyPr rtlCol="0" anchor="ctr"/>
+          <a:lstStyle/>
+          <a:p>
+            <a:pPr algn="ctr"/>
+            <a:r>
+              <a:rPr lang="en-GB" sz="2400" dirty="0">
+                <a:solidFill>
+                  <a:srgbClr val="BD582C"/>
+                </a:solidFill>
+              </a:rPr>
+              <a:t>Only the officers and the manager login here</a:t>
             </a:r>
           </a:p>
         </p:txBody>
@@ -7202,7 +7156,7 @@
     </p:spTree>
     <p:extLst>
       <p:ext uri="{BB962C8B-B14F-4D97-AF65-F5344CB8AC3E}">
-        <p14:creationId xmlns:p14="http://schemas.microsoft.com/office/powerpoint/2010/main" val="507141132"/>
+        <p14:creationId xmlns:p14="http://schemas.microsoft.com/office/powerpoint/2010/main" val="3858183379"/>
       </p:ext>
     </p:extLst>
   </p:cSld>
@@ -7256,18 +7210,134 @@
                   <a:srgbClr val="BD582C"/>
                 </a:solidFill>
               </a:rPr>
-              <a:t>Login</a:t>
+              <a:t>Login validation</a:t>
             </a:r>
             <a:endParaRPr lang="en-GB" dirty="0"/>
+          </a:p>
+        </p:txBody>
+      </p:sp>
+      <p:cxnSp>
+        <p:nvCxnSpPr>
+          <p:cNvPr id="13" name="Straight Arrow Connector 12">
+            <a:extLst>
+              <a:ext uri="{FF2B5EF4-FFF2-40B4-BE49-F238E27FC236}">
+                <a16:creationId xmlns:a16="http://schemas.microsoft.com/office/drawing/2014/main" id="{4ACD3E0A-3371-40C9-9204-620568E2B3D7}"/>
+              </a:ext>
+            </a:extLst>
+          </p:cNvPr>
+          <p:cNvCxnSpPr>
+            <a:cxnSpLocks/>
+          </p:cNvCxnSpPr>
+          <p:nvPr/>
+        </p:nvCxnSpPr>
+        <p:spPr>
+          <a:xfrm flipV="1">
+            <a:off x="2533003" y="4834727"/>
+            <a:ext cx="891584" cy="390663"/>
+          </a:xfrm>
+          <a:prstGeom prst="straightConnector1">
+            <a:avLst/>
+          </a:prstGeom>
+          <a:ln>
+            <a:solidFill>
+              <a:srgbClr val="E48312"/>
+            </a:solidFill>
+            <a:tailEnd type="triangle"/>
+          </a:ln>
+        </p:spPr>
+        <p:style>
+          <a:lnRef idx="1">
+            <a:schemeClr val="accent1"/>
+          </a:lnRef>
+          <a:fillRef idx="0">
+            <a:schemeClr val="accent1"/>
+          </a:fillRef>
+          <a:effectRef idx="0">
+            <a:schemeClr val="accent1"/>
+          </a:effectRef>
+          <a:fontRef idx="minor">
+            <a:schemeClr val="tx1"/>
+          </a:fontRef>
+        </p:style>
+      </p:cxnSp>
+      <p:sp>
+        <p:nvSpPr>
+          <p:cNvPr id="20" name="Rectangle: Rounded Corners 19">
+            <a:extLst>
+              <a:ext uri="{FF2B5EF4-FFF2-40B4-BE49-F238E27FC236}">
+                <a16:creationId xmlns:a16="http://schemas.microsoft.com/office/drawing/2014/main" id="{BF64BEF2-217F-4E38-90FD-5FDC86A30826}"/>
+              </a:ext>
+            </a:extLst>
+          </p:cNvPr>
+          <p:cNvSpPr/>
+          <p:nvPr/>
+        </p:nvSpPr>
+        <p:spPr>
+          <a:xfrm>
+            <a:off x="811658" y="4834727"/>
+            <a:ext cx="2167137" cy="970172"/>
+          </a:xfrm>
+          <a:prstGeom prst="roundRect">
+            <a:avLst/>
+          </a:prstGeom>
+          <a:solidFill>
+            <a:srgbClr val="FFFFFF"/>
+          </a:solidFill>
+          <a:ln>
+            <a:solidFill>
+              <a:schemeClr val="accent1"/>
+            </a:solidFill>
+          </a:ln>
+        </p:spPr>
+        <p:style>
+          <a:lnRef idx="2">
+            <a:schemeClr val="accent1">
+              <a:shade val="50000"/>
+            </a:schemeClr>
+          </a:lnRef>
+          <a:fillRef idx="1">
+            <a:schemeClr val="accent1"/>
+          </a:fillRef>
+          <a:effectRef idx="0">
+            <a:schemeClr val="accent1"/>
+          </a:effectRef>
+          <a:fontRef idx="minor">
+            <a:schemeClr val="lt1"/>
+          </a:fontRef>
+        </p:style>
+        <p:txBody>
+          <a:bodyPr rtlCol="0" anchor="ctr"/>
+          <a:lstStyle/>
+          <a:p>
+            <a:pPr algn="ctr"/>
+            <a:r>
+              <a:rPr lang="en-GB" sz="2000" dirty="0">
+                <a:solidFill>
+                  <a:sysClr val="windowText" lastClr="000000"/>
+                </a:solidFill>
+              </a:rPr>
+              <a:t>Password</a:t>
+            </a:r>
+          </a:p>
+          <a:p>
+            <a:pPr algn="ctr"/>
+            <a:r>
+              <a:rPr lang="en-GB" sz="2000" dirty="0">
+                <a:solidFill>
+                  <a:sysClr val="windowText" lastClr="000000"/>
+                </a:solidFill>
+              </a:rPr>
+              <a:t>and email validation </a:t>
+            </a:r>
           </a:p>
         </p:txBody>
       </p:sp>
       <p:pic>
         <p:nvPicPr>
-          <p:cNvPr id="4" name="Picture 3">
+          <p:cNvPr id="5" name="Immagine 4">
             <a:extLst>
               <a:ext uri="{FF2B5EF4-FFF2-40B4-BE49-F238E27FC236}">
-                <a16:creationId xmlns:a16="http://schemas.microsoft.com/office/drawing/2014/main" id="{5C30AAEA-16F8-45F9-8611-44502E229D4C}"/>
+                <a16:creationId xmlns:a16="http://schemas.microsoft.com/office/drawing/2014/main" id="{B4B21D80-D9E0-42BC-87FB-4FBAE723C9B7}"/>
               </a:ext>
             </a:extLst>
           </p:cNvPr>
@@ -7284,289 +7354,18 @@
         </p:blipFill>
         <p:spPr>
           <a:xfrm>
-            <a:off x="3111843" y="2184627"/>
-            <a:ext cx="8043837" cy="3893874"/>
+            <a:off x="3446160" y="1884339"/>
+            <a:ext cx="6753225" cy="3667125"/>
           </a:xfrm>
           <a:prstGeom prst="rect">
             <a:avLst/>
           </a:prstGeom>
         </p:spPr>
       </p:pic>
-      <p:cxnSp>
-        <p:nvCxnSpPr>
-          <p:cNvPr id="6" name="Straight Arrow Connector 5">
-            <a:extLst>
-              <a:ext uri="{FF2B5EF4-FFF2-40B4-BE49-F238E27FC236}">
-                <a16:creationId xmlns:a16="http://schemas.microsoft.com/office/drawing/2014/main" id="{399AAA82-FD2D-4573-AE32-391BA7685CDE}"/>
-              </a:ext>
-            </a:extLst>
-          </p:cNvPr>
-          <p:cNvCxnSpPr>
-            <a:cxnSpLocks/>
-          </p:cNvCxnSpPr>
-          <p:nvPr/>
-        </p:nvCxnSpPr>
-        <p:spPr>
-          <a:xfrm>
-            <a:off x="2533003" y="3429000"/>
-            <a:ext cx="913157" cy="356686"/>
-          </a:xfrm>
-          <a:prstGeom prst="straightConnector1">
-            <a:avLst/>
-          </a:prstGeom>
-          <a:ln>
-            <a:solidFill>
-              <a:srgbClr val="E48312"/>
-            </a:solidFill>
-            <a:tailEnd type="triangle"/>
-          </a:ln>
-        </p:spPr>
-        <p:style>
-          <a:lnRef idx="1">
-            <a:schemeClr val="accent1"/>
-          </a:lnRef>
-          <a:fillRef idx="0">
-            <a:schemeClr val="accent1"/>
-          </a:fillRef>
-          <a:effectRef idx="0">
-            <a:schemeClr val="accent1"/>
-          </a:effectRef>
-          <a:fontRef idx="minor">
-            <a:schemeClr val="tx1"/>
-          </a:fontRef>
-        </p:style>
-      </p:cxnSp>
-      <p:sp>
-        <p:nvSpPr>
-          <p:cNvPr id="7" name="Rectangle: Rounded Corners 6">
-            <a:extLst>
-              <a:ext uri="{FF2B5EF4-FFF2-40B4-BE49-F238E27FC236}">
-                <a16:creationId xmlns:a16="http://schemas.microsoft.com/office/drawing/2014/main" id="{20852C87-A218-4973-BA7B-8CEEE9A7C742}"/>
-              </a:ext>
-            </a:extLst>
-          </p:cNvPr>
-          <p:cNvSpPr/>
-          <p:nvPr/>
-        </p:nvSpPr>
-        <p:spPr>
-          <a:xfrm>
-            <a:off x="955497" y="3028308"/>
-            <a:ext cx="1577506" cy="801384"/>
-          </a:xfrm>
-          <a:prstGeom prst="roundRect">
-            <a:avLst/>
-          </a:prstGeom>
-          <a:solidFill>
-            <a:srgbClr val="FFFFFF"/>
-          </a:solidFill>
-          <a:ln>
-            <a:solidFill>
-              <a:schemeClr val="accent1"/>
-            </a:solidFill>
-          </a:ln>
-        </p:spPr>
-        <p:style>
-          <a:lnRef idx="2">
-            <a:schemeClr val="accent1">
-              <a:shade val="50000"/>
-            </a:schemeClr>
-          </a:lnRef>
-          <a:fillRef idx="1">
-            <a:schemeClr val="accent1"/>
-          </a:fillRef>
-          <a:effectRef idx="0">
-            <a:schemeClr val="accent1"/>
-          </a:effectRef>
-          <a:fontRef idx="minor">
-            <a:schemeClr val="lt1"/>
-          </a:fontRef>
-        </p:style>
-        <p:txBody>
-          <a:bodyPr rtlCol="0" anchor="ctr"/>
-          <a:lstStyle/>
-          <a:p>
-            <a:pPr algn="ctr"/>
-            <a:r>
-              <a:rPr lang="en-GB" sz="2000" dirty="0">
-                <a:solidFill>
-                  <a:sysClr val="windowText" lastClr="000000"/>
-                </a:solidFill>
-              </a:rPr>
-              <a:t>User email</a:t>
-            </a:r>
-          </a:p>
-        </p:txBody>
-      </p:sp>
-      <p:cxnSp>
-        <p:nvCxnSpPr>
-          <p:cNvPr id="13" name="Straight Arrow Connector 12">
-            <a:extLst>
-              <a:ext uri="{FF2B5EF4-FFF2-40B4-BE49-F238E27FC236}">
-                <a16:creationId xmlns:a16="http://schemas.microsoft.com/office/drawing/2014/main" id="{4ACD3E0A-3371-40C9-9204-620568E2B3D7}"/>
-              </a:ext>
-            </a:extLst>
-          </p:cNvPr>
-          <p:cNvCxnSpPr>
-            <a:cxnSpLocks/>
-          </p:cNvCxnSpPr>
-          <p:nvPr/>
-        </p:nvCxnSpPr>
-        <p:spPr>
-          <a:xfrm flipV="1">
-            <a:off x="2533003" y="4834727"/>
-            <a:ext cx="891584" cy="390663"/>
-          </a:xfrm>
-          <a:prstGeom prst="straightConnector1">
-            <a:avLst/>
-          </a:prstGeom>
-          <a:ln>
-            <a:solidFill>
-              <a:srgbClr val="E48312"/>
-            </a:solidFill>
-            <a:tailEnd type="triangle"/>
-          </a:ln>
-        </p:spPr>
-        <p:style>
-          <a:lnRef idx="1">
-            <a:schemeClr val="accent1"/>
-          </a:lnRef>
-          <a:fillRef idx="0">
-            <a:schemeClr val="accent1"/>
-          </a:fillRef>
-          <a:effectRef idx="0">
-            <a:schemeClr val="accent1"/>
-          </a:effectRef>
-          <a:fontRef idx="minor">
-            <a:schemeClr val="tx1"/>
-          </a:fontRef>
-        </p:style>
-      </p:cxnSp>
-      <p:sp>
-        <p:nvSpPr>
-          <p:cNvPr id="20" name="Rectangle: Rounded Corners 19">
-            <a:extLst>
-              <a:ext uri="{FF2B5EF4-FFF2-40B4-BE49-F238E27FC236}">
-                <a16:creationId xmlns:a16="http://schemas.microsoft.com/office/drawing/2014/main" id="{BF64BEF2-217F-4E38-90FD-5FDC86A30826}"/>
-              </a:ext>
-            </a:extLst>
-          </p:cNvPr>
-          <p:cNvSpPr/>
-          <p:nvPr/>
-        </p:nvSpPr>
-        <p:spPr>
-          <a:xfrm>
-            <a:off x="852755" y="4942350"/>
-            <a:ext cx="1680248" cy="801384"/>
-          </a:xfrm>
-          <a:prstGeom prst="roundRect">
-            <a:avLst/>
-          </a:prstGeom>
-          <a:solidFill>
-            <a:srgbClr val="FFFFFF"/>
-          </a:solidFill>
-          <a:ln>
-            <a:solidFill>
-              <a:schemeClr val="accent1"/>
-            </a:solidFill>
-          </a:ln>
-        </p:spPr>
-        <p:style>
-          <a:lnRef idx="2">
-            <a:schemeClr val="accent1">
-              <a:shade val="50000"/>
-            </a:schemeClr>
-          </a:lnRef>
-          <a:fillRef idx="1">
-            <a:schemeClr val="accent1"/>
-          </a:fillRef>
-          <a:effectRef idx="0">
-            <a:schemeClr val="accent1"/>
-          </a:effectRef>
-          <a:fontRef idx="minor">
-            <a:schemeClr val="lt1"/>
-          </a:fontRef>
-        </p:style>
-        <p:txBody>
-          <a:bodyPr rtlCol="0" anchor="ctr"/>
-          <a:lstStyle/>
-          <a:p>
-            <a:pPr algn="ctr"/>
-            <a:r>
-              <a:rPr lang="en-GB" sz="2000" dirty="0">
-                <a:solidFill>
-                  <a:sysClr val="windowText" lastClr="000000"/>
-                </a:solidFill>
-              </a:rPr>
-              <a:t>User password</a:t>
-            </a:r>
-          </a:p>
-        </p:txBody>
-      </p:sp>
-      <p:sp>
-        <p:nvSpPr>
-          <p:cNvPr id="24" name="Rectangle: Rounded Corners 23">
-            <a:extLst>
-              <a:ext uri="{FF2B5EF4-FFF2-40B4-BE49-F238E27FC236}">
-                <a16:creationId xmlns:a16="http://schemas.microsoft.com/office/drawing/2014/main" id="{F3339766-5C30-437A-9623-4BF142F5ADE0}"/>
-              </a:ext>
-            </a:extLst>
-          </p:cNvPr>
-          <p:cNvSpPr/>
-          <p:nvPr/>
-        </p:nvSpPr>
-        <p:spPr>
-          <a:xfrm>
-            <a:off x="7921375" y="433582"/>
-            <a:ext cx="3313840" cy="1128090"/>
-          </a:xfrm>
-          <a:prstGeom prst="roundRect">
-            <a:avLst/>
-          </a:prstGeom>
-          <a:solidFill>
-            <a:srgbClr val="FFFFFF"/>
-          </a:solidFill>
-          <a:ln>
-            <a:solidFill>
-              <a:schemeClr val="accent1"/>
-            </a:solidFill>
-          </a:ln>
-        </p:spPr>
-        <p:style>
-          <a:lnRef idx="2">
-            <a:schemeClr val="accent1">
-              <a:shade val="50000"/>
-            </a:schemeClr>
-          </a:lnRef>
-          <a:fillRef idx="1">
-            <a:schemeClr val="accent1"/>
-          </a:fillRef>
-          <a:effectRef idx="0">
-            <a:schemeClr val="accent1"/>
-          </a:effectRef>
-          <a:fontRef idx="minor">
-            <a:schemeClr val="lt1"/>
-          </a:fontRef>
-        </p:style>
-        <p:txBody>
-          <a:bodyPr rtlCol="0" anchor="ctr"/>
-          <a:lstStyle/>
-          <a:p>
-            <a:pPr algn="ctr"/>
-            <a:r>
-              <a:rPr lang="en-GB" sz="2400" dirty="0">
-                <a:solidFill>
-                  <a:srgbClr val="BD582C"/>
-                </a:solidFill>
-              </a:rPr>
-              <a:t>Only the officers and the manager login here</a:t>
-            </a:r>
-          </a:p>
-        </p:txBody>
-      </p:sp>
     </p:spTree>
     <p:extLst>
       <p:ext uri="{BB962C8B-B14F-4D97-AF65-F5344CB8AC3E}">
-        <p14:creationId xmlns:p14="http://schemas.microsoft.com/office/powerpoint/2010/main" val="3858183379"/>
+        <p14:creationId xmlns:p14="http://schemas.microsoft.com/office/powerpoint/2010/main" val="3217101325"/>
       </p:ext>
     </p:extLst>
   </p:cSld>
